--- a/Final Presentation.pptx
+++ b/Final Presentation.pptx
@@ -1,26 +1,26 @@
 
 <file path=ppt/presentation.xml><?xml version="1.0" encoding="utf-8"?>
-<p:presentation xmlns:a="http://schemas.openxmlformats.org/drawingml/2006/main" xmlns:r="http://schemas.openxmlformats.org/officeDocument/2006/relationships" xmlns:mc="http://schemas.openxmlformats.org/markup-compatibility/2006" xmlns:mv="urn:schemas-microsoft-com:mac:vml" xmlns:p="http://schemas.openxmlformats.org/presentationml/2006/main" xmlns:c="http://schemas.openxmlformats.org/drawingml/2006/chart" xmlns:dgm="http://schemas.openxmlformats.org/drawingml/2006/diagram" xmlns:o="urn:schemas-microsoft-com:office:office" xmlns:v="urn:schemas-microsoft-com:vml" xmlns:pvml="urn:schemas-microsoft-com:office:powerpoint" xmlns:com="http://schemas.openxmlformats.org/drawingml/2006/compatibility" xmlns:p14="http://schemas.microsoft.com/office/powerpoint/2010/main" saveSubsetFonts="1" autoCompressPictures="0" mc:PreserveAttributes="mv:*" mc:Ignorable="mv">
+<p:presentation xmlns:a="http://schemas.openxmlformats.org/drawingml/2006/main" xmlns:r="http://schemas.openxmlformats.org/officeDocument/2006/relationships" xmlns:p="http://schemas.openxmlformats.org/presentationml/2006/main" saveSubsetFonts="1" autoCompressPictures="0">
   <p:sldMasterIdLst>
-    <p:sldMasterId id="2147483654" r:id="rId5"/>
+    <p:sldMasterId id="2147483654" r:id="rId1"/>
   </p:sldMasterIdLst>
   <p:notesMasterIdLst>
-    <p:notesMasterId r:id="rId6"/>
+    <p:notesMasterId r:id="rId10"/>
   </p:notesMasterIdLst>
   <p:sldIdLst>
-    <p:sldId id="256" r:id="rId7"/>
-    <p:sldId id="257" r:id="rId8"/>
-    <p:sldId id="258" r:id="rId9"/>
-    <p:sldId id="259" r:id="rId10"/>
-    <p:sldId id="260" r:id="rId11"/>
-    <p:sldId id="261" r:id="rId12"/>
-    <p:sldId id="262" r:id="rId13"/>
-    <p:sldId id="263" r:id="rId14"/>
+    <p:sldId id="256" r:id="rId2"/>
+    <p:sldId id="257" r:id="rId3"/>
+    <p:sldId id="258" r:id="rId4"/>
+    <p:sldId id="259" r:id="rId5"/>
+    <p:sldId id="260" r:id="rId6"/>
+    <p:sldId id="261" r:id="rId7"/>
+    <p:sldId id="262" r:id="rId8"/>
+    <p:sldId id="263" r:id="rId9"/>
   </p:sldIdLst>
-  <p:sldSz cy="5143500" cx="9144000"/>
-  <p:notesSz cy="9144000" cx="6858000"/>
+  <p:sldSz cx="9144000" cy="5143500" type="screen16x9"/>
+  <p:notesSz cx="6858000" cy="9144000"/>
   <p:defaultTextStyle>
-    <a:defPPr algn="l" rtl="0" marR="0">
+    <a:defPPr marR="0" algn="l" rtl="0">
       <a:lnSpc>
         <a:spcPct val="100000"/>
       </a:lnSpc>
@@ -31,7 +31,7 @@
         <a:spcPts val="0"/>
       </a:spcAft>
     </a:defPPr>
-    <a:lvl1pPr algn="l" rtl="0" marR="0">
+    <a:lvl1pPr marR="0" algn="l" rtl="0">
       <a:lnSpc>
         <a:spcPct val="100000"/>
       </a:lnSpc>
@@ -42,7 +42,7 @@
         <a:spcPts val="0"/>
       </a:spcAft>
       <a:buNone/>
-      <a:defRPr strike="noStrike" u="none" b="0" cap="none" baseline="0" sz="1400" i="0">
+      <a:defRPr sz="1400" b="0" i="0" u="none" strike="noStrike" cap="none" baseline="0">
         <a:solidFill>
           <a:srgbClr val="000000"/>
         </a:solidFill>
@@ -53,7 +53,7 @@
         <a:rtl val="0"/>
       </a:defRPr>
     </a:lvl1pPr>
-    <a:lvl2pPr algn="l" rtl="0" marR="0">
+    <a:lvl2pPr marR="0" algn="l" rtl="0">
       <a:lnSpc>
         <a:spcPct val="100000"/>
       </a:lnSpc>
@@ -64,7 +64,7 @@
         <a:spcPts val="0"/>
       </a:spcAft>
       <a:buNone/>
-      <a:defRPr strike="noStrike" u="none" b="0" cap="none" baseline="0" sz="1400" i="0">
+      <a:defRPr sz="1400" b="0" i="0" u="none" strike="noStrike" cap="none" baseline="0">
         <a:solidFill>
           <a:srgbClr val="000000"/>
         </a:solidFill>
@@ -75,7 +75,7 @@
         <a:rtl val="0"/>
       </a:defRPr>
     </a:lvl2pPr>
-    <a:lvl3pPr algn="l" rtl="0" marR="0">
+    <a:lvl3pPr marR="0" algn="l" rtl="0">
       <a:lnSpc>
         <a:spcPct val="100000"/>
       </a:lnSpc>
@@ -86,7 +86,7 @@
         <a:spcPts val="0"/>
       </a:spcAft>
       <a:buNone/>
-      <a:defRPr strike="noStrike" u="none" b="0" cap="none" baseline="0" sz="1400" i="0">
+      <a:defRPr sz="1400" b="0" i="0" u="none" strike="noStrike" cap="none" baseline="0">
         <a:solidFill>
           <a:srgbClr val="000000"/>
         </a:solidFill>
@@ -97,7 +97,7 @@
         <a:rtl val="0"/>
       </a:defRPr>
     </a:lvl3pPr>
-    <a:lvl4pPr algn="l" rtl="0" marR="0">
+    <a:lvl4pPr marR="0" algn="l" rtl="0">
       <a:lnSpc>
         <a:spcPct val="100000"/>
       </a:lnSpc>
@@ -108,7 +108,7 @@
         <a:spcPts val="0"/>
       </a:spcAft>
       <a:buNone/>
-      <a:defRPr strike="noStrike" u="none" b="0" cap="none" baseline="0" sz="1400" i="0">
+      <a:defRPr sz="1400" b="0" i="0" u="none" strike="noStrike" cap="none" baseline="0">
         <a:solidFill>
           <a:srgbClr val="000000"/>
         </a:solidFill>
@@ -119,7 +119,7 @@
         <a:rtl val="0"/>
       </a:defRPr>
     </a:lvl4pPr>
-    <a:lvl5pPr algn="l" rtl="0" marR="0">
+    <a:lvl5pPr marR="0" algn="l" rtl="0">
       <a:lnSpc>
         <a:spcPct val="100000"/>
       </a:lnSpc>
@@ -130,7 +130,7 @@
         <a:spcPts val="0"/>
       </a:spcAft>
       <a:buNone/>
-      <a:defRPr strike="noStrike" u="none" b="0" cap="none" baseline="0" sz="1400" i="0">
+      <a:defRPr sz="1400" b="0" i="0" u="none" strike="noStrike" cap="none" baseline="0">
         <a:solidFill>
           <a:srgbClr val="000000"/>
         </a:solidFill>
@@ -141,7 +141,7 @@
         <a:rtl val="0"/>
       </a:defRPr>
     </a:lvl5pPr>
-    <a:lvl6pPr algn="l" rtl="0" marR="0">
+    <a:lvl6pPr marR="0" algn="l" rtl="0">
       <a:lnSpc>
         <a:spcPct val="100000"/>
       </a:lnSpc>
@@ -152,7 +152,7 @@
         <a:spcPts val="0"/>
       </a:spcAft>
       <a:buNone/>
-      <a:defRPr strike="noStrike" u="none" b="0" cap="none" baseline="0" sz="1400" i="0">
+      <a:defRPr sz="1400" b="0" i="0" u="none" strike="noStrike" cap="none" baseline="0">
         <a:solidFill>
           <a:srgbClr val="000000"/>
         </a:solidFill>
@@ -163,7 +163,7 @@
         <a:rtl val="0"/>
       </a:defRPr>
     </a:lvl6pPr>
-    <a:lvl7pPr algn="l" rtl="0" marR="0">
+    <a:lvl7pPr marR="0" algn="l" rtl="0">
       <a:lnSpc>
         <a:spcPct val="100000"/>
       </a:lnSpc>
@@ -174,7 +174,7 @@
         <a:spcPts val="0"/>
       </a:spcAft>
       <a:buNone/>
-      <a:defRPr strike="noStrike" u="none" b="0" cap="none" baseline="0" sz="1400" i="0">
+      <a:defRPr sz="1400" b="0" i="0" u="none" strike="noStrike" cap="none" baseline="0">
         <a:solidFill>
           <a:srgbClr val="000000"/>
         </a:solidFill>
@@ -185,7 +185,7 @@
         <a:rtl val="0"/>
       </a:defRPr>
     </a:lvl7pPr>
-    <a:lvl8pPr algn="l" rtl="0" marR="0">
+    <a:lvl8pPr marR="0" algn="l" rtl="0">
       <a:lnSpc>
         <a:spcPct val="100000"/>
       </a:lnSpc>
@@ -196,7 +196,7 @@
         <a:spcPts val="0"/>
       </a:spcAft>
       <a:buNone/>
-      <a:defRPr strike="noStrike" u="none" b="0" cap="none" baseline="0" sz="1400" i="0">
+      <a:defRPr sz="1400" b="0" i="0" u="none" strike="noStrike" cap="none" baseline="0">
         <a:solidFill>
           <a:srgbClr val="000000"/>
         </a:solidFill>
@@ -207,7 +207,7 @@
         <a:rtl val="0"/>
       </a:defRPr>
     </a:lvl8pPr>
-    <a:lvl9pPr algn="l" rtl="0" marR="0">
+    <a:lvl9pPr marR="0" algn="l" rtl="0">
       <a:lnSpc>
         <a:spcPct val="100000"/>
       </a:lnSpc>
@@ -218,7 +218,7 @@
         <a:spcPts val="0"/>
       </a:spcAft>
       <a:buNone/>
-      <a:defRPr strike="noStrike" u="none" b="0" cap="none" baseline="0" sz="1400" i="0">
+      <a:defRPr sz="1400" b="0" i="0" u="none" strike="noStrike" cap="none" baseline="0">
         <a:solidFill>
           <a:srgbClr val="000000"/>
         </a:solidFill>
@@ -234,94 +234,99 @@
 </file>
 
 <file path=ppt/commentAuthors.xml><?xml version="1.0" encoding="utf-8"?>
-<p:cmAuthorLst xmlns:a="http://schemas.openxmlformats.org/drawingml/2006/main" xmlns:r="http://schemas.openxmlformats.org/officeDocument/2006/relationships" xmlns:mc="http://schemas.openxmlformats.org/markup-compatibility/2006" xmlns:mv="urn:schemas-microsoft-com:mac:vml" xmlns:p="http://schemas.openxmlformats.org/presentationml/2006/main" xmlns:c="http://schemas.openxmlformats.org/drawingml/2006/chart" xmlns:dgm="http://schemas.openxmlformats.org/drawingml/2006/diagram" xmlns:o="urn:schemas-microsoft-com:office:office" xmlns:v="urn:schemas-microsoft-com:vml" xmlns:pvml="urn:schemas-microsoft-com:office:powerpoint" xmlns:com="http://schemas.openxmlformats.org/drawingml/2006/compatibility" xmlns:p14="http://schemas.microsoft.com/office/powerpoint/2010/main">
-  <p:cmAuthor id="0" initials="" name="Ying Yao" lastIdx="10" clrIdx="0"/>
+<p:cmAuthorLst xmlns:a="http://schemas.openxmlformats.org/drawingml/2006/main" xmlns:r="http://schemas.openxmlformats.org/officeDocument/2006/relationships" xmlns:p="http://schemas.openxmlformats.org/presentationml/2006/main">
+  <p:cmAuthor id="0" name="Ying Yao" initials="" lastIdx="10" clrIdx="0"/>
 </p:cmAuthorLst>
 </file>
 
 <file path=ppt/comments/comment1.xml><?xml version="1.0" encoding="utf-8"?>
-<p:cmLst xmlns:a="http://schemas.openxmlformats.org/drawingml/2006/main" xmlns:r="http://schemas.openxmlformats.org/officeDocument/2006/relationships" xmlns:mc="http://schemas.openxmlformats.org/markup-compatibility/2006" xmlns:mv="urn:schemas-microsoft-com:mac:vml" xmlns:p="http://schemas.openxmlformats.org/presentationml/2006/main" xmlns:c="http://schemas.openxmlformats.org/drawingml/2006/chart" xmlns:dgm="http://schemas.openxmlformats.org/drawingml/2006/diagram" xmlns:o="urn:schemas-microsoft-com:office:office" xmlns:v="urn:schemas-microsoft-com:vml" xmlns:pvml="urn:schemas-microsoft-com:office:powerpoint" xmlns:com="http://schemas.openxmlformats.org/drawingml/2006/compatibility" xmlns:p14="http://schemas.microsoft.com/office/powerpoint/2010/main">
-  <p:cm idx="4" authorId="0">
-    <p:pos y="0" x="6000"/>
+<p:cmLst xmlns:a="http://schemas.openxmlformats.org/drawingml/2006/main" xmlns:r="http://schemas.openxmlformats.org/officeDocument/2006/relationships" xmlns:p="http://schemas.openxmlformats.org/presentationml/2006/main">
+  <p:cm authorId="0" idx="4">
+    <p:pos x="6000" y="0"/>
     <p:text>Katie</p:text>
   </p:cm>
-  <p:cm idx="8" authorId="0">
-    <p:pos y="100" x="6000"/>
+  <p:cm authorId="0" idx="8">
+    <p:pos x="6000" y="100"/>
     <p:text>mallory</p:text>
   </p:cm>
-  <p:cm idx="10" authorId="0">
-    <p:pos y="200" x="6000"/>
+  <p:cm authorId="0" idx="10">
+    <p:pos x="6000" y="200"/>
     <p:text>ying</p:text>
   </p:cm>
 </p:cmLst>
 </file>
 
 <file path=ppt/comments/comment2.xml><?xml version="1.0" encoding="utf-8"?>
-<p:cmLst xmlns:a="http://schemas.openxmlformats.org/drawingml/2006/main" xmlns:r="http://schemas.openxmlformats.org/officeDocument/2006/relationships" xmlns:mc="http://schemas.openxmlformats.org/markup-compatibility/2006" xmlns:mv="urn:schemas-microsoft-com:mac:vml" xmlns:p="http://schemas.openxmlformats.org/presentationml/2006/main" xmlns:c="http://schemas.openxmlformats.org/drawingml/2006/chart" xmlns:dgm="http://schemas.openxmlformats.org/drawingml/2006/diagram" xmlns:o="urn:schemas-microsoft-com:office:office" xmlns:v="urn:schemas-microsoft-com:vml" xmlns:pvml="urn:schemas-microsoft-com:office:powerpoint" xmlns:com="http://schemas.openxmlformats.org/drawingml/2006/compatibility" xmlns:p14="http://schemas.microsoft.com/office/powerpoint/2010/main">
-  <p:cm idx="9" authorId="0">
-    <p:pos y="0" x="6000"/>
+<p:cmLst xmlns:a="http://schemas.openxmlformats.org/drawingml/2006/main" xmlns:r="http://schemas.openxmlformats.org/officeDocument/2006/relationships" xmlns:p="http://schemas.openxmlformats.org/presentationml/2006/main">
+  <p:cm authorId="0" idx="9">
+    <p:pos x="6000" y="0"/>
     <p:text>ying</p:text>
   </p:cm>
 </p:cmLst>
 </file>
 
 <file path=ppt/comments/comment3.xml><?xml version="1.0" encoding="utf-8"?>
-<p:cmLst xmlns:a="http://schemas.openxmlformats.org/drawingml/2006/main" xmlns:r="http://schemas.openxmlformats.org/officeDocument/2006/relationships" xmlns:mc="http://schemas.openxmlformats.org/markup-compatibility/2006" xmlns:mv="urn:schemas-microsoft-com:mac:vml" xmlns:p="http://schemas.openxmlformats.org/presentationml/2006/main" xmlns:c="http://schemas.openxmlformats.org/drawingml/2006/chart" xmlns:dgm="http://schemas.openxmlformats.org/drawingml/2006/diagram" xmlns:o="urn:schemas-microsoft-com:office:office" xmlns:v="urn:schemas-microsoft-com:vml" xmlns:pvml="urn:schemas-microsoft-com:office:powerpoint" xmlns:com="http://schemas.openxmlformats.org/drawingml/2006/compatibility" xmlns:p14="http://schemas.microsoft.com/office/powerpoint/2010/main">
-  <p:cm idx="1" authorId="0">
-    <p:pos y="0" x="6000"/>
+<p:cmLst xmlns:a="http://schemas.openxmlformats.org/drawingml/2006/main" xmlns:r="http://schemas.openxmlformats.org/officeDocument/2006/relationships" xmlns:p="http://schemas.openxmlformats.org/presentationml/2006/main">
+  <p:cm authorId="0" idx="1">
+    <p:pos x="6000" y="0"/>
     <p:text>comment</p:text>
   </p:cm>
 </p:cmLst>
 </file>
 
 <file path=ppt/comments/comment4.xml><?xml version="1.0" encoding="utf-8"?>
-<p:cmLst xmlns:a="http://schemas.openxmlformats.org/drawingml/2006/main" xmlns:r="http://schemas.openxmlformats.org/officeDocument/2006/relationships" xmlns:mc="http://schemas.openxmlformats.org/markup-compatibility/2006" xmlns:mv="urn:schemas-microsoft-com:mac:vml" xmlns:p="http://schemas.openxmlformats.org/presentationml/2006/main" xmlns:c="http://schemas.openxmlformats.org/drawingml/2006/chart" xmlns:dgm="http://schemas.openxmlformats.org/drawingml/2006/diagram" xmlns:o="urn:schemas-microsoft-com:office:office" xmlns:v="urn:schemas-microsoft-com:vml" xmlns:pvml="urn:schemas-microsoft-com:office:powerpoint" xmlns:com="http://schemas.openxmlformats.org/drawingml/2006/compatibility" xmlns:p14="http://schemas.microsoft.com/office/powerpoint/2010/main">
-  <p:cm idx="7" authorId="0">
-    <p:pos y="0" x="6000"/>
+<p:cmLst xmlns:a="http://schemas.openxmlformats.org/drawingml/2006/main" xmlns:r="http://schemas.openxmlformats.org/officeDocument/2006/relationships" xmlns:p="http://schemas.openxmlformats.org/presentationml/2006/main">
+  <p:cm authorId="0" idx="7">
+    <p:pos x="6000" y="0"/>
     <p:text>mallory</p:text>
   </p:cm>
 </p:cmLst>
 </file>
 
 <file path=ppt/comments/comment5.xml><?xml version="1.0" encoding="utf-8"?>
-<p:cmLst xmlns:a="http://schemas.openxmlformats.org/drawingml/2006/main" xmlns:r="http://schemas.openxmlformats.org/officeDocument/2006/relationships" xmlns:mc="http://schemas.openxmlformats.org/markup-compatibility/2006" xmlns:mv="urn:schemas-microsoft-com:mac:vml" xmlns:p="http://schemas.openxmlformats.org/presentationml/2006/main" xmlns:c="http://schemas.openxmlformats.org/drawingml/2006/chart" xmlns:dgm="http://schemas.openxmlformats.org/drawingml/2006/diagram" xmlns:o="urn:schemas-microsoft-com:office:office" xmlns:v="urn:schemas-microsoft-com:vml" xmlns:pvml="urn:schemas-microsoft-com:office:powerpoint" xmlns:com="http://schemas.openxmlformats.org/drawingml/2006/compatibility" xmlns:p14="http://schemas.microsoft.com/office/powerpoint/2010/main">
-  <p:cm idx="6" authorId="0">
-    <p:pos y="0" x="6000"/>
+<p:cmLst xmlns:a="http://schemas.openxmlformats.org/drawingml/2006/main" xmlns:r="http://schemas.openxmlformats.org/officeDocument/2006/relationships" xmlns:p="http://schemas.openxmlformats.org/presentationml/2006/main">
+  <p:cm authorId="0" idx="6">
+    <p:pos x="6000" y="0"/>
     <p:text>mallory</p:text>
   </p:cm>
 </p:cmLst>
 </file>
 
 <file path=ppt/comments/comment6.xml><?xml version="1.0" encoding="utf-8"?>
-<p:cmLst xmlns:a="http://schemas.openxmlformats.org/drawingml/2006/main" xmlns:r="http://schemas.openxmlformats.org/officeDocument/2006/relationships" xmlns:mc="http://schemas.openxmlformats.org/markup-compatibility/2006" xmlns:mv="urn:schemas-microsoft-com:mac:vml" xmlns:p="http://schemas.openxmlformats.org/presentationml/2006/main" xmlns:c="http://schemas.openxmlformats.org/drawingml/2006/chart" xmlns:dgm="http://schemas.openxmlformats.org/drawingml/2006/diagram" xmlns:o="urn:schemas-microsoft-com:office:office" xmlns:v="urn:schemas-microsoft-com:vml" xmlns:pvml="urn:schemas-microsoft-com:office:powerpoint" xmlns:com="http://schemas.openxmlformats.org/drawingml/2006/compatibility" xmlns:p14="http://schemas.microsoft.com/office/powerpoint/2010/main">
-  <p:cm idx="2" authorId="0">
-    <p:pos y="0" x="6000"/>
+<p:cmLst xmlns:a="http://schemas.openxmlformats.org/drawingml/2006/main" xmlns:r="http://schemas.openxmlformats.org/officeDocument/2006/relationships" xmlns:p="http://schemas.openxmlformats.org/presentationml/2006/main">
+  <p:cm authorId="0" idx="2">
+    <p:pos x="6000" y="0"/>
     <p:text>Katie + Wesley</p:text>
   </p:cm>
 </p:cmLst>
 </file>
 
 <file path=ppt/comments/comment7.xml><?xml version="1.0" encoding="utf-8"?>
-<p:cmLst xmlns:a="http://schemas.openxmlformats.org/drawingml/2006/main" xmlns:r="http://schemas.openxmlformats.org/officeDocument/2006/relationships" xmlns:mc="http://schemas.openxmlformats.org/markup-compatibility/2006" xmlns:mv="urn:schemas-microsoft-com:mac:vml" xmlns:p="http://schemas.openxmlformats.org/presentationml/2006/main" xmlns:c="http://schemas.openxmlformats.org/drawingml/2006/chart" xmlns:dgm="http://schemas.openxmlformats.org/drawingml/2006/diagram" xmlns:o="urn:schemas-microsoft-com:office:office" xmlns:v="urn:schemas-microsoft-com:vml" xmlns:pvml="urn:schemas-microsoft-com:office:powerpoint" xmlns:com="http://schemas.openxmlformats.org/drawingml/2006/compatibility" xmlns:p14="http://schemas.microsoft.com/office/powerpoint/2010/main">
-  <p:cm idx="3" authorId="0">
-    <p:pos y="0" x="6000"/>
+<p:cmLst xmlns:a="http://schemas.openxmlformats.org/drawingml/2006/main" xmlns:r="http://schemas.openxmlformats.org/officeDocument/2006/relationships" xmlns:p="http://schemas.openxmlformats.org/presentationml/2006/main">
+  <p:cm authorId="0" idx="3">
+    <p:pos x="6000" y="0"/>
     <p:text>Cody</p:text>
   </p:cm>
 </p:cmLst>
 </file>
 
 <file path=ppt/comments/comment8.xml><?xml version="1.0" encoding="utf-8"?>
-<p:cmLst xmlns:a="http://schemas.openxmlformats.org/drawingml/2006/main" xmlns:r="http://schemas.openxmlformats.org/officeDocument/2006/relationships" xmlns:mc="http://schemas.openxmlformats.org/markup-compatibility/2006" xmlns:mv="urn:schemas-microsoft-com:mac:vml" xmlns:p="http://schemas.openxmlformats.org/presentationml/2006/main" xmlns:c="http://schemas.openxmlformats.org/drawingml/2006/chart" xmlns:dgm="http://schemas.openxmlformats.org/drawingml/2006/diagram" xmlns:o="urn:schemas-microsoft-com:office:office" xmlns:v="urn:schemas-microsoft-com:vml" xmlns:pvml="urn:schemas-microsoft-com:office:powerpoint" xmlns:com="http://schemas.openxmlformats.org/drawingml/2006/compatibility" xmlns:p14="http://schemas.microsoft.com/office/powerpoint/2010/main">
-  <p:cm idx="5" authorId="0">
-    <p:pos y="0" x="6000"/>
+<p:cmLst xmlns:a="http://schemas.openxmlformats.org/drawingml/2006/main" xmlns:r="http://schemas.openxmlformats.org/officeDocument/2006/relationships" xmlns:p="http://schemas.openxmlformats.org/presentationml/2006/main">
+  <p:cm authorId="0" idx="5">
+    <p:pos x="6000" y="0"/>
     <p:text>cody</p:text>
   </p:cm>
 </p:cmLst>
 </file>
 
 <file path=ppt/notesMasters/notesMaster1.xml><?xml version="1.0" encoding="utf-8"?>
-<p:notesMaster xmlns:a="http://schemas.openxmlformats.org/drawingml/2006/main" xmlns:r="http://schemas.openxmlformats.org/officeDocument/2006/relationships" xmlns:mc="http://schemas.openxmlformats.org/markup-compatibility/2006" xmlns:mv="urn:schemas-microsoft-com:mac:vml" xmlns:p="http://schemas.openxmlformats.org/presentationml/2006/main" xmlns:c="http://schemas.openxmlformats.org/drawingml/2006/chart" xmlns:dgm="http://schemas.openxmlformats.org/drawingml/2006/diagram" xmlns:o="urn:schemas-microsoft-com:office:office" xmlns:v="urn:schemas-microsoft-com:vml" xmlns:pvml="urn:schemas-microsoft-com:office:powerpoint" xmlns:com="http://schemas.openxmlformats.org/drawingml/2006/compatibility" xmlns:p14="http://schemas.microsoft.com/office/powerpoint/2010/main">
+<p:notesMaster xmlns:a="http://schemas.openxmlformats.org/drawingml/2006/main" xmlns:r="http://schemas.openxmlformats.org/officeDocument/2006/relationships" xmlns:p="http://schemas.openxmlformats.org/presentationml/2006/main">
   <p:cSld>
+    <p:bg>
+      <p:bgRef idx="1001">
+        <a:schemeClr val="bg1"/>
+      </p:bgRef>
+    </p:bg>
     <p:spTree>
       <p:nvGrpSpPr>
         <p:cNvPr id="1" name="Shape 1"/>
@@ -330,39 +335,46 @@
       </p:nvGrpSpPr>
       <p:grpSpPr>
         <a:xfrm>
-          <a:off y="0" x="0"/>
-          <a:ext cy="0" cx="0"/>
-          <a:chOff y="0" x="0"/>
-          <a:chExt cy="0" cx="0"/>
+          <a:off x="0" y="0"/>
+          <a:ext cx="0" cy="0"/>
+          <a:chOff x="0" y="0"/>
+          <a:chExt cx="0" cy="0"/>
         </a:xfrm>
       </p:grpSpPr>
       <p:sp>
         <p:nvSpPr>
           <p:cNvPr id="2" name="Shape 2"/>
-          <p:cNvSpPr/>
+          <p:cNvSpPr>
+            <a:spLocks noGrp="1" noRot="1" noChangeAspect="1"/>
+          </p:cNvSpPr>
           <p:nvPr>
-            <p:ph idx="2" type="sldImg"/>
+            <p:ph type="sldImg" idx="2"/>
           </p:nvPr>
         </p:nvSpPr>
         <p:spPr>
           <a:xfrm>
-            <a:off y="685800" x="381187"/>
-            <a:ext cy="3429000" cx="6096299"/>
+            <a:off x="381187" y="685800"/>
+            <a:ext cx="6096299" cy="3429000"/>
           </a:xfrm>
           <a:custGeom>
+            <a:avLst/>
+            <a:gdLst/>
+            <a:ahLst/>
+            <a:cxnLst/>
+            <a:rect l="0" t="0" r="0" b="0"/>
             <a:pathLst>
-              <a:path w="120000" extrusionOk="0" h="120000">
+              <a:path w="120000" h="120000" extrusionOk="0">
                 <a:moveTo>
-                  <a:pt y="0" x="0"/>
+                  <a:pt x="0" y="0"/>
                 </a:moveTo>
                 <a:lnTo>
-                  <a:pt y="0" x="120000"/>
+                  <a:pt x="120000" y="0"/>
                 </a:lnTo>
                 <a:lnTo>
-                  <a:pt y="120000" x="120000"/>
+                  <a:pt x="120000" y="120000"/>
                 </a:lnTo>
                 <a:lnTo>
-                  <a:pt y="120000" x="0"/>
+                  <a:pt x="0" y="120000"/>
                 </a:lnTo>
                 <a:close/>
               </a:path>
@@ -373,22 +385,24 @@
       <p:sp>
         <p:nvSpPr>
           <p:cNvPr id="3" name="Shape 3"/>
-          <p:cNvSpPr txBox="1"/>
+          <p:cNvSpPr txBox="1">
+            <a:spLocks noGrp="1"/>
+          </p:cNvSpPr>
           <p:nvPr>
-            <p:ph idx="1" type="body"/>
+            <p:ph type="body" idx="1"/>
           </p:nvPr>
         </p:nvSpPr>
         <p:spPr>
           <a:xfrm>
-            <a:off y="4343400" x="685800"/>
-            <a:ext cy="4114800" cx="5486399"/>
+            <a:off x="685800" y="4343400"/>
+            <a:ext cx="5486399" cy="4114800"/>
           </a:xfrm>
           <a:prstGeom prst="rect">
             <a:avLst/>
           </a:prstGeom>
         </p:spPr>
         <p:txBody>
-          <a:bodyPr bIns="91425" rIns="91425" lIns="91425" tIns="91425" anchor="t" anchorCtr="0"/>
+          <a:bodyPr lIns="91425" tIns="91425" rIns="91425" bIns="91425" anchor="t" anchorCtr="0"/>
           <a:lstStyle>
             <a:lvl1pPr>
               <a:defRPr sz="1100"/>
@@ -418,59 +432,165 @@
               <a:defRPr sz="1100"/>
             </a:lvl9pPr>
           </a:lstStyle>
-          <a:p/>
+          <a:p>
+            <a:endParaRPr/>
+          </a:p>
         </p:txBody>
       </p:sp>
     </p:spTree>
+    <p:extLst>
+      <p:ext uri="{BB962C8B-B14F-4D97-AF65-F5344CB8AC3E}">
+        <p14:creationId xmlns:p14="http://schemas.microsoft.com/office/powerpoint/2010/main" val="3606502206"/>
+      </p:ext>
+    </p:extLst>
   </p:cSld>
-  <p:clrMap accent2="accent2" accent3="accent3" accent4="accent4" accent5="accent5" accent6="accent6" hlink="hlink" tx2="lt2" tx1="dk1" bg2="dk2" bg1="lt1" folHlink="folHlink" accent1="accent1"/>
+  <p:clrMap bg1="lt1" tx1="dk1" bg2="dk2" tx2="lt2" accent1="accent1" accent2="accent2" accent3="accent3" accent4="accent4" accent5="accent5" accent6="accent6" hlink="hlink" folHlink="folHlink"/>
+  <p:notesStyle>
+    <a:lvl1pPr marL="0" algn="l" defTabSz="914400" rtl="0" eaLnBrk="1" latinLnBrk="0" hangingPunct="1">
+      <a:defRPr sz="1200" kern="1200">
+        <a:solidFill>
+          <a:schemeClr val="tx1"/>
+        </a:solidFill>
+        <a:latin typeface="+mn-lt"/>
+        <a:ea typeface="+mn-ea"/>
+        <a:cs typeface="+mn-cs"/>
+      </a:defRPr>
+    </a:lvl1pPr>
+    <a:lvl2pPr marL="457200" algn="l" defTabSz="914400" rtl="0" eaLnBrk="1" latinLnBrk="0" hangingPunct="1">
+      <a:defRPr sz="1200" kern="1200">
+        <a:solidFill>
+          <a:schemeClr val="tx1"/>
+        </a:solidFill>
+        <a:latin typeface="+mn-lt"/>
+        <a:ea typeface="+mn-ea"/>
+        <a:cs typeface="+mn-cs"/>
+      </a:defRPr>
+    </a:lvl2pPr>
+    <a:lvl3pPr marL="914400" algn="l" defTabSz="914400" rtl="0" eaLnBrk="1" latinLnBrk="0" hangingPunct="1">
+      <a:defRPr sz="1200" kern="1200">
+        <a:solidFill>
+          <a:schemeClr val="tx1"/>
+        </a:solidFill>
+        <a:latin typeface="+mn-lt"/>
+        <a:ea typeface="+mn-ea"/>
+        <a:cs typeface="+mn-cs"/>
+      </a:defRPr>
+    </a:lvl3pPr>
+    <a:lvl4pPr marL="1371600" algn="l" defTabSz="914400" rtl="0" eaLnBrk="1" latinLnBrk="0" hangingPunct="1">
+      <a:defRPr sz="1200" kern="1200">
+        <a:solidFill>
+          <a:schemeClr val="tx1"/>
+        </a:solidFill>
+        <a:latin typeface="+mn-lt"/>
+        <a:ea typeface="+mn-ea"/>
+        <a:cs typeface="+mn-cs"/>
+      </a:defRPr>
+    </a:lvl4pPr>
+    <a:lvl5pPr marL="1828800" algn="l" defTabSz="914400" rtl="0" eaLnBrk="1" latinLnBrk="0" hangingPunct="1">
+      <a:defRPr sz="1200" kern="1200">
+        <a:solidFill>
+          <a:schemeClr val="tx1"/>
+        </a:solidFill>
+        <a:latin typeface="+mn-lt"/>
+        <a:ea typeface="+mn-ea"/>
+        <a:cs typeface="+mn-cs"/>
+      </a:defRPr>
+    </a:lvl5pPr>
+    <a:lvl6pPr marL="2286000" algn="l" defTabSz="914400" rtl="0" eaLnBrk="1" latinLnBrk="0" hangingPunct="1">
+      <a:defRPr sz="1200" kern="1200">
+        <a:solidFill>
+          <a:schemeClr val="tx1"/>
+        </a:solidFill>
+        <a:latin typeface="+mn-lt"/>
+        <a:ea typeface="+mn-ea"/>
+        <a:cs typeface="+mn-cs"/>
+      </a:defRPr>
+    </a:lvl6pPr>
+    <a:lvl7pPr marL="2743200" algn="l" defTabSz="914400" rtl="0" eaLnBrk="1" latinLnBrk="0" hangingPunct="1">
+      <a:defRPr sz="1200" kern="1200">
+        <a:solidFill>
+          <a:schemeClr val="tx1"/>
+        </a:solidFill>
+        <a:latin typeface="+mn-lt"/>
+        <a:ea typeface="+mn-ea"/>
+        <a:cs typeface="+mn-cs"/>
+      </a:defRPr>
+    </a:lvl7pPr>
+    <a:lvl8pPr marL="3200400" algn="l" defTabSz="914400" rtl="0" eaLnBrk="1" latinLnBrk="0" hangingPunct="1">
+      <a:defRPr sz="1200" kern="1200">
+        <a:solidFill>
+          <a:schemeClr val="tx1"/>
+        </a:solidFill>
+        <a:latin typeface="+mn-lt"/>
+        <a:ea typeface="+mn-ea"/>
+        <a:cs typeface="+mn-cs"/>
+      </a:defRPr>
+    </a:lvl8pPr>
+    <a:lvl9pPr marL="3657600" algn="l" defTabSz="914400" rtl="0" eaLnBrk="1" latinLnBrk="0" hangingPunct="1">
+      <a:defRPr sz="1200" kern="1200">
+        <a:solidFill>
+          <a:schemeClr val="tx1"/>
+        </a:solidFill>
+        <a:latin typeface="+mn-lt"/>
+        <a:ea typeface="+mn-ea"/>
+        <a:cs typeface="+mn-cs"/>
+      </a:defRPr>
+    </a:lvl9pPr>
+  </p:notesStyle>
 </p:notesMaster>
 </file>
 
 <file path=ppt/notesSlides/notesSlide1.xml><?xml version="1.0" encoding="utf-8"?>
-<p:notes xmlns:a="http://schemas.openxmlformats.org/drawingml/2006/main" xmlns:r="http://schemas.openxmlformats.org/officeDocument/2006/relationships" xmlns:mc="http://schemas.openxmlformats.org/markup-compatibility/2006" xmlns:mv="urn:schemas-microsoft-com:mac:vml" xmlns:p="http://schemas.openxmlformats.org/presentationml/2006/main" xmlns:c="http://schemas.openxmlformats.org/drawingml/2006/chart" xmlns:dgm="http://schemas.openxmlformats.org/drawingml/2006/diagram" xmlns:o="urn:schemas-microsoft-com:office:office" xmlns:v="urn:schemas-microsoft-com:vml" xmlns:pvml="urn:schemas-microsoft-com:office:powerpoint" xmlns:com="http://schemas.openxmlformats.org/drawingml/2006/compatibility" xmlns:p14="http://schemas.microsoft.com/office/powerpoint/2010/main" showMasterSp="0" showMasterPhAnim="0">
+<p:notes xmlns:a="http://schemas.openxmlformats.org/drawingml/2006/main" xmlns:r="http://schemas.openxmlformats.org/officeDocument/2006/relationships" xmlns:p="http://schemas.openxmlformats.org/presentationml/2006/main" showMasterSp="0" showMasterPhAnim="0">
   <p:cSld>
     <p:spTree>
       <p:nvGrpSpPr>
-        <p:cNvPr id="28" name="Shape 28"/>
+        <p:cNvPr id="1" name="Shape 28"/>
         <p:cNvGrpSpPr/>
         <p:nvPr/>
       </p:nvGrpSpPr>
       <p:grpSpPr>
         <a:xfrm>
-          <a:off y="0" x="0"/>
-          <a:ext cy="0" cx="0"/>
-          <a:chOff y="0" x="0"/>
-          <a:chExt cy="0" cx="0"/>
+          <a:off x="0" y="0"/>
+          <a:ext cx="0" cy="0"/>
+          <a:chOff x="0" y="0"/>
+          <a:chExt cx="0" cy="0"/>
         </a:xfrm>
       </p:grpSpPr>
       <p:sp>
         <p:nvSpPr>
           <p:cNvPr id="29" name="Shape 29"/>
-          <p:cNvSpPr/>
+          <p:cNvSpPr>
+            <a:spLocks noGrp="1" noRot="1" noChangeAspect="1"/>
+          </p:cNvSpPr>
           <p:nvPr>
-            <p:ph idx="2" type="sldImg"/>
+            <p:ph type="sldImg" idx="2"/>
           </p:nvPr>
         </p:nvSpPr>
         <p:spPr>
           <a:xfrm>
-            <a:off y="685800" x="381187"/>
-            <a:ext cy="3429000" cx="6096299"/>
+            <a:off x="381000" y="685800"/>
+            <a:ext cx="6096000" cy="3429000"/>
           </a:xfrm>
           <a:custGeom>
+            <a:avLst/>
+            <a:gdLst/>
+            <a:ahLst/>
+            <a:cxnLst/>
+            <a:rect l="0" t="0" r="0" b="0"/>
             <a:pathLst>
-              <a:path w="120000" extrusionOk="0" h="120000">
+              <a:path w="120000" h="120000" extrusionOk="0">
                 <a:moveTo>
-                  <a:pt y="0" x="0"/>
+                  <a:pt x="0" y="0"/>
                 </a:moveTo>
                 <a:lnTo>
-                  <a:pt y="0" x="120000"/>
+                  <a:pt x="120000" y="0"/>
                 </a:lnTo>
                 <a:lnTo>
-                  <a:pt y="120000" x="120000"/>
+                  <a:pt x="120000" y="120000"/>
                 </a:lnTo>
                 <a:lnTo>
-                  <a:pt y="120000" x="0"/>
+                  <a:pt x="0" y="120000"/>
                 </a:lnTo>
                 <a:close/>
               </a:path>
@@ -481,31 +601,33 @@
       <p:sp>
         <p:nvSpPr>
           <p:cNvPr id="30" name="Shape 30"/>
-          <p:cNvSpPr txBox="1"/>
+          <p:cNvSpPr txBox="1">
+            <a:spLocks noGrp="1"/>
+          </p:cNvSpPr>
           <p:nvPr>
-            <p:ph idx="1" type="body"/>
+            <p:ph type="body" idx="1"/>
           </p:nvPr>
         </p:nvSpPr>
         <p:spPr>
           <a:xfrm>
-            <a:off y="4343400" x="685800"/>
-            <a:ext cy="4114800" cx="5486399"/>
+            <a:off x="685800" y="4343400"/>
+            <a:ext cx="5486399" cy="4114800"/>
           </a:xfrm>
           <a:prstGeom prst="rect">
             <a:avLst/>
           </a:prstGeom>
         </p:spPr>
         <p:txBody>
-          <a:bodyPr bIns="91425" rIns="91425" lIns="91425" tIns="91425" anchor="t" anchorCtr="0">
+          <a:bodyPr lIns="91425" tIns="91425" rIns="91425" bIns="91425" anchor="t" anchorCtr="0">
             <a:noAutofit/>
           </a:bodyPr>
           <a:lstStyle/>
           <a:p>
-            <a:pPr rtl="0" lvl="0">
+            <a:pPr lvl="0" rtl="0">
               <a:buNone/>
             </a:pPr>
             <a:r>
-              <a:rPr sz="1400" lang="en"/>
+              <a:rPr lang="en" sz="1400"/>
               <a:t>hi, we are Immigration Nation. there are five of us (introduce everyone), not the biggest nation but</a:t>
             </a:r>
           </a:p>
@@ -514,13 +636,18 @@
               <a:buNone/>
             </a:pPr>
             <a:r>
-              <a:rPr sz="1400" lang="en"/>
+              <a:rPr lang="en" sz="1400"/>
               <a:t>as the title suggests, our info viz is focused on the topic of immigration</a:t>
             </a:r>
           </a:p>
         </p:txBody>
       </p:sp>
     </p:spTree>
+    <p:extLst>
+      <p:ext uri="{BB962C8B-B14F-4D97-AF65-F5344CB8AC3E}">
+        <p14:creationId xmlns:p14="http://schemas.microsoft.com/office/powerpoint/2010/main" val="6817990"/>
+      </p:ext>
+    </p:extLst>
   </p:cSld>
   <p:clrMapOvr>
     <a:masterClrMapping/>
@@ -529,49 +656,56 @@
 </file>
 
 <file path=ppt/notesSlides/notesSlide2.xml><?xml version="1.0" encoding="utf-8"?>
-<p:notes xmlns:a="http://schemas.openxmlformats.org/drawingml/2006/main" xmlns:r="http://schemas.openxmlformats.org/officeDocument/2006/relationships" xmlns:mc="http://schemas.openxmlformats.org/markup-compatibility/2006" xmlns:mv="urn:schemas-microsoft-com:mac:vml" xmlns:p="http://schemas.openxmlformats.org/presentationml/2006/main" xmlns:c="http://schemas.openxmlformats.org/drawingml/2006/chart" xmlns:dgm="http://schemas.openxmlformats.org/drawingml/2006/diagram" xmlns:o="urn:schemas-microsoft-com:office:office" xmlns:v="urn:schemas-microsoft-com:vml" xmlns:pvml="urn:schemas-microsoft-com:office:powerpoint" xmlns:com="http://schemas.openxmlformats.org/drawingml/2006/compatibility" xmlns:p14="http://schemas.microsoft.com/office/powerpoint/2010/main" showMasterSp="0" showMasterPhAnim="0">
+<p:notes xmlns:a="http://schemas.openxmlformats.org/drawingml/2006/main" xmlns:r="http://schemas.openxmlformats.org/officeDocument/2006/relationships" xmlns:p="http://schemas.openxmlformats.org/presentationml/2006/main" showMasterSp="0" showMasterPhAnim="0">
   <p:cSld>
     <p:spTree>
       <p:nvGrpSpPr>
-        <p:cNvPr id="36" name="Shape 36"/>
+        <p:cNvPr id="1" name="Shape 36"/>
         <p:cNvGrpSpPr/>
         <p:nvPr/>
       </p:nvGrpSpPr>
       <p:grpSpPr>
         <a:xfrm>
-          <a:off y="0" x="0"/>
-          <a:ext cy="0" cx="0"/>
-          <a:chOff y="0" x="0"/>
-          <a:chExt cy="0" cx="0"/>
+          <a:off x="0" y="0"/>
+          <a:ext cx="0" cy="0"/>
+          <a:chOff x="0" y="0"/>
+          <a:chExt cx="0" cy="0"/>
         </a:xfrm>
       </p:grpSpPr>
       <p:sp>
         <p:nvSpPr>
           <p:cNvPr id="37" name="Shape 37"/>
-          <p:cNvSpPr/>
+          <p:cNvSpPr>
+            <a:spLocks noGrp="1" noRot="1" noChangeAspect="1"/>
+          </p:cNvSpPr>
           <p:nvPr>
-            <p:ph idx="2" type="sldImg"/>
+            <p:ph type="sldImg" idx="2"/>
           </p:nvPr>
         </p:nvSpPr>
         <p:spPr>
           <a:xfrm>
-            <a:off y="685800" x="381187"/>
-            <a:ext cy="3429000" cx="6096299"/>
+            <a:off x="381187" y="685800"/>
+            <a:ext cx="6096299" cy="3429000"/>
           </a:xfrm>
           <a:custGeom>
+            <a:avLst/>
+            <a:gdLst/>
+            <a:ahLst/>
+            <a:cxnLst/>
+            <a:rect l="0" t="0" r="0" b="0"/>
             <a:pathLst>
-              <a:path w="120000" extrusionOk="0" h="120000">
+              <a:path w="120000" h="120000" extrusionOk="0">
                 <a:moveTo>
-                  <a:pt y="0" x="0"/>
+                  <a:pt x="0" y="0"/>
                 </a:moveTo>
                 <a:lnTo>
-                  <a:pt y="0" x="120000"/>
+                  <a:pt x="120000" y="0"/>
                 </a:lnTo>
                 <a:lnTo>
-                  <a:pt y="120000" x="120000"/>
+                  <a:pt x="120000" y="120000"/>
                 </a:lnTo>
                 <a:lnTo>
-                  <a:pt y="120000" x="0"/>
+                  <a:pt x="0" y="120000"/>
                 </a:lnTo>
                 <a:close/>
               </a:path>
@@ -582,27 +716,29 @@
       <p:sp>
         <p:nvSpPr>
           <p:cNvPr id="38" name="Shape 38"/>
-          <p:cNvSpPr txBox="1"/>
+          <p:cNvSpPr txBox="1">
+            <a:spLocks noGrp="1"/>
+          </p:cNvSpPr>
           <p:nvPr>
-            <p:ph idx="1" type="body"/>
+            <p:ph type="body" idx="1"/>
           </p:nvPr>
         </p:nvSpPr>
         <p:spPr>
           <a:xfrm>
-            <a:off y="4343400" x="685800"/>
-            <a:ext cy="4114800" cx="5486399"/>
+            <a:off x="685800" y="4343400"/>
+            <a:ext cx="5486399" cy="4114800"/>
           </a:xfrm>
           <a:prstGeom prst="rect">
             <a:avLst/>
           </a:prstGeom>
         </p:spPr>
         <p:txBody>
-          <a:bodyPr bIns="91425" rIns="91425" lIns="91425" tIns="91425" anchor="t" anchorCtr="0">
+          <a:bodyPr lIns="91425" tIns="91425" rIns="91425" bIns="91425" anchor="t" anchorCtr="0">
             <a:noAutofit/>
           </a:bodyPr>
           <a:lstStyle/>
           <a:p>
-            <a:pPr rtl="0" lvl="0" indent="-317500" marL="457200">
+            <a:pPr marL="457200" lvl="0" indent="-317500" rtl="0">
               <a:buClr>
                 <a:srgbClr val="000000"/>
               </a:buClr>
@@ -611,12 +747,12 @@
               <a:buChar char="•"/>
             </a:pPr>
             <a:r>
-              <a:rPr b="1" sz="1400" lang="en"/>
+              <a:rPr lang="en" sz="1400" b="1"/>
               <a:t>we all had a personal investment to the topic(involvement with other cultures or from an immigrant), everyone can relate</a:t>
             </a:r>
           </a:p>
           <a:p>
-            <a:pPr rtl="0" lvl="0" indent="-317500" marL="457200">
+            <a:pPr marL="457200" lvl="0" indent="-317500" rtl="0">
               <a:buClr>
                 <a:srgbClr val="000000"/>
               </a:buClr>
@@ -625,12 +761,12 @@
               <a:buChar char="•"/>
             </a:pPr>
             <a:r>
-              <a:rPr b="1" sz="1400" lang="en"/>
+              <a:rPr lang="en" sz="1400" b="1"/>
               <a:t>as we learned in class, data is easily manipulated to present a certain view, so we wanted to convey the data we found without any bias</a:t>
             </a:r>
           </a:p>
           <a:p>
-            <a:pPr rtl="0" lvl="0" indent="-317500" marL="457200">
+            <a:pPr marL="457200" lvl="0" indent="-317500" rtl="0">
               <a:buClr>
                 <a:srgbClr val="000000"/>
               </a:buClr>
@@ -639,18 +775,21 @@
               <a:buChar char="•"/>
             </a:pPr>
             <a:r>
-              <a:rPr b="1" sz="1400" lang="en"/>
+              <a:rPr lang="en" sz="1400" b="1"/>
               <a:t>data without context has little meaning so we wanted to correlate any anomalies in the data with historical events that happened at the same time</a:t>
             </a:r>
           </a:p>
           <a:p>
-            <a:r>
-              <a:t/>
-            </a:r>
+            <a:endParaRPr lang="en" sz="1400" b="1"/>
           </a:p>
         </p:txBody>
       </p:sp>
     </p:spTree>
+    <p:extLst>
+      <p:ext uri="{BB962C8B-B14F-4D97-AF65-F5344CB8AC3E}">
+        <p14:creationId xmlns:p14="http://schemas.microsoft.com/office/powerpoint/2010/main" val="3926627463"/>
+      </p:ext>
+    </p:extLst>
   </p:cSld>
   <p:clrMapOvr>
     <a:masterClrMapping/>
@@ -659,49 +798,56 @@
 </file>
 
 <file path=ppt/notesSlides/notesSlide3.xml><?xml version="1.0" encoding="utf-8"?>
-<p:notes xmlns:a="http://schemas.openxmlformats.org/drawingml/2006/main" xmlns:r="http://schemas.openxmlformats.org/officeDocument/2006/relationships" xmlns:mc="http://schemas.openxmlformats.org/markup-compatibility/2006" xmlns:mv="urn:schemas-microsoft-com:mac:vml" xmlns:p="http://schemas.openxmlformats.org/presentationml/2006/main" xmlns:c="http://schemas.openxmlformats.org/drawingml/2006/chart" xmlns:dgm="http://schemas.openxmlformats.org/drawingml/2006/diagram" xmlns:o="urn:schemas-microsoft-com:office:office" xmlns:v="urn:schemas-microsoft-com:vml" xmlns:pvml="urn:schemas-microsoft-com:office:powerpoint" xmlns:com="http://schemas.openxmlformats.org/drawingml/2006/compatibility" xmlns:p14="http://schemas.microsoft.com/office/powerpoint/2010/main" showMasterSp="0" showMasterPhAnim="0">
+<p:notes xmlns:a="http://schemas.openxmlformats.org/drawingml/2006/main" xmlns:r="http://schemas.openxmlformats.org/officeDocument/2006/relationships" xmlns:p="http://schemas.openxmlformats.org/presentationml/2006/main" showMasterSp="0" showMasterPhAnim="0">
   <p:cSld>
     <p:spTree>
       <p:nvGrpSpPr>
-        <p:cNvPr id="43" name="Shape 43"/>
+        <p:cNvPr id="1" name="Shape 43"/>
         <p:cNvGrpSpPr/>
         <p:nvPr/>
       </p:nvGrpSpPr>
       <p:grpSpPr>
         <a:xfrm>
-          <a:off y="0" x="0"/>
-          <a:ext cy="0" cx="0"/>
-          <a:chOff y="0" x="0"/>
-          <a:chExt cy="0" cx="0"/>
+          <a:off x="0" y="0"/>
+          <a:ext cx="0" cy="0"/>
+          <a:chOff x="0" y="0"/>
+          <a:chExt cx="0" cy="0"/>
         </a:xfrm>
       </p:grpSpPr>
       <p:sp>
         <p:nvSpPr>
           <p:cNvPr id="44" name="Shape 44"/>
-          <p:cNvSpPr/>
+          <p:cNvSpPr>
+            <a:spLocks noGrp="1" noRot="1" noChangeAspect="1"/>
+          </p:cNvSpPr>
           <p:nvPr>
-            <p:ph idx="2" type="sldImg"/>
+            <p:ph type="sldImg" idx="2"/>
           </p:nvPr>
         </p:nvSpPr>
         <p:spPr>
           <a:xfrm>
-            <a:off y="685800" x="381187"/>
-            <a:ext cy="3429000" cx="6096299"/>
+            <a:off x="381187" y="685800"/>
+            <a:ext cx="6096299" cy="3429000"/>
           </a:xfrm>
           <a:custGeom>
+            <a:avLst/>
+            <a:gdLst/>
+            <a:ahLst/>
+            <a:cxnLst/>
+            <a:rect l="0" t="0" r="0" b="0"/>
             <a:pathLst>
-              <a:path w="120000" extrusionOk="0" h="120000">
+              <a:path w="120000" h="120000" extrusionOk="0">
                 <a:moveTo>
-                  <a:pt y="0" x="0"/>
+                  <a:pt x="0" y="0"/>
                 </a:moveTo>
                 <a:lnTo>
-                  <a:pt y="0" x="120000"/>
+                  <a:pt x="120000" y="0"/>
                 </a:lnTo>
                 <a:lnTo>
-                  <a:pt y="120000" x="120000"/>
+                  <a:pt x="120000" y="120000"/>
                 </a:lnTo>
                 <a:lnTo>
-                  <a:pt y="120000" x="0"/>
+                  <a:pt x="0" y="120000"/>
                 </a:lnTo>
                 <a:close/>
               </a:path>
@@ -712,31 +858,33 @@
       <p:sp>
         <p:nvSpPr>
           <p:cNvPr id="45" name="Shape 45"/>
-          <p:cNvSpPr txBox="1"/>
+          <p:cNvSpPr txBox="1">
+            <a:spLocks noGrp="1"/>
+          </p:cNvSpPr>
           <p:nvPr>
-            <p:ph idx="1" type="body"/>
+            <p:ph type="body" idx="1"/>
           </p:nvPr>
         </p:nvSpPr>
         <p:spPr>
           <a:xfrm>
-            <a:off y="4343400" x="685800"/>
-            <a:ext cy="4114800" cx="5486399"/>
+            <a:off x="685800" y="4343400"/>
+            <a:ext cx="5486399" cy="4114800"/>
           </a:xfrm>
           <a:prstGeom prst="rect">
             <a:avLst/>
           </a:prstGeom>
         </p:spPr>
         <p:txBody>
-          <a:bodyPr bIns="91425" rIns="91425" lIns="91425" tIns="91425" anchor="t" anchorCtr="0">
+          <a:bodyPr lIns="91425" tIns="91425" rIns="91425" bIns="91425" anchor="t" anchorCtr="0">
             <a:noAutofit/>
           </a:bodyPr>
           <a:lstStyle/>
           <a:p>
-            <a:pPr rtl="0" lvl="0">
+            <a:pPr lvl="0" rtl="0">
               <a:buNone/>
             </a:pPr>
             <a:r>
-              <a:rPr b="1" sz="1400" lang="en">
+              <a:rPr lang="en" sz="1400" b="1">
                 <a:solidFill>
                   <a:schemeClr val="dk1"/>
                 </a:solidFill>
@@ -745,7 +893,7 @@
             </a:r>
           </a:p>
           <a:p>
-            <a:pPr rtl="0" lvl="0" indent="-317500" marL="457200">
+            <a:pPr marL="457200" lvl="0" indent="-317500" rtl="0">
               <a:buClr>
                 <a:srgbClr val="000000"/>
               </a:buClr>
@@ -754,12 +902,12 @@
               <a:buChar char="•"/>
             </a:pPr>
             <a:r>
-              <a:rPr sz="1400" lang="en"/>
+              <a:rPr lang="en" sz="1400"/>
               <a:t>This is the data in its original spreadsheet form (pretty intimidating)</a:t>
             </a:r>
           </a:p>
           <a:p>
-            <a:pPr rtl="0" lvl="0" indent="-317500" marL="457200">
+            <a:pPr marL="457200" lvl="0" indent="-317500" rtl="0">
               <a:buClr>
                 <a:srgbClr val="000000"/>
               </a:buClr>
@@ -768,12 +916,12 @@
               <a:buChar char="•"/>
             </a:pPr>
             <a:r>
-              <a:rPr sz="1400" lang="en"/>
+              <a:rPr lang="en" sz="1400"/>
               <a:t>this data is publically accessible, but difficult for anyone to consume</a:t>
             </a:r>
           </a:p>
           <a:p>
-            <a:pPr rtl="0" lvl="1" indent="-317500" marL="914400">
+            <a:pPr marL="914400" lvl="1" indent="-317500" rtl="0">
               <a:buClr>
                 <a:srgbClr val="000000"/>
               </a:buClr>
@@ -782,12 +930,12 @@
               <a:buChar char="o"/>
             </a:pPr>
             <a:r>
-              <a:rPr sz="1400" lang="en"/>
+              <a:rPr lang="en" sz="1400"/>
               <a:t>very low pre-attentive processing, requires user to actively read through the numbers and even then…</a:t>
             </a:r>
           </a:p>
           <a:p>
-            <a:pPr rtl="0" lvl="1" indent="-317500" marL="914400">
+            <a:pPr marL="914400" lvl="1" indent="-317500" rtl="0">
               <a:buClr>
                 <a:srgbClr val="000000"/>
               </a:buClr>
@@ -796,12 +944,12 @@
               <a:buChar char="o"/>
             </a:pPr>
             <a:r>
-              <a:rPr sz="1400" lang="en"/>
+              <a:rPr lang="en" sz="1400"/>
               <a:t>numbers by themselves mean little to the audience without comparison and context</a:t>
             </a:r>
           </a:p>
           <a:p>
-            <a:pPr lvl="0" indent="-317500" marL="457200">
+            <a:pPr marL="457200" lvl="0" indent="-317500">
               <a:buClr>
                 <a:srgbClr val="000000"/>
               </a:buClr>
@@ -810,13 +958,18 @@
               <a:buChar char="•"/>
             </a:pPr>
             <a:r>
-              <a:rPr sz="1400" lang="en"/>
+              <a:rPr lang="en" sz="1400"/>
               <a:t>historical data spreadsheet looks similar to this</a:t>
             </a:r>
           </a:p>
         </p:txBody>
       </p:sp>
     </p:spTree>
+    <p:extLst>
+      <p:ext uri="{BB962C8B-B14F-4D97-AF65-F5344CB8AC3E}">
+        <p14:creationId xmlns:p14="http://schemas.microsoft.com/office/powerpoint/2010/main" val="688580171"/>
+      </p:ext>
+    </p:extLst>
   </p:cSld>
   <p:clrMapOvr>
     <a:masterClrMapping/>
@@ -825,49 +978,56 @@
 </file>
 
 <file path=ppt/notesSlides/notesSlide4.xml><?xml version="1.0" encoding="utf-8"?>
-<p:notes xmlns:a="http://schemas.openxmlformats.org/drawingml/2006/main" xmlns:r="http://schemas.openxmlformats.org/officeDocument/2006/relationships" xmlns:mc="http://schemas.openxmlformats.org/markup-compatibility/2006" xmlns:mv="urn:schemas-microsoft-com:mac:vml" xmlns:p="http://schemas.openxmlformats.org/presentationml/2006/main" xmlns:c="http://schemas.openxmlformats.org/drawingml/2006/chart" xmlns:dgm="http://schemas.openxmlformats.org/drawingml/2006/diagram" xmlns:o="urn:schemas-microsoft-com:office:office" xmlns:v="urn:schemas-microsoft-com:vml" xmlns:pvml="urn:schemas-microsoft-com:office:powerpoint" xmlns:com="http://schemas.openxmlformats.org/drawingml/2006/compatibility" xmlns:p14="http://schemas.microsoft.com/office/powerpoint/2010/main" showMasterSp="0" showMasterPhAnim="0">
+<p:notes xmlns:a="http://schemas.openxmlformats.org/drawingml/2006/main" xmlns:r="http://schemas.openxmlformats.org/officeDocument/2006/relationships" xmlns:p="http://schemas.openxmlformats.org/presentationml/2006/main" showMasterSp="0" showMasterPhAnim="0">
   <p:cSld>
     <p:spTree>
       <p:nvGrpSpPr>
-        <p:cNvPr id="49" name="Shape 49"/>
+        <p:cNvPr id="1" name="Shape 49"/>
         <p:cNvGrpSpPr/>
         <p:nvPr/>
       </p:nvGrpSpPr>
       <p:grpSpPr>
         <a:xfrm>
-          <a:off y="0" x="0"/>
-          <a:ext cy="0" cx="0"/>
-          <a:chOff y="0" x="0"/>
-          <a:chExt cy="0" cx="0"/>
+          <a:off x="0" y="0"/>
+          <a:ext cx="0" cy="0"/>
+          <a:chOff x="0" y="0"/>
+          <a:chExt cx="0" cy="0"/>
         </a:xfrm>
       </p:grpSpPr>
       <p:sp>
         <p:nvSpPr>
           <p:cNvPr id="50" name="Shape 50"/>
-          <p:cNvSpPr/>
+          <p:cNvSpPr>
+            <a:spLocks noGrp="1" noRot="1" noChangeAspect="1"/>
+          </p:cNvSpPr>
           <p:nvPr>
-            <p:ph idx="2" type="sldImg"/>
+            <p:ph type="sldImg" idx="2"/>
           </p:nvPr>
         </p:nvSpPr>
         <p:spPr>
           <a:xfrm>
-            <a:off y="685800" x="381187"/>
-            <a:ext cy="3429000" cx="6096299"/>
+            <a:off x="381187" y="685800"/>
+            <a:ext cx="6096299" cy="3429000"/>
           </a:xfrm>
           <a:custGeom>
+            <a:avLst/>
+            <a:gdLst/>
+            <a:ahLst/>
+            <a:cxnLst/>
+            <a:rect l="0" t="0" r="0" b="0"/>
             <a:pathLst>
-              <a:path w="120000" extrusionOk="0" h="120000">
+              <a:path w="120000" h="120000" extrusionOk="0">
                 <a:moveTo>
-                  <a:pt y="0" x="0"/>
+                  <a:pt x="0" y="0"/>
                 </a:moveTo>
                 <a:lnTo>
-                  <a:pt y="0" x="120000"/>
+                  <a:pt x="120000" y="0"/>
                 </a:lnTo>
                 <a:lnTo>
-                  <a:pt y="120000" x="120000"/>
+                  <a:pt x="120000" y="120000"/>
                 </a:lnTo>
                 <a:lnTo>
-                  <a:pt y="120000" x="0"/>
+                  <a:pt x="0" y="120000"/>
                 </a:lnTo>
                 <a:close/>
               </a:path>
@@ -878,27 +1038,29 @@
       <p:sp>
         <p:nvSpPr>
           <p:cNvPr id="51" name="Shape 51"/>
-          <p:cNvSpPr txBox="1"/>
+          <p:cNvSpPr txBox="1">
+            <a:spLocks noGrp="1"/>
+          </p:cNvSpPr>
           <p:nvPr>
-            <p:ph idx="1" type="body"/>
+            <p:ph type="body" idx="1"/>
           </p:nvPr>
         </p:nvSpPr>
         <p:spPr>
           <a:xfrm>
-            <a:off y="4343400" x="685800"/>
-            <a:ext cy="4114800" cx="5486399"/>
+            <a:off x="685800" y="4343400"/>
+            <a:ext cx="5486399" cy="4114800"/>
           </a:xfrm>
           <a:prstGeom prst="rect">
             <a:avLst/>
           </a:prstGeom>
         </p:spPr>
         <p:txBody>
-          <a:bodyPr bIns="91425" rIns="91425" lIns="91425" tIns="91425" anchor="t" anchorCtr="0">
+          <a:bodyPr lIns="91425" tIns="91425" rIns="91425" bIns="91425" anchor="t" anchorCtr="0">
             <a:noAutofit/>
           </a:bodyPr>
           <a:lstStyle/>
           <a:p>
-            <a:pPr rtl="0" lvl="0" indent="-317500" marL="457200">
+            <a:pPr marL="457200" lvl="0" indent="-317500" rtl="0">
               <a:lnSpc>
                 <a:spcPct val="115000"/>
               </a:lnSpc>
@@ -910,7 +1072,7 @@
               <a:buChar char="●"/>
             </a:pPr>
             <a:r>
-              <a:rPr sz="1400" lang="en">
+              <a:rPr lang="en" sz="1400">
                 <a:solidFill>
                   <a:schemeClr val="dk1"/>
                 </a:solidFill>
@@ -919,7 +1081,7 @@
             </a:r>
           </a:p>
           <a:p>
-            <a:pPr rtl="0" lvl="1" indent="-317500" marL="914400">
+            <a:pPr marL="914400" lvl="1" indent="-317500" rtl="0">
               <a:lnSpc>
                 <a:spcPct val="115000"/>
               </a:lnSpc>
@@ -931,7 +1093,7 @@
               <a:buChar char="○"/>
             </a:pPr>
             <a:r>
-              <a:rPr sz="1400" lang="en">
+              <a:rPr lang="en" sz="1400">
                 <a:solidFill>
                   <a:schemeClr val="dk1"/>
                 </a:solidFill>
@@ -940,7 +1102,7 @@
             </a:r>
           </a:p>
           <a:p>
-            <a:pPr rtl="0" lvl="1" indent="-317500" marL="914400">
+            <a:pPr marL="914400" lvl="1" indent="-317500" rtl="0">
               <a:lnSpc>
                 <a:spcPct val="115000"/>
               </a:lnSpc>
@@ -952,7 +1114,7 @@
               <a:buChar char="○"/>
             </a:pPr>
             <a:r>
-              <a:rPr sz="1400" lang="en">
+              <a:rPr lang="en" sz="1400">
                 <a:solidFill>
                   <a:schemeClr val="dk1"/>
                 </a:solidFill>
@@ -961,7 +1123,7 @@
             </a:r>
           </a:p>
           <a:p>
-            <a:pPr rtl="0" lvl="1" indent="-317500" marL="914400">
+            <a:pPr marL="914400" lvl="1" indent="-317500" rtl="0">
               <a:lnSpc>
                 <a:spcPct val="115000"/>
               </a:lnSpc>
@@ -973,7 +1135,7 @@
               <a:buChar char="○"/>
             </a:pPr>
             <a:r>
-              <a:rPr sz="1400" lang="en">
+              <a:rPr lang="en" sz="1400">
                 <a:solidFill>
                   <a:schemeClr val="dk1"/>
                 </a:solidFill>
@@ -982,7 +1144,7 @@
             </a:r>
           </a:p>
           <a:p>
-            <a:pPr rtl="0" lvl="2" indent="-317500" marL="1371600">
+            <a:pPr marL="1371600" lvl="2" indent="-317500" rtl="0">
               <a:lnSpc>
                 <a:spcPct val="115000"/>
               </a:lnSpc>
@@ -994,7 +1156,7 @@
               <a:buChar char="■"/>
             </a:pPr>
             <a:r>
-              <a:rPr sz="1400" lang="en">
+              <a:rPr lang="en" sz="1400">
                 <a:solidFill>
                   <a:schemeClr val="dk1"/>
                 </a:solidFill>
@@ -1003,7 +1165,7 @@
             </a:r>
           </a:p>
           <a:p>
-            <a:pPr rtl="0" lvl="2" indent="-317500" marL="1371600">
+            <a:pPr marL="1371600" lvl="2" indent="-317500" rtl="0">
               <a:lnSpc>
                 <a:spcPct val="115000"/>
               </a:lnSpc>
@@ -1015,7 +1177,7 @@
               <a:buChar char="■"/>
             </a:pPr>
             <a:r>
-              <a:rPr sz="1400" lang="en">
+              <a:rPr lang="en" sz="1400">
                 <a:solidFill>
                   <a:schemeClr val="dk1"/>
                 </a:solidFill>
@@ -1024,7 +1186,7 @@
             </a:r>
           </a:p>
           <a:p>
-            <a:pPr rtl="0" lvl="2" indent="-317500" marL="1371600">
+            <a:pPr marL="1371600" lvl="2" indent="-317500" rtl="0">
               <a:lnSpc>
                 <a:spcPct val="115000"/>
               </a:lnSpc>
@@ -1036,7 +1198,7 @@
               <a:buChar char="■"/>
             </a:pPr>
             <a:r>
-              <a:rPr sz="1400" lang="en">
+              <a:rPr lang="en" sz="1400">
                 <a:solidFill>
                   <a:schemeClr val="dk1"/>
                 </a:solidFill>
@@ -1045,7 +1207,7 @@
             </a:r>
           </a:p>
           <a:p>
-            <a:pPr rtl="0" lvl="1" indent="-317500" marL="914400">
+            <a:pPr marL="914400" lvl="1" indent="-317500" rtl="0">
               <a:lnSpc>
                 <a:spcPct val="115000"/>
               </a:lnSpc>
@@ -1057,7 +1219,7 @@
               <a:buChar char="○"/>
             </a:pPr>
             <a:r>
-              <a:rPr sz="1400" lang="en">
+              <a:rPr lang="en" sz="1400">
                 <a:solidFill>
                   <a:schemeClr val="dk1"/>
                 </a:solidFill>
@@ -1066,7 +1228,7 @@
             </a:r>
           </a:p>
           <a:p>
-            <a:pPr rtl="0" lvl="2" indent="-317500" marL="1371600">
+            <a:pPr marL="1371600" lvl="2" indent="-317500" rtl="0">
               <a:lnSpc>
                 <a:spcPct val="115000"/>
               </a:lnSpc>
@@ -1078,7 +1240,7 @@
               <a:buChar char="■"/>
             </a:pPr>
             <a:r>
-              <a:rPr sz="1400" lang="en">
+              <a:rPr lang="en" sz="1400">
                 <a:solidFill>
                   <a:schemeClr val="dk1"/>
                 </a:solidFill>
@@ -1087,7 +1249,7 @@
             </a:r>
           </a:p>
           <a:p>
-            <a:pPr rtl="0" lvl="2" indent="-317500" marL="1371600">
+            <a:pPr marL="1371600" lvl="2" indent="-317500" rtl="0">
               <a:lnSpc>
                 <a:spcPct val="115000"/>
               </a:lnSpc>
@@ -1099,7 +1261,7 @@
               <a:buChar char="■"/>
             </a:pPr>
             <a:r>
-              <a:rPr sz="1400" lang="en">
+              <a:rPr lang="en" sz="1400">
                 <a:solidFill>
                   <a:schemeClr val="dk1"/>
                 </a:solidFill>
@@ -1108,13 +1270,20 @@
             </a:r>
           </a:p>
           <a:p>
-            <a:r>
-              <a:t/>
-            </a:r>
+            <a:endParaRPr lang="en" sz="1400">
+              <a:solidFill>
+                <a:schemeClr val="dk1"/>
+              </a:solidFill>
+            </a:endParaRPr>
           </a:p>
         </p:txBody>
       </p:sp>
     </p:spTree>
+    <p:extLst>
+      <p:ext uri="{BB962C8B-B14F-4D97-AF65-F5344CB8AC3E}">
+        <p14:creationId xmlns:p14="http://schemas.microsoft.com/office/powerpoint/2010/main" val="2635610072"/>
+      </p:ext>
+    </p:extLst>
   </p:cSld>
   <p:clrMapOvr>
     <a:masterClrMapping/>
@@ -1123,49 +1292,56 @@
 </file>
 
 <file path=ppt/notesSlides/notesSlide5.xml><?xml version="1.0" encoding="utf-8"?>
-<p:notes xmlns:a="http://schemas.openxmlformats.org/drawingml/2006/main" xmlns:r="http://schemas.openxmlformats.org/officeDocument/2006/relationships" xmlns:mc="http://schemas.openxmlformats.org/markup-compatibility/2006" xmlns:mv="urn:schemas-microsoft-com:mac:vml" xmlns:p="http://schemas.openxmlformats.org/presentationml/2006/main" xmlns:c="http://schemas.openxmlformats.org/drawingml/2006/chart" xmlns:dgm="http://schemas.openxmlformats.org/drawingml/2006/diagram" xmlns:o="urn:schemas-microsoft-com:office:office" xmlns:v="urn:schemas-microsoft-com:vml" xmlns:pvml="urn:schemas-microsoft-com:office:powerpoint" xmlns:com="http://schemas.openxmlformats.org/drawingml/2006/compatibility" xmlns:p14="http://schemas.microsoft.com/office/powerpoint/2010/main" showMasterSp="0" showMasterPhAnim="0">
+<p:notes xmlns:a="http://schemas.openxmlformats.org/drawingml/2006/main" xmlns:r="http://schemas.openxmlformats.org/officeDocument/2006/relationships" xmlns:p="http://schemas.openxmlformats.org/presentationml/2006/main" showMasterSp="0" showMasterPhAnim="0">
   <p:cSld>
     <p:spTree>
       <p:nvGrpSpPr>
-        <p:cNvPr id="55" name="Shape 55"/>
+        <p:cNvPr id="1" name="Shape 55"/>
         <p:cNvGrpSpPr/>
         <p:nvPr/>
       </p:nvGrpSpPr>
       <p:grpSpPr>
         <a:xfrm>
-          <a:off y="0" x="0"/>
-          <a:ext cy="0" cx="0"/>
-          <a:chOff y="0" x="0"/>
-          <a:chExt cy="0" cx="0"/>
+          <a:off x="0" y="0"/>
+          <a:ext cx="0" cy="0"/>
+          <a:chOff x="0" y="0"/>
+          <a:chExt cx="0" cy="0"/>
         </a:xfrm>
       </p:grpSpPr>
       <p:sp>
         <p:nvSpPr>
           <p:cNvPr id="56" name="Shape 56"/>
-          <p:cNvSpPr/>
+          <p:cNvSpPr>
+            <a:spLocks noGrp="1" noRot="1" noChangeAspect="1"/>
+          </p:cNvSpPr>
           <p:nvPr>
-            <p:ph idx="2" type="sldImg"/>
+            <p:ph type="sldImg" idx="2"/>
           </p:nvPr>
         </p:nvSpPr>
         <p:spPr>
           <a:xfrm>
-            <a:off y="685800" x="381187"/>
-            <a:ext cy="3429000" cx="6096299"/>
+            <a:off x="381187" y="685800"/>
+            <a:ext cx="6096299" cy="3429000"/>
           </a:xfrm>
           <a:custGeom>
+            <a:avLst/>
+            <a:gdLst/>
+            <a:ahLst/>
+            <a:cxnLst/>
+            <a:rect l="0" t="0" r="0" b="0"/>
             <a:pathLst>
-              <a:path w="120000" extrusionOk="0" h="120000">
+              <a:path w="120000" h="120000" extrusionOk="0">
                 <a:moveTo>
-                  <a:pt y="0" x="0"/>
+                  <a:pt x="0" y="0"/>
                 </a:moveTo>
                 <a:lnTo>
-                  <a:pt y="0" x="120000"/>
+                  <a:pt x="120000" y="0"/>
                 </a:lnTo>
                 <a:lnTo>
-                  <a:pt y="120000" x="120000"/>
+                  <a:pt x="120000" y="120000"/>
                 </a:lnTo>
                 <a:lnTo>
-                  <a:pt y="120000" x="0"/>
+                  <a:pt x="0" y="120000"/>
                 </a:lnTo>
                 <a:close/>
               </a:path>
@@ -1176,27 +1352,29 @@
       <p:sp>
         <p:nvSpPr>
           <p:cNvPr id="57" name="Shape 57"/>
-          <p:cNvSpPr txBox="1"/>
+          <p:cNvSpPr txBox="1">
+            <a:spLocks noGrp="1"/>
+          </p:cNvSpPr>
           <p:nvPr>
-            <p:ph idx="1" type="body"/>
+            <p:ph type="body" idx="1"/>
           </p:nvPr>
         </p:nvSpPr>
         <p:spPr>
           <a:xfrm>
-            <a:off y="4343400" x="685800"/>
-            <a:ext cy="4114800" cx="5486399"/>
+            <a:off x="685800" y="4343400"/>
+            <a:ext cx="5486399" cy="4114800"/>
           </a:xfrm>
           <a:prstGeom prst="rect">
             <a:avLst/>
           </a:prstGeom>
         </p:spPr>
         <p:txBody>
-          <a:bodyPr bIns="91425" rIns="91425" lIns="91425" tIns="91425" anchor="t" anchorCtr="0">
+          <a:bodyPr lIns="91425" tIns="91425" rIns="91425" bIns="91425" anchor="t" anchorCtr="0">
             <a:noAutofit/>
           </a:bodyPr>
           <a:lstStyle/>
           <a:p>
-            <a:pPr rtl="0" lvl="0">
+            <a:pPr lvl="0" rtl="0">
               <a:buClr>
                 <a:schemeClr val="dk1"/>
               </a:buClr>
@@ -1205,12 +1383,12 @@
               <a:buNone/>
             </a:pPr>
             <a:r>
-              <a:rPr b="1" sz="1400" lang="en"/>
+              <a:rPr lang="en" sz="1400" b="1"/>
               <a:t>Development</a:t>
             </a:r>
           </a:p>
           <a:p>
-            <a:pPr rtl="0" lvl="0" indent="-317500" marL="457200">
+            <a:pPr marL="457200" lvl="0" indent="-317500" rtl="0">
               <a:buClr>
                 <a:srgbClr val="000000"/>
               </a:buClr>
@@ -1219,12 +1397,12 @@
               <a:buChar char="●"/>
             </a:pPr>
             <a:r>
-              <a:rPr sz="1400" lang="en"/>
+              <a:rPr lang="en" sz="1400"/>
               <a:t>NotePad++/Sublime Text</a:t>
             </a:r>
           </a:p>
           <a:p>
-            <a:pPr rtl="0" lvl="1" indent="-317500" marL="914400">
+            <a:pPr marL="914400" lvl="1" indent="-317500" rtl="0">
               <a:buClr>
                 <a:schemeClr val="dk1"/>
               </a:buClr>
@@ -1233,12 +1411,12 @@
               <a:buChar char="○"/>
             </a:pPr>
             <a:r>
-              <a:rPr sz="1400" lang="en"/>
+              <a:rPr lang="en" sz="1400"/>
               <a:t>Lightweight, easy</a:t>
             </a:r>
           </a:p>
           <a:p>
-            <a:pPr rtl="0" lvl="0" indent="-317500" marL="457200">
+            <a:pPr marL="457200" lvl="0" indent="-317500" rtl="0">
               <a:buClr>
                 <a:schemeClr val="dk1"/>
               </a:buClr>
@@ -1247,12 +1425,12 @@
               <a:buChar char="●"/>
             </a:pPr>
             <a:r>
-              <a:rPr sz="1400" lang="en"/>
+              <a:rPr lang="en" sz="1400"/>
               <a:t>Google Chrome/Developer Tools for debugging</a:t>
             </a:r>
           </a:p>
           <a:p>
-            <a:pPr rtl="0" lvl="0" indent="-317500" marL="457200">
+            <a:pPr marL="457200" lvl="0" indent="-317500" rtl="0">
               <a:buClr>
                 <a:srgbClr val="000000"/>
               </a:buClr>
@@ -1261,12 +1439,12 @@
               <a:buChar char="●"/>
             </a:pPr>
             <a:r>
-              <a:rPr sz="1400" lang="en"/>
+              <a:rPr lang="en" sz="1400"/>
               <a:t>D3</a:t>
             </a:r>
           </a:p>
           <a:p>
-            <a:pPr rtl="0" lvl="1" indent="-317500" marL="914400">
+            <a:pPr marL="914400" lvl="1" indent="-317500" rtl="0">
               <a:buClr>
                 <a:srgbClr val="000000"/>
               </a:buClr>
@@ -1275,12 +1453,12 @@
               <a:buChar char="○"/>
             </a:pPr>
             <a:r>
-              <a:rPr sz="1400" lang="en"/>
+              <a:rPr lang="en" sz="1400"/>
               <a:t>datamaps.github.io</a:t>
             </a:r>
           </a:p>
           <a:p>
-            <a:pPr rtl="0" lvl="2" indent="-317500" marL="1371600">
+            <a:pPr marL="1371600" lvl="2" indent="-317500" rtl="0">
               <a:buClr>
                 <a:srgbClr val="000000"/>
               </a:buClr>
@@ -1289,12 +1467,12 @@
               <a:buChar char="■"/>
             </a:pPr>
             <a:r>
-              <a:rPr sz="1400" lang="en"/>
+              <a:rPr lang="en" sz="1400"/>
               <a:t>Great for our project</a:t>
             </a:r>
           </a:p>
           <a:p>
-            <a:pPr rtl="0" lvl="2" indent="-317500" marL="1371600">
+            <a:pPr marL="1371600" lvl="2" indent="-317500" rtl="0">
               <a:buClr>
                 <a:srgbClr val="000000"/>
               </a:buClr>
@@ -1303,12 +1481,12 @@
               <a:buChar char="■"/>
             </a:pPr>
             <a:r>
-              <a:rPr sz="1400" lang="en"/>
+              <a:rPr lang="en" sz="1400"/>
               <a:t>Poorly documented</a:t>
             </a:r>
           </a:p>
           <a:p>
-            <a:pPr rtl="0" lvl="3" indent="-317500" marL="1828800">
+            <a:pPr marL="1828800" lvl="3" indent="-317500" rtl="0">
               <a:buClr>
                 <a:schemeClr val="dk1"/>
               </a:buClr>
@@ -1317,12 +1495,12 @@
               <a:buChar char="●"/>
             </a:pPr>
             <a:r>
-              <a:rPr sz="1400" lang="en"/>
+              <a:rPr lang="en" sz="1400"/>
               <a:t>difficult to manipulate, no API</a:t>
             </a:r>
           </a:p>
           <a:p>
-            <a:pPr rtl="0" lvl="3" indent="-317500" marL="1828800">
+            <a:pPr marL="1828800" lvl="3" indent="-317500" rtl="0">
               <a:buClr>
                 <a:schemeClr val="dk1"/>
               </a:buClr>
@@ -1331,12 +1509,12 @@
               <a:buChar char="●"/>
             </a:pPr>
             <a:r>
-              <a:rPr sz="1400" lang="en"/>
+              <a:rPr lang="en" sz="1400"/>
               <a:t>required too much hard coding</a:t>
             </a:r>
           </a:p>
           <a:p>
-            <a:pPr rtl="0" lvl="3" indent="-317500" marL="1828800">
+            <a:pPr marL="1828800" lvl="3" indent="-317500" rtl="0">
               <a:buClr>
                 <a:schemeClr val="dk1"/>
               </a:buClr>
@@ -1345,18 +1523,21 @@
               <a:buChar char="●"/>
             </a:pPr>
             <a:r>
-              <a:rPr sz="1400" lang="en"/>
+              <a:rPr lang="en" sz="1400"/>
               <a:t>Not extensible</a:t>
             </a:r>
           </a:p>
           <a:p>
-            <a:r>
-              <a:t/>
-            </a:r>
+            <a:endParaRPr lang="en" sz="1400"/>
           </a:p>
         </p:txBody>
       </p:sp>
     </p:spTree>
+    <p:extLst>
+      <p:ext uri="{BB962C8B-B14F-4D97-AF65-F5344CB8AC3E}">
+        <p14:creationId xmlns:p14="http://schemas.microsoft.com/office/powerpoint/2010/main" val="949333120"/>
+      </p:ext>
+    </p:extLst>
   </p:cSld>
   <p:clrMapOvr>
     <a:masterClrMapping/>
@@ -1365,49 +1546,56 @@
 </file>
 
 <file path=ppt/notesSlides/notesSlide6.xml><?xml version="1.0" encoding="utf-8"?>
-<p:notes xmlns:a="http://schemas.openxmlformats.org/drawingml/2006/main" xmlns:r="http://schemas.openxmlformats.org/officeDocument/2006/relationships" xmlns:mc="http://schemas.openxmlformats.org/markup-compatibility/2006" xmlns:mv="urn:schemas-microsoft-com:mac:vml" xmlns:p="http://schemas.openxmlformats.org/presentationml/2006/main" xmlns:c="http://schemas.openxmlformats.org/drawingml/2006/chart" xmlns:dgm="http://schemas.openxmlformats.org/drawingml/2006/diagram" xmlns:o="urn:schemas-microsoft-com:office:office" xmlns:v="urn:schemas-microsoft-com:vml" xmlns:pvml="urn:schemas-microsoft-com:office:powerpoint" xmlns:com="http://schemas.openxmlformats.org/drawingml/2006/compatibility" xmlns:p14="http://schemas.microsoft.com/office/powerpoint/2010/main" showMasterSp="0" showMasterPhAnim="0">
+<p:notes xmlns:a="http://schemas.openxmlformats.org/drawingml/2006/main" xmlns:r="http://schemas.openxmlformats.org/officeDocument/2006/relationships" xmlns:p="http://schemas.openxmlformats.org/presentationml/2006/main" showMasterSp="0" showMasterPhAnim="0">
   <p:cSld>
     <p:spTree>
       <p:nvGrpSpPr>
-        <p:cNvPr id="64" name="Shape 64"/>
+        <p:cNvPr id="1" name="Shape 64"/>
         <p:cNvGrpSpPr/>
         <p:nvPr/>
       </p:nvGrpSpPr>
       <p:grpSpPr>
         <a:xfrm>
-          <a:off y="0" x="0"/>
-          <a:ext cy="0" cx="0"/>
-          <a:chOff y="0" x="0"/>
-          <a:chExt cy="0" cx="0"/>
+          <a:off x="0" y="0"/>
+          <a:ext cx="0" cy="0"/>
+          <a:chOff x="0" y="0"/>
+          <a:chExt cx="0" cy="0"/>
         </a:xfrm>
       </p:grpSpPr>
       <p:sp>
         <p:nvSpPr>
           <p:cNvPr id="65" name="Shape 65"/>
-          <p:cNvSpPr/>
+          <p:cNvSpPr>
+            <a:spLocks noGrp="1" noRot="1" noChangeAspect="1"/>
+          </p:cNvSpPr>
           <p:nvPr>
-            <p:ph idx="2" type="sldImg"/>
+            <p:ph type="sldImg" idx="2"/>
           </p:nvPr>
         </p:nvSpPr>
         <p:spPr>
           <a:xfrm>
-            <a:off y="685800" x="381187"/>
-            <a:ext cy="3429000" cx="6096299"/>
+            <a:off x="381187" y="685800"/>
+            <a:ext cx="6096299" cy="3429000"/>
           </a:xfrm>
           <a:custGeom>
+            <a:avLst/>
+            <a:gdLst/>
+            <a:ahLst/>
+            <a:cxnLst/>
+            <a:rect l="0" t="0" r="0" b="0"/>
             <a:pathLst>
-              <a:path w="120000" extrusionOk="0" h="120000">
+              <a:path w="120000" h="120000" extrusionOk="0">
                 <a:moveTo>
-                  <a:pt y="0" x="0"/>
+                  <a:pt x="0" y="0"/>
                 </a:moveTo>
                 <a:lnTo>
-                  <a:pt y="0" x="120000"/>
+                  <a:pt x="120000" y="0"/>
                 </a:lnTo>
                 <a:lnTo>
-                  <a:pt y="120000" x="120000"/>
+                  <a:pt x="120000" y="120000"/>
                 </a:lnTo>
                 <a:lnTo>
-                  <a:pt y="120000" x="0"/>
+                  <a:pt x="0" y="120000"/>
                 </a:lnTo>
                 <a:close/>
               </a:path>
@@ -1418,27 +1606,29 @@
       <p:sp>
         <p:nvSpPr>
           <p:cNvPr id="66" name="Shape 66"/>
-          <p:cNvSpPr txBox="1"/>
+          <p:cNvSpPr txBox="1">
+            <a:spLocks noGrp="1"/>
+          </p:cNvSpPr>
           <p:nvPr>
-            <p:ph idx="1" type="body"/>
+            <p:ph type="body" idx="1"/>
           </p:nvPr>
         </p:nvSpPr>
         <p:spPr>
           <a:xfrm>
-            <a:off y="4343400" x="685800"/>
-            <a:ext cy="4114800" cx="5486399"/>
+            <a:off x="685800" y="4343400"/>
+            <a:ext cx="5486399" cy="4114800"/>
           </a:xfrm>
           <a:prstGeom prst="rect">
             <a:avLst/>
           </a:prstGeom>
         </p:spPr>
         <p:txBody>
-          <a:bodyPr bIns="91425" rIns="91425" lIns="91425" tIns="91425" anchor="t" anchorCtr="0">
+          <a:bodyPr lIns="91425" tIns="91425" rIns="91425" bIns="91425" anchor="t" anchorCtr="0">
             <a:noAutofit/>
           </a:bodyPr>
           <a:lstStyle/>
           <a:p>
-            <a:pPr rtl="0" lvl="0" indent="-228600" marL="457200">
+            <a:pPr marL="457200" lvl="0" indent="-228600" rtl="0">
               <a:lnSpc>
                 <a:spcPct val="115000"/>
               </a:lnSpc>
@@ -1446,228 +1636,808 @@
               <a:buNone/>
             </a:pPr>
             <a:r>
-              <a:rPr lang="en">
-                <a:solidFill>
-                  <a:schemeClr val="dk1"/>
-                </a:solidFill>
-              </a:rPr>
-              <a:t>with that in mind, here is our visualization</a:t>
-            </a:r>
-          </a:p>
-          <a:p>
-            <a:pPr rtl="0" lvl="1" indent="-228600" marL="914400">
+              <a:rPr lang="en" dirty="0">
+                <a:solidFill>
+                  <a:schemeClr val="dk1"/>
+                </a:solidFill>
+              </a:rPr>
+              <a:t>with that in mind, here is our </a:t>
+            </a:r>
+            <a:r>
+              <a:rPr lang="en" dirty="0" smtClean="0">
+                <a:solidFill>
+                  <a:schemeClr val="dk1"/>
+                </a:solidFill>
+              </a:rPr>
+              <a:t>visualization</a:t>
+            </a:r>
+          </a:p>
+          <a:p>
+            <a:pPr marL="457200" lvl="0" indent="-228600" rtl="0">
               <a:lnSpc>
                 <a:spcPct val="115000"/>
               </a:lnSpc>
               <a:buSzPct val="100000"/>
               <a:buNone/>
             </a:pPr>
-            <a:r>
-              <a:rPr lang="en">
-                <a:solidFill>
-                  <a:schemeClr val="dk1"/>
-                </a:solidFill>
-              </a:rPr>
-              <a:t>user questions/demo of abilities: (Katie) </a:t>
-            </a:r>
-          </a:p>
-          <a:p>
-            <a:pPr rtl="0" lvl="2" indent="-228600" marL="1371600">
+            <a:endParaRPr lang="en" dirty="0" smtClean="0">
+              <a:solidFill>
+                <a:schemeClr val="dk1"/>
+              </a:solidFill>
+            </a:endParaRPr>
+          </a:p>
+          <a:p>
+            <a:pPr marL="457200" lvl="0" indent="-228600" rtl="0">
               <a:lnSpc>
                 <a:spcPct val="115000"/>
               </a:lnSpc>
               <a:buSzPct val="100000"/>
-              <a:buNone/>
-            </a:pPr>
-            <a:r>
-              <a:rPr lang="en">
-                <a:solidFill>
-                  <a:schemeClr val="dk1"/>
-                </a:solidFill>
-              </a:rPr>
-              <a:t>What continent has the largest amount of immigration into the US?</a:t>
-            </a:r>
-          </a:p>
-          <a:p>
-            <a:pPr rtl="0" lvl="3" indent="-228600" marL="1828800">
+              <a:buFontTx/>
+              <a:buChar char="-"/>
+            </a:pPr>
+            <a:r>
+              <a:rPr lang="en" dirty="0" smtClean="0">
+                <a:solidFill>
+                  <a:schemeClr val="dk1"/>
+                </a:solidFill>
+              </a:rPr>
+              <a:t>Explain the </a:t>
+            </a:r>
+            <a:r>
+              <a:rPr lang="en" b="1" dirty="0" smtClean="0">
+                <a:solidFill>
+                  <a:schemeClr val="dk1"/>
+                </a:solidFill>
+              </a:rPr>
+              <a:t>difference between the map and the area visualization </a:t>
+            </a:r>
+            <a:r>
+              <a:rPr lang="en" dirty="0" smtClean="0">
+                <a:solidFill>
+                  <a:schemeClr val="dk1"/>
+                </a:solidFill>
+              </a:rPr>
+              <a:t>(aggregate</a:t>
+            </a:r>
+            <a:r>
+              <a:rPr lang="en" baseline="0" dirty="0" smtClean="0">
+                <a:solidFill>
+                  <a:schemeClr val="dk1"/>
+                </a:solidFill>
+              </a:rPr>
+              <a:t> sums of immigrants over total timespan vs. immigrants shown in ten year intervals)</a:t>
+            </a:r>
+          </a:p>
+          <a:p>
+            <a:pPr marL="914400" lvl="1" indent="-228600" rtl="0">
               <a:lnSpc>
                 <a:spcPct val="115000"/>
               </a:lnSpc>
               <a:buSzPct val="100000"/>
-              <a:buNone/>
-            </a:pPr>
-            <a:r>
-              <a:rPr lang="en">
-                <a:solidFill>
-                  <a:schemeClr val="dk1"/>
-                </a:solidFill>
-              </a:rPr>
-              <a:t>Look at map and use aggregate bubbles to answer.</a:t>
-            </a:r>
-          </a:p>
-          <a:p>
-            <a:pPr rtl="0" lvl="2" indent="-228600" marL="1371600">
+              <a:buFontTx/>
+              <a:buChar char="-"/>
+            </a:pPr>
+            <a:r>
+              <a:rPr lang="en" baseline="0" dirty="0" smtClean="0">
+                <a:solidFill>
+                  <a:schemeClr val="dk1"/>
+                </a:solidFill>
+              </a:rPr>
+              <a:t>The overall map and area chart are great for a preattentive glance at the data, you can quickly gauge which regions have immigrated most and when</a:t>
+            </a:r>
+          </a:p>
+          <a:p>
+            <a:pPr marL="914400" lvl="1" indent="-228600" rtl="0">
               <a:lnSpc>
                 <a:spcPct val="115000"/>
               </a:lnSpc>
               <a:buSzPct val="100000"/>
-              <a:buNone/>
-            </a:pPr>
-            <a:r>
-              <a:rPr lang="en">
-                <a:solidFill>
-                  <a:schemeClr val="dk1"/>
-                </a:solidFill>
-              </a:rPr>
-              <a:t>How have immigration trends changed over the last 200 years?</a:t>
-            </a:r>
-          </a:p>
-          <a:p>
-            <a:pPr rtl="0" lvl="3" indent="-228600" marL="1828800">
+              <a:buFontTx/>
+              <a:buChar char="-"/>
+            </a:pPr>
+            <a:r>
+              <a:rPr lang="en-US" baseline="0" dirty="0" smtClean="0">
+                <a:solidFill>
+                  <a:schemeClr val="dk1"/>
+                </a:solidFill>
+              </a:rPr>
+              <a:t>T</a:t>
+            </a:r>
+            <a:r>
+              <a:rPr lang="en" baseline="0" dirty="0" smtClean="0">
+                <a:solidFill>
+                  <a:schemeClr val="dk1"/>
+                </a:solidFill>
+              </a:rPr>
+              <a:t>he map is great contextually to see where immigrants are coming from/ raise questions about how geographical location might also affect immigration</a:t>
+            </a:r>
+          </a:p>
+          <a:p>
+            <a:pPr marL="1371600" lvl="2" indent="-228600" rtl="0">
               <a:lnSpc>
                 <a:spcPct val="115000"/>
               </a:lnSpc>
               <a:buSzPct val="100000"/>
-              <a:buNone/>
-            </a:pPr>
-            <a:r>
-              <a:rPr lang="en">
-                <a:solidFill>
-                  <a:schemeClr val="dk1"/>
-                </a:solidFill>
-              </a:rPr>
-              <a:t>Can see that initial large wave of immigrants actually comes from a more developed country to a less developed country. Immigrants seeking freedom, a chance at a new life.</a:t>
-            </a:r>
-          </a:p>
-          <a:p>
-            <a:pPr rtl="0" lvl="4" indent="-228600" marL="2286000">
+              <a:buFontTx/>
+              <a:buChar char="-"/>
+            </a:pPr>
+            <a:r>
+              <a:rPr lang="en-US" baseline="0" dirty="0" smtClean="0">
+                <a:solidFill>
+                  <a:schemeClr val="dk1"/>
+                </a:solidFill>
+              </a:rPr>
+              <a:t>R</a:t>
+            </a:r>
+            <a:r>
+              <a:rPr lang="en" baseline="0" dirty="0" smtClean="0">
+                <a:solidFill>
+                  <a:schemeClr val="dk1"/>
+                </a:solidFill>
+              </a:rPr>
+              <a:t>ise of ocean liner</a:t>
+            </a:r>
+          </a:p>
+          <a:p>
+            <a:pPr marL="457200" lvl="0" indent="-228600" rtl="0">
               <a:lnSpc>
                 <a:spcPct val="115000"/>
               </a:lnSpc>
               <a:buSzPct val="100000"/>
-              <a:buNone/>
-            </a:pPr>
-            <a:r>
-              <a:rPr lang="en">
-                <a:solidFill>
-                  <a:schemeClr val="dk1"/>
-                </a:solidFill>
-              </a:rPr>
-              <a:t>overseas</a:t>
-            </a:r>
-          </a:p>
-          <a:p>
-            <a:pPr rtl="0" lvl="3" indent="-228600" marL="1828800">
+              <a:buFontTx/>
+              <a:buChar char="-"/>
+            </a:pPr>
+            <a:r>
+              <a:rPr lang="en" baseline="0" dirty="0" smtClean="0">
+                <a:solidFill>
+                  <a:schemeClr val="dk1"/>
+                </a:solidFill>
+              </a:rPr>
+              <a:t>Explain the </a:t>
+            </a:r>
+            <a:r>
+              <a:rPr lang="en" b="1" baseline="0" dirty="0" smtClean="0">
+                <a:solidFill>
+                  <a:schemeClr val="dk1"/>
+                </a:solidFill>
+              </a:rPr>
+              <a:t>tool tips/ details on demand</a:t>
+            </a:r>
+          </a:p>
+          <a:p>
+            <a:pPr marL="914400" lvl="1" indent="-228600" rtl="0">
               <a:lnSpc>
                 <a:spcPct val="115000"/>
               </a:lnSpc>
               <a:buSzPct val="100000"/>
-              <a:buNone/>
-            </a:pPr>
-            <a:r>
-              <a:rPr lang="en">
-                <a:solidFill>
-                  <a:schemeClr val="dk1"/>
-                </a:solidFill>
-              </a:rPr>
-              <a:t>Second wave is actually from poorer, underdeveloped countries to more developed countries. Also, more immigration from asia than ever before (could have to do with repeal of  chinese exclusion act)</a:t>
-            </a:r>
-          </a:p>
-          <a:p>
-            <a:pPr rtl="0" lvl="2" indent="-228600" marL="1371600">
+              <a:buFontTx/>
+              <a:buChar char="-"/>
+            </a:pPr>
+            <a:r>
+              <a:rPr lang="en-US" baseline="0" dirty="0" smtClean="0">
+                <a:solidFill>
+                  <a:schemeClr val="dk1"/>
+                </a:solidFill>
+              </a:rPr>
+              <a:t>D</a:t>
+            </a:r>
+            <a:r>
+              <a:rPr lang="en" baseline="0" dirty="0" smtClean="0">
+                <a:solidFill>
+                  <a:schemeClr val="dk1"/>
+                </a:solidFill>
+              </a:rPr>
+              <a:t>ifferent formmating for both bubbles and area chart b/c of differences in purpose.</a:t>
+            </a:r>
+          </a:p>
+          <a:p>
+            <a:pPr marL="914400" lvl="1" indent="-228600" rtl="0">
               <a:lnSpc>
                 <a:spcPct val="115000"/>
               </a:lnSpc>
               <a:buSzPct val="100000"/>
-              <a:buNone/>
-            </a:pPr>
-            <a:r>
-              <a:rPr lang="en">
-                <a:solidFill>
-                  <a:schemeClr val="dk1"/>
-                </a:solidFill>
-              </a:rPr>
-              <a:t>What countries have had the biggest impact on immigration/ is there really a difference in the current immigration from Mexico to the united states/ what caused the flood of Mexican immigrants?</a:t>
-            </a:r>
-          </a:p>
-          <a:p>
-            <a:pPr rtl="0" lvl="3" indent="-228600" marL="1828800">
+              <a:buFontTx/>
+              <a:buChar char="-"/>
+            </a:pPr>
+            <a:r>
+              <a:rPr lang="en-US" baseline="0" dirty="0" smtClean="0">
+                <a:solidFill>
+                  <a:schemeClr val="dk1"/>
+                </a:solidFill>
+              </a:rPr>
+              <a:t>U</a:t>
+            </a:r>
+            <a:r>
+              <a:rPr lang="en" baseline="0" dirty="0" smtClean="0">
+                <a:solidFill>
+                  <a:schemeClr val="dk1"/>
+                </a:solidFill>
+              </a:rPr>
+              <a:t>se of lines to help user better gauge the area chart especially because baseline can be hard</a:t>
+            </a:r>
+          </a:p>
+          <a:p>
+            <a:pPr marL="457200" lvl="0" indent="-228600" rtl="0">
               <a:lnSpc>
                 <a:spcPct val="115000"/>
               </a:lnSpc>
               <a:buSzPct val="100000"/>
-              <a:buNone/>
-            </a:pPr>
-            <a:r>
-              <a:rPr lang="en">
-                <a:solidFill>
-                  <a:schemeClr val="dk1"/>
-                </a:solidFill>
-              </a:rPr>
-              <a:t>Look at causes of flood of Mexican immigrants.... combination of economic issues in Mexico alongside the bracero program which invited Mexican laborers into the states.</a:t>
-            </a:r>
-          </a:p>
-          <a:p>
-            <a:pPr rtl="0" lvl="3" indent="-228600" marL="1828800">
+              <a:buFontTx/>
+              <a:buChar char="-"/>
+            </a:pPr>
+            <a:r>
+              <a:rPr lang="en" baseline="0" dirty="0" smtClean="0">
+                <a:solidFill>
+                  <a:schemeClr val="dk1"/>
+                </a:solidFill>
+              </a:rPr>
+              <a:t>Explain ability to </a:t>
+            </a:r>
+            <a:r>
+              <a:rPr lang="en" b="1" baseline="0" dirty="0" smtClean="0">
+                <a:solidFill>
+                  <a:schemeClr val="dk1"/>
+                </a:solidFill>
+              </a:rPr>
+              <a:t>drill down</a:t>
+            </a:r>
+          </a:p>
+          <a:p>
+            <a:pPr marL="914400" lvl="1" indent="-228600" rtl="0">
               <a:lnSpc>
                 <a:spcPct val="115000"/>
               </a:lnSpc>
               <a:buSzPct val="100000"/>
-              <a:buNone/>
-            </a:pPr>
-            <a:r>
-              <a:rPr lang="en">
-                <a:solidFill>
-                  <a:schemeClr val="dk1"/>
-                </a:solidFill>
-              </a:rPr>
-              <a:t>One difference is that Mexican immigration composes a much larger percentage of its region’s immigrants. (look at composition of european immigration at its peak vs. Mexican immigration at that time.</a:t>
-            </a:r>
-          </a:p>
-          <a:p>
-            <a:pPr rtl="0" lvl="3" indent="-228600" marL="1828800">
+              <a:buFontTx/>
+              <a:buChar char="-"/>
+            </a:pPr>
+            <a:r>
+              <a:rPr lang="en-US" baseline="0" dirty="0" smtClean="0">
+                <a:solidFill>
+                  <a:schemeClr val="dk1"/>
+                </a:solidFill>
+              </a:rPr>
+              <a:t>L</a:t>
+            </a:r>
+            <a:r>
+              <a:rPr lang="en" baseline="0" dirty="0" smtClean="0">
+                <a:solidFill>
+                  <a:schemeClr val="dk1"/>
+                </a:solidFill>
+              </a:rPr>
+              <a:t>inked views of map and area chart</a:t>
+            </a:r>
+          </a:p>
+          <a:p>
+            <a:pPr marL="914400" lvl="1" indent="-228600" rtl="0">
               <a:lnSpc>
                 <a:spcPct val="115000"/>
               </a:lnSpc>
               <a:buSzPct val="100000"/>
-              <a:buNone/>
-            </a:pPr>
-            <a:r>
-              <a:rPr lang="en">
-                <a:solidFill>
-                  <a:schemeClr val="dk1"/>
-                </a:solidFill>
-              </a:rPr>
-              <a:t>Also, we can use the map to see how it’s geographical location has affected its immigration: it is the longest border of a third world country with a first world country</a:t>
-            </a:r>
-          </a:p>
-          <a:p>
-            <a:pPr rtl="0" lvl="2" indent="-228600" marL="1371600">
+              <a:buFontTx/>
+              <a:buChar char="-"/>
+            </a:pPr>
+            <a:r>
+              <a:rPr lang="en" baseline="0" dirty="0" smtClean="0">
+                <a:solidFill>
+                  <a:schemeClr val="dk1"/>
+                </a:solidFill>
+              </a:rPr>
+              <a:t>(mention resizing of y axis)</a:t>
+            </a:r>
+          </a:p>
+          <a:p>
+            <a:pPr marL="914400" lvl="1" indent="-228600" rtl="0">
               <a:lnSpc>
                 <a:spcPct val="115000"/>
               </a:lnSpc>
               <a:buSzPct val="100000"/>
-              <a:buNone/>
-            </a:pPr>
-            <a:r>
-              <a:rPr lang="en">
-                <a:solidFill>
-                  <a:schemeClr val="dk1"/>
-                </a:solidFill>
-              </a:rPr>
-              <a:t>What impact does war or economic distress/ abundance have on immigration?</a:t>
-            </a:r>
-          </a:p>
-          <a:p>
-            <a:pPr rtl="0" lvl="3" indent="-228600" marL="1828800">
+              <a:buFontTx/>
+              <a:buChar char="-"/>
+            </a:pPr>
+            <a:r>
+              <a:rPr lang="en-US" baseline="0" dirty="0" smtClean="0">
+                <a:solidFill>
+                  <a:schemeClr val="dk1"/>
+                </a:solidFill>
+              </a:rPr>
+              <a:t>A</a:t>
+            </a:r>
+            <a:r>
+              <a:rPr lang="en" baseline="0" dirty="0" smtClean="0">
+                <a:solidFill>
+                  <a:schemeClr val="dk1"/>
+                </a:solidFill>
+              </a:rPr>
+              <a:t>llows the viewer to explore the composition of immigrants</a:t>
+            </a:r>
+          </a:p>
+          <a:p>
+            <a:pPr marL="457200" lvl="0" indent="-228600" rtl="0">
               <a:lnSpc>
                 <a:spcPct val="115000"/>
               </a:lnSpc>
               <a:buSzPct val="100000"/>
+              <a:buFontTx/>
+              <a:buChar char="-"/>
+            </a:pPr>
+            <a:r>
+              <a:rPr lang="en" baseline="0" dirty="0" smtClean="0">
+                <a:solidFill>
+                  <a:schemeClr val="dk1"/>
+                </a:solidFill>
+              </a:rPr>
+              <a:t>Explain </a:t>
+            </a:r>
+            <a:r>
+              <a:rPr lang="en" b="1" baseline="0" dirty="0" smtClean="0">
+                <a:solidFill>
+                  <a:schemeClr val="dk1"/>
+                </a:solidFill>
+              </a:rPr>
+              <a:t>historical events</a:t>
+            </a:r>
+          </a:p>
+          <a:p>
+            <a:pPr marL="457200" lvl="0" indent="-228600" rtl="0">
+              <a:lnSpc>
+                <a:spcPct val="115000"/>
+              </a:lnSpc>
+              <a:buSzPct val="100000"/>
+              <a:buFontTx/>
+              <a:buChar char="-"/>
+            </a:pPr>
+            <a:r>
+              <a:rPr lang="en" baseline="0" dirty="0" smtClean="0">
+                <a:solidFill>
+                  <a:schemeClr val="dk1"/>
+                </a:solidFill>
+              </a:rPr>
+              <a:t>Explain </a:t>
+            </a:r>
+            <a:r>
+              <a:rPr lang="en" b="1" baseline="0" dirty="0" smtClean="0">
+                <a:solidFill>
+                  <a:schemeClr val="dk1"/>
+                </a:solidFill>
+              </a:rPr>
+              <a:t>context/ focus bar</a:t>
+            </a:r>
+          </a:p>
+          <a:p>
+            <a:pPr marL="457200" lvl="0" indent="-228600" rtl="0">
+              <a:lnSpc>
+                <a:spcPct val="115000"/>
+              </a:lnSpc>
+              <a:buSzPct val="100000"/>
+              <a:buFontTx/>
+              <a:buChar char="-"/>
+            </a:pPr>
+            <a:endParaRPr lang="en" baseline="0" dirty="0" smtClean="0">
+              <a:solidFill>
+                <a:schemeClr val="dk1"/>
+              </a:solidFill>
+            </a:endParaRPr>
+          </a:p>
+          <a:p>
+            <a:pPr marL="457200" lvl="0" indent="-228600" rtl="0">
+              <a:lnSpc>
+                <a:spcPct val="115000"/>
+              </a:lnSpc>
+              <a:buSzPct val="100000"/>
+              <a:buFontTx/>
+              <a:buChar char="-"/>
+            </a:pPr>
+            <a:r>
+              <a:rPr lang="en" baseline="0" dirty="0" smtClean="0">
+                <a:solidFill>
+                  <a:schemeClr val="dk1"/>
+                </a:solidFill>
+              </a:rPr>
+              <a:t>Mention what we would like to continue to improve upon</a:t>
+            </a:r>
+          </a:p>
+          <a:p>
+            <a:endParaRPr lang="en-US" b="0" dirty="0" smtClean="0">
+              <a:effectLst/>
+            </a:endParaRPr>
+          </a:p>
+          <a:p>
+            <a:pPr lvl="1" rtl="0" fontAlgn="base"/>
+            <a:r>
+              <a:rPr lang="en-US" sz="1100" b="0" i="0" u="none" strike="noStrike" kern="1200" dirty="0" smtClean="0">
+                <a:solidFill>
+                  <a:schemeClr val="tx1"/>
+                </a:solidFill>
+                <a:effectLst/>
+                <a:latin typeface="+mn-lt"/>
+                <a:ea typeface="+mn-ea"/>
+                <a:cs typeface="+mn-cs"/>
+              </a:rPr>
+              <a:t>if we had more time, features we would have liked to implement (Katie)</a:t>
+            </a:r>
+          </a:p>
+          <a:p>
+            <a:pPr lvl="2" rtl="0" fontAlgn="base"/>
+            <a:r>
+              <a:rPr lang="en-US" sz="1100" b="0" i="0" u="none" strike="noStrike" kern="1200" dirty="0" smtClean="0">
+                <a:solidFill>
+                  <a:schemeClr val="tx1"/>
+                </a:solidFill>
+                <a:effectLst/>
+                <a:latin typeface="+mn-lt"/>
+                <a:ea typeface="+mn-ea"/>
+                <a:cs typeface="+mn-cs"/>
+              </a:rPr>
+              <a:t>highlighting between bubbles and area map on countries</a:t>
+            </a:r>
+          </a:p>
+          <a:p>
+            <a:pPr lvl="2" rtl="0" fontAlgn="base"/>
+            <a:r>
+              <a:rPr lang="en-US" sz="1100" b="0" i="0" u="none" strike="noStrike" kern="1200" dirty="0" smtClean="0">
+                <a:solidFill>
+                  <a:schemeClr val="tx1"/>
+                </a:solidFill>
+                <a:effectLst/>
+                <a:latin typeface="+mn-lt"/>
+                <a:ea typeface="+mn-ea"/>
+                <a:cs typeface="+mn-cs"/>
+              </a:rPr>
+              <a:t>bubbles change size when we use brushing</a:t>
+            </a:r>
+          </a:p>
+          <a:p>
+            <a:pPr lvl="2" rtl="0" fontAlgn="base"/>
+            <a:r>
+              <a:rPr lang="en-US" sz="1100" b="0" i="0" u="none" strike="noStrike" kern="1200" dirty="0" smtClean="0">
+                <a:solidFill>
+                  <a:schemeClr val="tx1"/>
+                </a:solidFill>
+                <a:effectLst/>
+                <a:latin typeface="+mn-lt"/>
+                <a:ea typeface="+mn-ea"/>
+                <a:cs typeface="+mn-cs"/>
+              </a:rPr>
+              <a:t>better coloring scheme due to </a:t>
+            </a:r>
+            <a:r>
+              <a:rPr lang="en-US" sz="1100" b="0" i="0" u="none" strike="noStrike" kern="1200" dirty="0" err="1" smtClean="0">
+                <a:solidFill>
+                  <a:schemeClr val="tx1"/>
+                </a:solidFill>
+                <a:effectLst/>
+                <a:latin typeface="+mn-lt"/>
+                <a:ea typeface="+mn-ea"/>
+                <a:cs typeface="+mn-cs"/>
+              </a:rPr>
+              <a:t>europe</a:t>
+            </a:r>
+            <a:r>
+              <a:rPr lang="en-US" sz="1100" b="0" i="0" u="none" strike="noStrike" kern="1200" dirty="0" smtClean="0">
+                <a:solidFill>
+                  <a:schemeClr val="tx1"/>
+                </a:solidFill>
+                <a:effectLst/>
+                <a:latin typeface="+mn-lt"/>
+                <a:ea typeface="+mn-ea"/>
+                <a:cs typeface="+mn-cs"/>
+              </a:rPr>
+              <a:t> having 20 countries</a:t>
+            </a:r>
+          </a:p>
+          <a:p>
+            <a:pPr lvl="2" rtl="0" fontAlgn="base"/>
+            <a:r>
+              <a:rPr lang="en-US" sz="1100" b="0" i="0" u="none" strike="noStrike" kern="1200" dirty="0" smtClean="0">
+                <a:solidFill>
+                  <a:schemeClr val="tx1"/>
+                </a:solidFill>
+                <a:effectLst/>
+                <a:latin typeface="+mn-lt"/>
+                <a:ea typeface="+mn-ea"/>
+                <a:cs typeface="+mn-cs"/>
+              </a:rPr>
+              <a:t>Linking to </a:t>
+            </a:r>
+            <a:r>
+              <a:rPr lang="en-US" sz="1100" b="0" i="0" u="none" strike="noStrike" kern="1200" dirty="0" err="1" smtClean="0">
+                <a:solidFill>
+                  <a:schemeClr val="tx1"/>
+                </a:solidFill>
+                <a:effectLst/>
+                <a:latin typeface="+mn-lt"/>
+                <a:ea typeface="+mn-ea"/>
+                <a:cs typeface="+mn-cs"/>
+              </a:rPr>
+              <a:t>wikipedia</a:t>
+            </a:r>
+            <a:r>
+              <a:rPr lang="en-US" sz="1100" b="0" i="0" u="none" strike="noStrike" kern="1200" dirty="0" smtClean="0">
+                <a:solidFill>
+                  <a:schemeClr val="tx1"/>
+                </a:solidFill>
+                <a:effectLst/>
+                <a:latin typeface="+mn-lt"/>
+                <a:ea typeface="+mn-ea"/>
+                <a:cs typeface="+mn-cs"/>
+              </a:rPr>
+              <a:t> or other sources</a:t>
+            </a:r>
+          </a:p>
+          <a:p>
+            <a:pPr lvl="2" rtl="0" fontAlgn="base"/>
+            <a:r>
+              <a:rPr lang="en-US" sz="1100" b="0" i="0" u="none" strike="noStrike" kern="1200" dirty="0" smtClean="0">
+                <a:solidFill>
+                  <a:schemeClr val="tx1"/>
+                </a:solidFill>
+                <a:effectLst/>
+                <a:latin typeface="+mn-lt"/>
+                <a:ea typeface="+mn-ea"/>
+                <a:cs typeface="+mn-cs"/>
+              </a:rPr>
+              <a:t>Filter for specific historical events</a:t>
+            </a:r>
+          </a:p>
+          <a:p>
+            <a:pPr lvl="2" rtl="0" fontAlgn="base"/>
+            <a:r>
+              <a:rPr lang="en-US" sz="1100" b="0" i="0" u="none" strike="noStrike" kern="1200" dirty="0" smtClean="0">
+                <a:solidFill>
+                  <a:schemeClr val="tx1"/>
+                </a:solidFill>
+                <a:effectLst/>
+                <a:latin typeface="+mn-lt"/>
+                <a:ea typeface="+mn-ea"/>
+                <a:cs typeface="+mn-cs"/>
+              </a:rPr>
+              <a:t>allow for illegal immigration statistics to be displayed</a:t>
+            </a:r>
+          </a:p>
+          <a:p>
+            <a:pPr marL="457200" lvl="0" indent="-228600" rtl="0">
+              <a:lnSpc>
+                <a:spcPct val="115000"/>
+              </a:lnSpc>
+              <a:buSzPct val="100000"/>
+              <a:buFontTx/>
+              <a:buChar char="-"/>
+            </a:pPr>
+            <a:endParaRPr lang="en" dirty="0" smtClean="0">
+              <a:solidFill>
+                <a:schemeClr val="dk1"/>
+              </a:solidFill>
+            </a:endParaRPr>
+          </a:p>
+          <a:p>
+            <a:pPr marL="457200" lvl="0" indent="-228600" rtl="0">
+              <a:lnSpc>
+                <a:spcPct val="115000"/>
+              </a:lnSpc>
+              <a:buSzPct val="100000"/>
               <a:buNone/>
             </a:pPr>
-            <a:r>
-              <a:rPr lang="en">
+            <a:endParaRPr lang="en" dirty="0">
+              <a:solidFill>
+                <a:schemeClr val="dk1"/>
+              </a:solidFill>
+            </a:endParaRPr>
+          </a:p>
+          <a:p>
+            <a:pPr marL="914400" lvl="1" indent="-228600" rtl="0">
+              <a:lnSpc>
+                <a:spcPct val="115000"/>
+              </a:lnSpc>
+              <a:buSzPct val="100000"/>
+              <a:buNone/>
+            </a:pPr>
+            <a:r>
+              <a:rPr lang="en" dirty="0">
+                <a:solidFill>
+                  <a:schemeClr val="dk1"/>
+                </a:solidFill>
+              </a:rPr>
+              <a:t>user questions/demo of abilities: (Katie) </a:t>
+            </a:r>
+          </a:p>
+          <a:p>
+            <a:pPr marL="1371600" lvl="2" indent="-228600" rtl="0">
+              <a:lnSpc>
+                <a:spcPct val="115000"/>
+              </a:lnSpc>
+              <a:buSzPct val="100000"/>
+              <a:buNone/>
+            </a:pPr>
+            <a:r>
+              <a:rPr lang="en" b="1" dirty="0">
+                <a:solidFill>
+                  <a:schemeClr val="dk1"/>
+                </a:solidFill>
+              </a:rPr>
+              <a:t>What continent has the largest amount of immigration into the US?</a:t>
+            </a:r>
+          </a:p>
+          <a:p>
+            <a:pPr marL="1828800" lvl="3" indent="-228600" rtl="0">
+              <a:lnSpc>
+                <a:spcPct val="115000"/>
+              </a:lnSpc>
+              <a:buSzPct val="100000"/>
+              <a:buNone/>
+            </a:pPr>
+            <a:r>
+              <a:rPr lang="en" dirty="0">
+                <a:solidFill>
+                  <a:schemeClr val="dk1"/>
+                </a:solidFill>
+              </a:rPr>
+              <a:t>Look at map and use aggregate bubbles to answer.</a:t>
+            </a:r>
+          </a:p>
+          <a:p>
+            <a:pPr marL="1371600" lvl="2" indent="-228600" rtl="0">
+              <a:lnSpc>
+                <a:spcPct val="115000"/>
+              </a:lnSpc>
+              <a:buSzPct val="100000"/>
+              <a:buNone/>
+            </a:pPr>
+            <a:r>
+              <a:rPr lang="en" b="1" dirty="0">
+                <a:solidFill>
+                  <a:schemeClr val="dk1"/>
+                </a:solidFill>
+              </a:rPr>
+              <a:t>How have immigration trends changed over the last 200 years?</a:t>
+            </a:r>
+          </a:p>
+          <a:p>
+            <a:pPr marL="1828800" lvl="3" indent="-228600" rtl="0">
+              <a:lnSpc>
+                <a:spcPct val="115000"/>
+              </a:lnSpc>
+              <a:buSzPct val="100000"/>
+              <a:buNone/>
+            </a:pPr>
+            <a:r>
+              <a:rPr lang="en" dirty="0">
+                <a:solidFill>
+                  <a:schemeClr val="dk1"/>
+                </a:solidFill>
+              </a:rPr>
+              <a:t>Can see that initial large wave of immigrants actually comes from a more developed country to a less developed country. Immigrants seeking freedom, a chance at a new life.</a:t>
+            </a:r>
+          </a:p>
+          <a:p>
+            <a:pPr marL="2286000" lvl="4" indent="-228600" rtl="0">
+              <a:lnSpc>
+                <a:spcPct val="115000"/>
+              </a:lnSpc>
+              <a:buSzPct val="100000"/>
+              <a:buNone/>
+            </a:pPr>
+            <a:r>
+              <a:rPr lang="en" dirty="0">
+                <a:solidFill>
+                  <a:schemeClr val="dk1"/>
+                </a:solidFill>
+              </a:rPr>
+              <a:t>overseas</a:t>
+            </a:r>
+          </a:p>
+          <a:p>
+            <a:pPr marL="1828800" lvl="3" indent="-228600" rtl="0">
+              <a:lnSpc>
+                <a:spcPct val="115000"/>
+              </a:lnSpc>
+              <a:buSzPct val="100000"/>
+              <a:buNone/>
+            </a:pPr>
+            <a:r>
+              <a:rPr lang="en" dirty="0">
+                <a:solidFill>
+                  <a:schemeClr val="dk1"/>
+                </a:solidFill>
+              </a:rPr>
+              <a:t>Second wave is actually from poorer, underdeveloped countries to more developed countries. Also, more immigration from asia than ever before (could have to do with repeal of  chinese exclusion act)</a:t>
+            </a:r>
+          </a:p>
+          <a:p>
+            <a:pPr marL="1371600" lvl="2" indent="-228600" rtl="0">
+              <a:lnSpc>
+                <a:spcPct val="115000"/>
+              </a:lnSpc>
+              <a:buSzPct val="100000"/>
+              <a:buNone/>
+            </a:pPr>
+            <a:r>
+              <a:rPr lang="en" b="1" dirty="0">
+                <a:solidFill>
+                  <a:schemeClr val="dk1"/>
+                </a:solidFill>
+              </a:rPr>
+              <a:t>What countries have had the biggest impact on immigration/ is there really a difference in the current immigration from Mexico to the united states/ what caused the flood of Mexican immigrants?</a:t>
+            </a:r>
+          </a:p>
+          <a:p>
+            <a:pPr marL="1828800" lvl="3" indent="-228600" rtl="0">
+              <a:lnSpc>
+                <a:spcPct val="115000"/>
+              </a:lnSpc>
+              <a:buSzPct val="100000"/>
+              <a:buNone/>
+            </a:pPr>
+            <a:r>
+              <a:rPr lang="en" dirty="0">
+                <a:solidFill>
+                  <a:schemeClr val="dk1"/>
+                </a:solidFill>
+              </a:rPr>
+              <a:t>Look at causes of flood of Mexican immigrants.... combination of economic issues in Mexico alongside the bracero program which invited Mexican laborers into the states.</a:t>
+            </a:r>
+          </a:p>
+          <a:p>
+            <a:pPr marL="1828800" lvl="3" indent="-228600" rtl="0">
+              <a:lnSpc>
+                <a:spcPct val="115000"/>
+              </a:lnSpc>
+              <a:buSzPct val="100000"/>
+              <a:buNone/>
+            </a:pPr>
+            <a:r>
+              <a:rPr lang="en" dirty="0">
+                <a:solidFill>
+                  <a:schemeClr val="dk1"/>
+                </a:solidFill>
+              </a:rPr>
+              <a:t>One difference is that Mexican immigration composes a much larger percentage of its region’s immigrants. (look at composition of european immigration at its peak vs. Mexican immigration at that time.</a:t>
+            </a:r>
+          </a:p>
+          <a:p>
+            <a:pPr marL="1828800" lvl="3" indent="-228600" rtl="0">
+              <a:lnSpc>
+                <a:spcPct val="115000"/>
+              </a:lnSpc>
+              <a:buSzPct val="100000"/>
+              <a:buNone/>
+            </a:pPr>
+            <a:r>
+              <a:rPr lang="en" dirty="0">
+                <a:solidFill>
+                  <a:schemeClr val="dk1"/>
+                </a:solidFill>
+              </a:rPr>
+              <a:t>Also, we can use the map to see how it’s geographical location has affected its immigration: it is the longest border of a third world country with a first world country</a:t>
+            </a:r>
+          </a:p>
+          <a:p>
+            <a:pPr marL="1371600" lvl="2" indent="-228600" rtl="0">
+              <a:lnSpc>
+                <a:spcPct val="115000"/>
+              </a:lnSpc>
+              <a:buSzPct val="100000"/>
+              <a:buNone/>
+            </a:pPr>
+            <a:r>
+              <a:rPr lang="en" b="1" dirty="0">
+                <a:solidFill>
+                  <a:schemeClr val="dk1"/>
+                </a:solidFill>
+              </a:rPr>
+              <a:t>What impact does war or economic distress/ abundance have on immigration?</a:t>
+            </a:r>
+          </a:p>
+          <a:p>
+            <a:pPr marL="1828800" lvl="3" indent="-228600" rtl="0">
+              <a:lnSpc>
+                <a:spcPct val="115000"/>
+              </a:lnSpc>
+              <a:buSzPct val="100000"/>
+              <a:buNone/>
+            </a:pPr>
+            <a:r>
+              <a:rPr lang="en" dirty="0">
                 <a:solidFill>
                   <a:schemeClr val="dk1"/>
                 </a:solidFill>
@@ -1676,18 +2446,27 @@
             </a:r>
           </a:p>
           <a:p>
-            <a:r>
-              <a:t/>
-            </a:r>
-          </a:p>
-          <a:p>
-            <a:r>
-              <a:t/>
-            </a:r>
+            <a:endParaRPr lang="en" dirty="0">
+              <a:solidFill>
+                <a:schemeClr val="dk1"/>
+              </a:solidFill>
+            </a:endParaRPr>
+          </a:p>
+          <a:p>
+            <a:endParaRPr lang="en" dirty="0">
+              <a:solidFill>
+                <a:schemeClr val="dk1"/>
+              </a:solidFill>
+            </a:endParaRPr>
           </a:p>
         </p:txBody>
       </p:sp>
     </p:spTree>
+    <p:extLst>
+      <p:ext uri="{BB962C8B-B14F-4D97-AF65-F5344CB8AC3E}">
+        <p14:creationId xmlns:p14="http://schemas.microsoft.com/office/powerpoint/2010/main" val="1455714044"/>
+      </p:ext>
+    </p:extLst>
   </p:cSld>
   <p:clrMapOvr>
     <a:masterClrMapping/>
@@ -1696,49 +2475,56 @@
 </file>
 
 <file path=ppt/notesSlides/notesSlide7.xml><?xml version="1.0" encoding="utf-8"?>
-<p:notes xmlns:a="http://schemas.openxmlformats.org/drawingml/2006/main" xmlns:r="http://schemas.openxmlformats.org/officeDocument/2006/relationships" xmlns:mc="http://schemas.openxmlformats.org/markup-compatibility/2006" xmlns:mv="urn:schemas-microsoft-com:mac:vml" xmlns:p="http://schemas.openxmlformats.org/presentationml/2006/main" xmlns:c="http://schemas.openxmlformats.org/drawingml/2006/chart" xmlns:dgm="http://schemas.openxmlformats.org/drawingml/2006/diagram" xmlns:o="urn:schemas-microsoft-com:office:office" xmlns:v="urn:schemas-microsoft-com:vml" xmlns:pvml="urn:schemas-microsoft-com:office:powerpoint" xmlns:com="http://schemas.openxmlformats.org/drawingml/2006/compatibility" xmlns:p14="http://schemas.microsoft.com/office/powerpoint/2010/main" showMasterSp="0" showMasterPhAnim="0">
+<p:notes xmlns:a="http://schemas.openxmlformats.org/drawingml/2006/main" xmlns:r="http://schemas.openxmlformats.org/officeDocument/2006/relationships" xmlns:p="http://schemas.openxmlformats.org/presentationml/2006/main" showMasterSp="0" showMasterPhAnim="0">
   <p:cSld>
     <p:spTree>
       <p:nvGrpSpPr>
-        <p:cNvPr id="70" name="Shape 70"/>
+        <p:cNvPr id="1" name="Shape 70"/>
         <p:cNvGrpSpPr/>
         <p:nvPr/>
       </p:nvGrpSpPr>
       <p:grpSpPr>
         <a:xfrm>
-          <a:off y="0" x="0"/>
-          <a:ext cy="0" cx="0"/>
-          <a:chOff y="0" x="0"/>
-          <a:chExt cy="0" cx="0"/>
+          <a:off x="0" y="0"/>
+          <a:ext cx="0" cy="0"/>
+          <a:chOff x="0" y="0"/>
+          <a:chExt cx="0" cy="0"/>
         </a:xfrm>
       </p:grpSpPr>
       <p:sp>
         <p:nvSpPr>
           <p:cNvPr id="71" name="Shape 71"/>
-          <p:cNvSpPr/>
+          <p:cNvSpPr>
+            <a:spLocks noGrp="1" noRot="1" noChangeAspect="1"/>
+          </p:cNvSpPr>
           <p:nvPr>
-            <p:ph idx="2" type="sldImg"/>
+            <p:ph type="sldImg" idx="2"/>
           </p:nvPr>
         </p:nvSpPr>
         <p:spPr>
           <a:xfrm>
-            <a:off y="685800" x="381187"/>
-            <a:ext cy="3429000" cx="6096299"/>
+            <a:off x="381187" y="685800"/>
+            <a:ext cx="6096299" cy="3429000"/>
           </a:xfrm>
           <a:custGeom>
+            <a:avLst/>
+            <a:gdLst/>
+            <a:ahLst/>
+            <a:cxnLst/>
+            <a:rect l="0" t="0" r="0" b="0"/>
             <a:pathLst>
-              <a:path w="120000" extrusionOk="0" h="120000">
+              <a:path w="120000" h="120000" extrusionOk="0">
                 <a:moveTo>
-                  <a:pt y="0" x="0"/>
+                  <a:pt x="0" y="0"/>
                 </a:moveTo>
                 <a:lnTo>
-                  <a:pt y="0" x="120000"/>
+                  <a:pt x="120000" y="0"/>
                 </a:lnTo>
                 <a:lnTo>
-                  <a:pt y="120000" x="120000"/>
+                  <a:pt x="120000" y="120000"/>
                 </a:lnTo>
                 <a:lnTo>
-                  <a:pt y="120000" x="0"/>
+                  <a:pt x="0" y="120000"/>
                 </a:lnTo>
                 <a:close/>
               </a:path>
@@ -1749,36 +2535,38 @@
       <p:sp>
         <p:nvSpPr>
           <p:cNvPr id="72" name="Shape 72"/>
-          <p:cNvSpPr txBox="1"/>
+          <p:cNvSpPr txBox="1">
+            <a:spLocks noGrp="1"/>
+          </p:cNvSpPr>
           <p:nvPr>
-            <p:ph idx="1" type="body"/>
+            <p:ph type="body" idx="1"/>
           </p:nvPr>
         </p:nvSpPr>
         <p:spPr>
           <a:xfrm>
-            <a:off y="4343400" x="685800"/>
-            <a:ext cy="4114800" cx="5486399"/>
+            <a:off x="685800" y="4343400"/>
+            <a:ext cx="5486399" cy="4114800"/>
           </a:xfrm>
           <a:prstGeom prst="rect">
             <a:avLst/>
           </a:prstGeom>
         </p:spPr>
         <p:txBody>
-          <a:bodyPr bIns="91425" rIns="91425" lIns="91425" tIns="91425" anchor="t" anchorCtr="0">
+          <a:bodyPr lIns="91425" tIns="91425" rIns="91425" bIns="91425" anchor="t" anchorCtr="0">
             <a:noAutofit/>
           </a:bodyPr>
           <a:lstStyle/>
           <a:p>
-            <a:pPr rtl="0" lvl="0">
+            <a:pPr lvl="0" rtl="0">
               <a:buNone/>
             </a:pPr>
             <a:r>
-              <a:rPr b="1" sz="1400" lang="en"/>
+              <a:rPr lang="en" sz="1400" b="1"/>
               <a:t>Group Breakdown</a:t>
             </a:r>
           </a:p>
           <a:p>
-            <a:pPr rtl="0" lvl="0" indent="-317500" marL="457200">
+            <a:pPr marL="457200" lvl="0" indent="-317500" rtl="0">
               <a:buClr>
                 <a:srgbClr val="000000"/>
               </a:buClr>
@@ -1787,12 +2575,12 @@
               <a:buChar char="●"/>
             </a:pPr>
             <a:r>
-              <a:rPr sz="1400" lang="en"/>
+              <a:rPr lang="en" sz="1400"/>
               <a:t>Wesley Hughes</a:t>
             </a:r>
           </a:p>
           <a:p>
-            <a:pPr rtl="0" lvl="1" indent="-317500" marL="914400">
+            <a:pPr marL="914400" lvl="1" indent="-317500" rtl="0">
               <a:buClr>
                 <a:srgbClr val="000000"/>
               </a:buClr>
@@ -1801,12 +2589,12 @@
               <a:buChar char="○"/>
             </a:pPr>
             <a:r>
-              <a:rPr sz="1400" lang="en"/>
+              <a:rPr lang="en" sz="1400"/>
               <a:t>US Map</a:t>
             </a:r>
           </a:p>
           <a:p>
-            <a:pPr rtl="0" lvl="0" indent="-317500" marL="457200">
+            <a:pPr marL="457200" lvl="0" indent="-317500" rtl="0">
               <a:buClr>
                 <a:srgbClr val="000000"/>
               </a:buClr>
@@ -1815,12 +2603,12 @@
               <a:buChar char="●"/>
             </a:pPr>
             <a:r>
-              <a:rPr sz="1400" lang="en"/>
+              <a:rPr lang="en" sz="1400"/>
               <a:t>Ying Yao</a:t>
             </a:r>
           </a:p>
           <a:p>
-            <a:pPr rtl="0" lvl="1" indent="-317500" marL="914400">
+            <a:pPr marL="914400" lvl="1" indent="-317500" rtl="0">
               <a:buClr>
                 <a:srgbClr val="000000"/>
               </a:buClr>
@@ -1829,12 +2617,12 @@
               <a:buChar char="○"/>
             </a:pPr>
             <a:r>
-              <a:rPr sz="1400" lang="en"/>
+              <a:rPr lang="en" sz="1400"/>
               <a:t>History/Data collection</a:t>
             </a:r>
           </a:p>
           <a:p>
-            <a:pPr rtl="0" lvl="0" indent="-317500" marL="457200">
+            <a:pPr marL="457200" lvl="0" indent="-317500" rtl="0">
               <a:buClr>
                 <a:srgbClr val="000000"/>
               </a:buClr>
@@ -1843,12 +2631,12 @@
               <a:buChar char="●"/>
             </a:pPr>
             <a:r>
-              <a:rPr sz="1400" lang="en"/>
+              <a:rPr lang="en" sz="1400"/>
               <a:t>Katie Roshelli</a:t>
             </a:r>
           </a:p>
           <a:p>
-            <a:pPr rtl="0" lvl="1" indent="-317500" marL="914400">
+            <a:pPr marL="914400" lvl="1" indent="-317500" rtl="0">
               <a:buClr>
                 <a:srgbClr val="000000"/>
               </a:buClr>
@@ -1857,12 +2645,12 @@
               <a:buChar char="○"/>
             </a:pPr>
             <a:r>
-              <a:rPr sz="1400" lang="en"/>
+              <a:rPr lang="en" sz="1400"/>
               <a:t>Stacked Graph, zoom/update features</a:t>
             </a:r>
           </a:p>
           <a:p>
-            <a:pPr rtl="0" lvl="0" indent="-317500" marL="457200">
+            <a:pPr marL="457200" lvl="0" indent="-317500" rtl="0">
               <a:buClr>
                 <a:srgbClr val="000000"/>
               </a:buClr>
@@ -1871,12 +2659,12 @@
               <a:buChar char="●"/>
             </a:pPr>
             <a:r>
-              <a:rPr sz="1400" lang="en"/>
+              <a:rPr lang="en" sz="1400"/>
               <a:t>Cody Turner</a:t>
             </a:r>
           </a:p>
           <a:p>
-            <a:pPr rtl="0" lvl="1" indent="-317500" marL="914400">
+            <a:pPr marL="914400" lvl="1" indent="-317500" rtl="0">
               <a:buClr>
                 <a:srgbClr val="000000"/>
               </a:buClr>
@@ -1885,12 +2673,12 @@
               <a:buChar char="○"/>
             </a:pPr>
             <a:r>
-              <a:rPr sz="1400" lang="en"/>
+              <a:rPr lang="en" sz="1400"/>
               <a:t>History/Data collection</a:t>
             </a:r>
           </a:p>
           <a:p>
-            <a:pPr rtl="0" lvl="0" indent="-317500" marL="457200">
+            <a:pPr marL="457200" lvl="0" indent="-317500" rtl="0">
               <a:buClr>
                 <a:srgbClr val="000000"/>
               </a:buClr>
@@ -1899,12 +2687,12 @@
               <a:buChar char="●"/>
             </a:pPr>
             <a:r>
-              <a:rPr sz="1400" lang="en"/>
+              <a:rPr lang="en" sz="1400"/>
               <a:t>Mallory Wynn</a:t>
             </a:r>
           </a:p>
           <a:p>
-            <a:pPr rtl="0" lvl="1" indent="-317500" marL="914400">
+            <a:pPr marL="914400" lvl="1" indent="-317500" rtl="0">
               <a:buClr>
                 <a:srgbClr val="000000"/>
               </a:buClr>
@@ -1913,12 +2701,12 @@
               <a:buChar char="○"/>
             </a:pPr>
             <a:r>
-              <a:rPr sz="1400" lang="en"/>
+              <a:rPr lang="en" sz="1400"/>
               <a:t>Project Management</a:t>
             </a:r>
           </a:p>
           <a:p>
-            <a:pPr rtl="0" lvl="1" indent="-317500" marL="914400">
+            <a:pPr marL="914400" lvl="1" indent="-317500" rtl="0">
               <a:buClr>
                 <a:schemeClr val="dk1"/>
               </a:buClr>
@@ -1927,12 +2715,12 @@
               <a:buChar char="○"/>
             </a:pPr>
             <a:r>
-              <a:rPr sz="1400" lang="en"/>
+              <a:rPr lang="en" sz="1400"/>
               <a:t>Design</a:t>
             </a:r>
           </a:p>
           <a:p>
-            <a:pPr rtl="0" lvl="1" indent="-317500" marL="914400">
+            <a:pPr marL="914400" lvl="1" indent="-317500" rtl="0">
               <a:buClr>
                 <a:srgbClr val="000000"/>
               </a:buClr>
@@ -1941,18 +2729,21 @@
               <a:buChar char="○"/>
             </a:pPr>
             <a:r>
-              <a:rPr sz="1400" lang="en"/>
+              <a:rPr lang="en" sz="1400"/>
               <a:t>History/Data Collection</a:t>
             </a:r>
           </a:p>
           <a:p>
-            <a:r>
-              <a:t/>
-            </a:r>
+            <a:endParaRPr lang="en" sz="1400"/>
           </a:p>
         </p:txBody>
       </p:sp>
     </p:spTree>
+    <p:extLst>
+      <p:ext uri="{BB962C8B-B14F-4D97-AF65-F5344CB8AC3E}">
+        <p14:creationId xmlns:p14="http://schemas.microsoft.com/office/powerpoint/2010/main" val="2278855379"/>
+      </p:ext>
+    </p:extLst>
   </p:cSld>
   <p:clrMapOvr>
     <a:masterClrMapping/>
@@ -1961,49 +2752,56 @@
 </file>
 
 <file path=ppt/notesSlides/notesSlide8.xml><?xml version="1.0" encoding="utf-8"?>
-<p:notes xmlns:a="http://schemas.openxmlformats.org/drawingml/2006/main" xmlns:r="http://schemas.openxmlformats.org/officeDocument/2006/relationships" xmlns:mc="http://schemas.openxmlformats.org/markup-compatibility/2006" xmlns:mv="urn:schemas-microsoft-com:mac:vml" xmlns:p="http://schemas.openxmlformats.org/presentationml/2006/main" xmlns:c="http://schemas.openxmlformats.org/drawingml/2006/chart" xmlns:dgm="http://schemas.openxmlformats.org/drawingml/2006/diagram" xmlns:o="urn:schemas-microsoft-com:office:office" xmlns:v="urn:schemas-microsoft-com:vml" xmlns:pvml="urn:schemas-microsoft-com:office:powerpoint" xmlns:com="http://schemas.openxmlformats.org/drawingml/2006/compatibility" xmlns:p14="http://schemas.microsoft.com/office/powerpoint/2010/main" showMasterSp="0" showMasterPhAnim="0">
+<p:notes xmlns:a="http://schemas.openxmlformats.org/drawingml/2006/main" xmlns:r="http://schemas.openxmlformats.org/officeDocument/2006/relationships" xmlns:p="http://schemas.openxmlformats.org/presentationml/2006/main" showMasterSp="0" showMasterPhAnim="0">
   <p:cSld>
     <p:spTree>
       <p:nvGrpSpPr>
-        <p:cNvPr id="76" name="Shape 76"/>
+        <p:cNvPr id="1" name="Shape 76"/>
         <p:cNvGrpSpPr/>
         <p:nvPr/>
       </p:nvGrpSpPr>
       <p:grpSpPr>
         <a:xfrm>
-          <a:off y="0" x="0"/>
-          <a:ext cy="0" cx="0"/>
-          <a:chOff y="0" x="0"/>
-          <a:chExt cy="0" cx="0"/>
+          <a:off x="0" y="0"/>
+          <a:ext cx="0" cy="0"/>
+          <a:chOff x="0" y="0"/>
+          <a:chExt cx="0" cy="0"/>
         </a:xfrm>
       </p:grpSpPr>
       <p:sp>
         <p:nvSpPr>
           <p:cNvPr id="77" name="Shape 77"/>
-          <p:cNvSpPr/>
+          <p:cNvSpPr>
+            <a:spLocks noGrp="1" noRot="1" noChangeAspect="1"/>
+          </p:cNvSpPr>
           <p:nvPr>
-            <p:ph idx="2" type="sldImg"/>
+            <p:ph type="sldImg" idx="2"/>
           </p:nvPr>
         </p:nvSpPr>
         <p:spPr>
           <a:xfrm>
-            <a:off y="685800" x="381187"/>
-            <a:ext cy="3429000" cx="6096299"/>
+            <a:off x="381187" y="685800"/>
+            <a:ext cx="6096299" cy="3429000"/>
           </a:xfrm>
           <a:custGeom>
+            <a:avLst/>
+            <a:gdLst/>
+            <a:ahLst/>
+            <a:cxnLst/>
+            <a:rect l="0" t="0" r="0" b="0"/>
             <a:pathLst>
-              <a:path w="120000" extrusionOk="0" h="120000">
+              <a:path w="120000" h="120000" extrusionOk="0">
                 <a:moveTo>
-                  <a:pt y="0" x="0"/>
+                  <a:pt x="0" y="0"/>
                 </a:moveTo>
                 <a:lnTo>
-                  <a:pt y="0" x="120000"/>
+                  <a:pt x="120000" y="0"/>
                 </a:lnTo>
                 <a:lnTo>
-                  <a:pt y="120000" x="120000"/>
+                  <a:pt x="120000" y="120000"/>
                 </a:lnTo>
                 <a:lnTo>
-                  <a:pt y="120000" x="0"/>
+                  <a:pt x="0" y="120000"/>
                 </a:lnTo>
                 <a:close/>
               </a:path>
@@ -2014,27 +2812,29 @@
       <p:sp>
         <p:nvSpPr>
           <p:cNvPr id="78" name="Shape 78"/>
-          <p:cNvSpPr txBox="1"/>
+          <p:cNvSpPr txBox="1">
+            <a:spLocks noGrp="1"/>
+          </p:cNvSpPr>
           <p:nvPr>
-            <p:ph idx="1" type="body"/>
+            <p:ph type="body" idx="1"/>
           </p:nvPr>
         </p:nvSpPr>
         <p:spPr>
           <a:xfrm>
-            <a:off y="4343400" x="685800"/>
-            <a:ext cy="4114800" cx="5486399"/>
+            <a:off x="685800" y="4343400"/>
+            <a:ext cx="5486399" cy="4114800"/>
           </a:xfrm>
           <a:prstGeom prst="rect">
             <a:avLst/>
           </a:prstGeom>
         </p:spPr>
         <p:txBody>
-          <a:bodyPr bIns="91425" rIns="91425" lIns="91425" tIns="91425" anchor="t" anchorCtr="0">
+          <a:bodyPr lIns="91425" tIns="91425" rIns="91425" bIns="91425" anchor="t" anchorCtr="0">
             <a:noAutofit/>
           </a:bodyPr>
           <a:lstStyle/>
           <a:p>
-            <a:pPr rtl="0" lvl="1" indent="-298450" marL="914400">
+            <a:pPr marL="914400" lvl="1" indent="-298450" rtl="0">
               <a:lnSpc>
                 <a:spcPct val="115000"/>
               </a:lnSpc>
@@ -2055,7 +2855,7 @@
             </a:r>
           </a:p>
           <a:p>
-            <a:pPr rtl="0" lvl="2" indent="-298450" marL="1371600">
+            <a:pPr marL="1371600" lvl="2" indent="-298450" rtl="0">
               <a:lnSpc>
                 <a:spcPct val="115000"/>
               </a:lnSpc>
@@ -2076,7 +2876,7 @@
             </a:r>
           </a:p>
           <a:p>
-            <a:pPr rtl="0" lvl="2" indent="-298450" marL="1371600">
+            <a:pPr marL="1371600" lvl="2" indent="-298450" rtl="0">
               <a:lnSpc>
                 <a:spcPct val="115000"/>
               </a:lnSpc>
@@ -2097,7 +2897,7 @@
             </a:r>
           </a:p>
           <a:p>
-            <a:pPr rtl="0" lvl="2" indent="-298450" marL="1371600">
+            <a:pPr marL="1371600" lvl="2" indent="-298450" rtl="0">
               <a:lnSpc>
                 <a:spcPct val="115000"/>
               </a:lnSpc>
@@ -2118,7 +2918,7 @@
             </a:r>
           </a:p>
           <a:p>
-            <a:pPr rtl="0" lvl="2" indent="-298450" marL="1371600">
+            <a:pPr marL="1371600" lvl="2" indent="-298450" rtl="0">
               <a:lnSpc>
                 <a:spcPct val="115000"/>
               </a:lnSpc>
@@ -2139,7 +2939,7 @@
             </a:r>
           </a:p>
           <a:p>
-            <a:pPr rtl="0" lvl="2" indent="-298450" marL="1371600">
+            <a:pPr marL="1371600" lvl="2" indent="-298450" rtl="0">
               <a:lnSpc>
                 <a:spcPct val="115000"/>
               </a:lnSpc>
@@ -2160,7 +2960,7 @@
             </a:r>
           </a:p>
           <a:p>
-            <a:pPr rtl="0" lvl="1" indent="-317500" marL="914400">
+            <a:pPr marL="914400" lvl="1" indent="-317500" rtl="0">
               <a:lnSpc>
                 <a:spcPct val="115000"/>
               </a:lnSpc>
@@ -2181,7 +2981,7 @@
             </a:r>
           </a:p>
           <a:p>
-            <a:pPr rtl="0" lvl="2" indent="-317500" marL="1371600">
+            <a:pPr marL="1371600" lvl="2" indent="-317500" rtl="0">
               <a:lnSpc>
                 <a:spcPct val="115000"/>
               </a:lnSpc>
@@ -2202,7 +3002,7 @@
             </a:r>
           </a:p>
           <a:p>
-            <a:pPr rtl="0" lvl="2" indent="-317500" marL="1371600">
+            <a:pPr marL="1371600" lvl="2" indent="-317500" rtl="0">
               <a:lnSpc>
                 <a:spcPct val="115000"/>
               </a:lnSpc>
@@ -2223,7 +3023,7 @@
             </a:r>
           </a:p>
           <a:p>
-            <a:pPr rtl="0" lvl="1" indent="-317500" marL="914400">
+            <a:pPr marL="914400" lvl="1" indent="-317500" rtl="0">
               <a:lnSpc>
                 <a:spcPct val="115000"/>
               </a:lnSpc>
@@ -2244,7 +3044,7 @@
             </a:r>
           </a:p>
           <a:p>
-            <a:pPr rtl="0" lvl="2" indent="-317500" marL="1371600">
+            <a:pPr marL="1371600" lvl="2" indent="-317500" rtl="0">
               <a:lnSpc>
                 <a:spcPct val="115000"/>
               </a:lnSpc>
@@ -2265,13 +3065,20 @@
             </a:r>
           </a:p>
           <a:p>
-            <a:r>
-              <a:t/>
-            </a:r>
+            <a:endParaRPr lang="en">
+              <a:solidFill>
+                <a:schemeClr val="dk1"/>
+              </a:solidFill>
+            </a:endParaRPr>
           </a:p>
         </p:txBody>
       </p:sp>
     </p:spTree>
+    <p:extLst>
+      <p:ext uri="{BB962C8B-B14F-4D97-AF65-F5344CB8AC3E}">
+        <p14:creationId xmlns:p14="http://schemas.microsoft.com/office/powerpoint/2010/main" val="2711091063"/>
+      </p:ext>
+    </p:extLst>
   </p:cSld>
   <p:clrMapOvr>
     <a:masterClrMapping/>
@@ -2280,103 +3087,109 @@
 </file>
 
 <file path=ppt/slideLayouts/slideLayout1.xml><?xml version="1.0" encoding="utf-8"?>
-<p:sldLayout xmlns:a="http://schemas.openxmlformats.org/drawingml/2006/main" xmlns:r="http://schemas.openxmlformats.org/officeDocument/2006/relationships" xmlns:mc="http://schemas.openxmlformats.org/markup-compatibility/2006" xmlns:mv="urn:schemas-microsoft-com:mac:vml" xmlns:p="http://schemas.openxmlformats.org/presentationml/2006/main" xmlns:c="http://schemas.openxmlformats.org/drawingml/2006/chart" xmlns:dgm="http://schemas.openxmlformats.org/drawingml/2006/diagram" xmlns:o="urn:schemas-microsoft-com:office:office" xmlns:v="urn:schemas-microsoft-com:vml" xmlns:pvml="urn:schemas-microsoft-com:office:powerpoint" xmlns:com="http://schemas.openxmlformats.org/drawingml/2006/compatibility" xmlns:p14="http://schemas.microsoft.com/office/powerpoint/2010/main" type="title">
+<p:sldLayout xmlns:a="http://schemas.openxmlformats.org/drawingml/2006/main" xmlns:r="http://schemas.openxmlformats.org/officeDocument/2006/relationships" xmlns:p="http://schemas.openxmlformats.org/presentationml/2006/main" type="title">
   <p:cSld name="Title Slide">
     <p:spTree>
       <p:nvGrpSpPr>
-        <p:cNvPr id="7" name="Shape 7"/>
+        <p:cNvPr id="1" name="Shape 7"/>
         <p:cNvGrpSpPr/>
         <p:nvPr/>
       </p:nvGrpSpPr>
       <p:grpSpPr>
         <a:xfrm>
-          <a:off y="0" x="0"/>
-          <a:ext cy="0" cx="0"/>
-          <a:chOff y="0" x="0"/>
-          <a:chExt cy="0" cx="0"/>
+          <a:off x="0" y="0"/>
+          <a:ext cx="0" cy="0"/>
+          <a:chOff x="0" y="0"/>
+          <a:chExt cx="0" cy="0"/>
         </a:xfrm>
       </p:grpSpPr>
       <p:sp>
         <p:nvSpPr>
           <p:cNvPr id="8" name="Shape 8"/>
-          <p:cNvSpPr txBox="1"/>
+          <p:cNvSpPr txBox="1">
+            <a:spLocks noGrp="1"/>
+          </p:cNvSpPr>
           <p:nvPr>
             <p:ph type="ctrTitle"/>
           </p:nvPr>
         </p:nvSpPr>
         <p:spPr>
           <a:xfrm>
-            <a:off y="1583342" x="685800"/>
-            <a:ext cy="1159856" cx="7772400"/>
+            <a:off x="685800" y="1583342"/>
+            <a:ext cx="7772400" cy="1159856"/>
           </a:xfrm>
           <a:prstGeom prst="rect">
             <a:avLst/>
           </a:prstGeom>
         </p:spPr>
         <p:txBody>
-          <a:bodyPr bIns="91425" rIns="91425" lIns="91425" tIns="91425" anchor="b" anchorCtr="0"/>
+          <a:bodyPr lIns="91425" tIns="91425" rIns="91425" bIns="91425" anchor="b" anchorCtr="0"/>
           <a:lstStyle>
-            <a:lvl1pPr algn="ctr" indent="304800">
+            <a:lvl1pPr indent="304800" algn="ctr">
               <a:buSzPct val="100000"/>
               <a:defRPr sz="4800"/>
             </a:lvl1pPr>
-            <a:lvl2pPr algn="ctr" indent="304800">
+            <a:lvl2pPr indent="304800" algn="ctr">
               <a:buSzPct val="100000"/>
               <a:defRPr sz="4800"/>
             </a:lvl2pPr>
-            <a:lvl3pPr algn="ctr" indent="304800">
+            <a:lvl3pPr indent="304800" algn="ctr">
               <a:buSzPct val="100000"/>
               <a:defRPr sz="4800"/>
             </a:lvl3pPr>
-            <a:lvl4pPr algn="ctr" indent="304800">
+            <a:lvl4pPr indent="304800" algn="ctr">
               <a:buSzPct val="100000"/>
               <a:defRPr sz="4800"/>
             </a:lvl4pPr>
-            <a:lvl5pPr algn="ctr" indent="304800">
+            <a:lvl5pPr indent="304800" algn="ctr">
               <a:buSzPct val="100000"/>
               <a:defRPr sz="4800"/>
             </a:lvl5pPr>
-            <a:lvl6pPr algn="ctr" indent="304800">
+            <a:lvl6pPr indent="304800" algn="ctr">
               <a:buSzPct val="100000"/>
               <a:defRPr sz="4800"/>
             </a:lvl6pPr>
-            <a:lvl7pPr algn="ctr" indent="304800">
+            <a:lvl7pPr indent="304800" algn="ctr">
               <a:buSzPct val="100000"/>
               <a:defRPr sz="4800"/>
             </a:lvl7pPr>
-            <a:lvl8pPr algn="ctr" indent="304800">
+            <a:lvl8pPr indent="304800" algn="ctr">
               <a:buSzPct val="100000"/>
               <a:defRPr sz="4800"/>
             </a:lvl8pPr>
-            <a:lvl9pPr algn="ctr" indent="304800">
+            <a:lvl9pPr indent="304800" algn="ctr">
               <a:buSzPct val="100000"/>
               <a:defRPr sz="4800"/>
             </a:lvl9pPr>
           </a:lstStyle>
-          <a:p/>
+          <a:p>
+            <a:endParaRPr/>
+          </a:p>
         </p:txBody>
       </p:sp>
       <p:sp>
         <p:nvSpPr>
           <p:cNvPr id="9" name="Shape 9"/>
-          <p:cNvSpPr txBox="1"/>
+          <p:cNvSpPr txBox="1">
+            <a:spLocks noGrp="1"/>
+          </p:cNvSpPr>
           <p:nvPr>
-            <p:ph idx="1" type="subTitle"/>
+            <p:ph type="subTitle" idx="1"/>
           </p:nvPr>
         </p:nvSpPr>
         <p:spPr>
           <a:xfrm>
-            <a:off y="2840053" x="685800"/>
-            <a:ext cy="784737" cx="7772400"/>
+            <a:off x="685800" y="2840053"/>
+            <a:ext cx="7772400" cy="784737"/>
           </a:xfrm>
           <a:prstGeom prst="rect">
             <a:avLst/>
           </a:prstGeom>
         </p:spPr>
         <p:txBody>
-          <a:bodyPr bIns="91425" rIns="91425" lIns="91425" tIns="91425" anchor="t" anchorCtr="0"/>
+          <a:bodyPr lIns="91425" tIns="91425" rIns="91425" bIns="91425" anchor="t" anchorCtr="0"/>
           <a:lstStyle>
-            <a:lvl1pPr algn="ctr" marL="0">
+            <a:lvl1pPr marL="0" algn="ctr">
               <a:spcBef>
                 <a:spcPts val="0"/>
               </a:spcBef>
@@ -2390,7 +3203,7 @@
                 </a:solidFill>
               </a:defRPr>
             </a:lvl1pPr>
-            <a:lvl2pPr algn="ctr" indent="190500" marL="0">
+            <a:lvl2pPr marL="0" indent="190500" algn="ctr">
               <a:spcBef>
                 <a:spcPts val="0"/>
               </a:spcBef>
@@ -2405,7 +3218,7 @@
                 </a:solidFill>
               </a:defRPr>
             </a:lvl2pPr>
-            <a:lvl3pPr algn="ctr" indent="190500" marL="0">
+            <a:lvl3pPr marL="0" indent="190500" algn="ctr">
               <a:spcBef>
                 <a:spcPts val="0"/>
               </a:spcBef>
@@ -2420,7 +3233,7 @@
                 </a:solidFill>
               </a:defRPr>
             </a:lvl3pPr>
-            <a:lvl4pPr algn="ctr" indent="190500" marL="0">
+            <a:lvl4pPr marL="0" indent="190500" algn="ctr">
               <a:spcBef>
                 <a:spcPts val="0"/>
               </a:spcBef>
@@ -2435,7 +3248,7 @@
                 </a:solidFill>
               </a:defRPr>
             </a:lvl4pPr>
-            <a:lvl5pPr algn="ctr" indent="190500" marL="0">
+            <a:lvl5pPr marL="0" indent="190500" algn="ctr">
               <a:spcBef>
                 <a:spcPts val="0"/>
               </a:spcBef>
@@ -2450,7 +3263,7 @@
                 </a:solidFill>
               </a:defRPr>
             </a:lvl5pPr>
-            <a:lvl6pPr algn="ctr" indent="190500" marL="0">
+            <a:lvl6pPr marL="0" indent="190500" algn="ctr">
               <a:spcBef>
                 <a:spcPts val="0"/>
               </a:spcBef>
@@ -2465,7 +3278,7 @@
                 </a:solidFill>
               </a:defRPr>
             </a:lvl6pPr>
-            <a:lvl7pPr algn="ctr" indent="190500" marL="0">
+            <a:lvl7pPr marL="0" indent="190500" algn="ctr">
               <a:spcBef>
                 <a:spcPts val="0"/>
               </a:spcBef>
@@ -2480,7 +3293,7 @@
                 </a:solidFill>
               </a:defRPr>
             </a:lvl7pPr>
-            <a:lvl8pPr algn="ctr" indent="190500" marL="0">
+            <a:lvl8pPr marL="0" indent="190500" algn="ctr">
               <a:spcBef>
                 <a:spcPts val="0"/>
               </a:spcBef>
@@ -2495,7 +3308,7 @@
                 </a:solidFill>
               </a:defRPr>
             </a:lvl8pPr>
-            <a:lvl9pPr algn="ctr" indent="190500" marL="0">
+            <a:lvl9pPr marL="0" indent="190500" algn="ctr">
               <a:spcBef>
                 <a:spcPts val="0"/>
               </a:spcBef>
@@ -2511,7 +3324,9 @@
               </a:defRPr>
             </a:lvl9pPr>
           </a:lstStyle>
-          <a:p/>
+          <a:p>
+            <a:endParaRPr/>
+          </a:p>
         </p:txBody>
       </p:sp>
     </p:spTree>
@@ -2523,41 +3338,43 @@
 </file>
 
 <file path=ppt/slideLayouts/slideLayout2.xml><?xml version="1.0" encoding="utf-8"?>
-<p:sldLayout xmlns:a="http://schemas.openxmlformats.org/drawingml/2006/main" xmlns:r="http://schemas.openxmlformats.org/officeDocument/2006/relationships" xmlns:mc="http://schemas.openxmlformats.org/markup-compatibility/2006" xmlns:mv="urn:schemas-microsoft-com:mac:vml" xmlns:p="http://schemas.openxmlformats.org/presentationml/2006/main" xmlns:c="http://schemas.openxmlformats.org/drawingml/2006/chart" xmlns:dgm="http://schemas.openxmlformats.org/drawingml/2006/diagram" xmlns:o="urn:schemas-microsoft-com:office:office" xmlns:v="urn:schemas-microsoft-com:vml" xmlns:pvml="urn:schemas-microsoft-com:office:powerpoint" xmlns:com="http://schemas.openxmlformats.org/drawingml/2006/compatibility" xmlns:p14="http://schemas.microsoft.com/office/powerpoint/2010/main" type="tx">
+<p:sldLayout xmlns:a="http://schemas.openxmlformats.org/drawingml/2006/main" xmlns:r="http://schemas.openxmlformats.org/officeDocument/2006/relationships" xmlns:p="http://schemas.openxmlformats.org/presentationml/2006/main" type="tx">
   <p:cSld name="Title and Body">
     <p:spTree>
       <p:nvGrpSpPr>
-        <p:cNvPr id="10" name="Shape 10"/>
+        <p:cNvPr id="1" name="Shape 10"/>
         <p:cNvGrpSpPr/>
         <p:nvPr/>
       </p:nvGrpSpPr>
       <p:grpSpPr>
         <a:xfrm>
-          <a:off y="0" x="0"/>
-          <a:ext cy="0" cx="0"/>
-          <a:chOff y="0" x="0"/>
-          <a:chExt cy="0" cx="0"/>
+          <a:off x="0" y="0"/>
+          <a:ext cx="0" cy="0"/>
+          <a:chOff x="0" y="0"/>
+          <a:chExt cx="0" cy="0"/>
         </a:xfrm>
       </p:grpSpPr>
       <p:sp>
         <p:nvSpPr>
           <p:cNvPr id="11" name="Shape 11"/>
-          <p:cNvSpPr txBox="1"/>
+          <p:cNvSpPr txBox="1">
+            <a:spLocks noGrp="1"/>
+          </p:cNvSpPr>
           <p:nvPr>
             <p:ph type="title"/>
           </p:nvPr>
         </p:nvSpPr>
         <p:spPr>
           <a:xfrm>
-            <a:off y="205978" x="457200"/>
-            <a:ext cy="857250" cx="8229600"/>
+            <a:off x="457200" y="205978"/>
+            <a:ext cx="8229600" cy="857250"/>
           </a:xfrm>
           <a:prstGeom prst="rect">
             <a:avLst/>
           </a:prstGeom>
         </p:spPr>
         <p:txBody>
-          <a:bodyPr bIns="91425" rIns="91425" lIns="91425" tIns="91425" anchor="b" anchorCtr="0"/>
+          <a:bodyPr lIns="91425" tIns="91425" rIns="91425" bIns="91425" anchor="b" anchorCtr="0"/>
           <a:lstStyle>
             <a:lvl1pPr>
               <a:defRPr/>
@@ -2587,28 +3404,32 @@
               <a:defRPr/>
             </a:lvl9pPr>
           </a:lstStyle>
-          <a:p/>
+          <a:p>
+            <a:endParaRPr/>
+          </a:p>
         </p:txBody>
       </p:sp>
       <p:sp>
         <p:nvSpPr>
           <p:cNvPr id="12" name="Shape 12"/>
-          <p:cNvSpPr txBox="1"/>
+          <p:cNvSpPr txBox="1">
+            <a:spLocks noGrp="1"/>
+          </p:cNvSpPr>
           <p:nvPr>
-            <p:ph idx="1" type="body"/>
+            <p:ph type="body" idx="1"/>
           </p:nvPr>
         </p:nvSpPr>
         <p:spPr>
           <a:xfrm>
-            <a:off y="1200150" x="457200"/>
-            <a:ext cy="3725680" cx="8229600"/>
+            <a:off x="457200" y="1200150"/>
+            <a:ext cx="8229600" cy="3725680"/>
           </a:xfrm>
           <a:prstGeom prst="rect">
             <a:avLst/>
           </a:prstGeom>
         </p:spPr>
         <p:txBody>
-          <a:bodyPr bIns="91425" rIns="91425" lIns="91425" tIns="91425" anchor="t" anchorCtr="0"/>
+          <a:bodyPr lIns="91425" tIns="91425" rIns="91425" bIns="91425" anchor="t" anchorCtr="0"/>
           <a:lstStyle>
             <a:lvl1pPr>
               <a:defRPr/>
@@ -2638,7 +3459,9 @@
               <a:defRPr/>
             </a:lvl9pPr>
           </a:lstStyle>
-          <a:p/>
+          <a:p>
+            <a:endParaRPr/>
+          </a:p>
         </p:txBody>
       </p:sp>
     </p:spTree>
@@ -2650,41 +3473,43 @@
 </file>
 
 <file path=ppt/slideLayouts/slideLayout3.xml><?xml version="1.0" encoding="utf-8"?>
-<p:sldLayout xmlns:a="http://schemas.openxmlformats.org/drawingml/2006/main" xmlns:r="http://schemas.openxmlformats.org/officeDocument/2006/relationships" xmlns:mc="http://schemas.openxmlformats.org/markup-compatibility/2006" xmlns:mv="urn:schemas-microsoft-com:mac:vml" xmlns:p="http://schemas.openxmlformats.org/presentationml/2006/main" xmlns:c="http://schemas.openxmlformats.org/drawingml/2006/chart" xmlns:dgm="http://schemas.openxmlformats.org/drawingml/2006/diagram" xmlns:o="urn:schemas-microsoft-com:office:office" xmlns:v="urn:schemas-microsoft-com:vml" xmlns:pvml="urn:schemas-microsoft-com:office:powerpoint" xmlns:com="http://schemas.openxmlformats.org/drawingml/2006/compatibility" xmlns:p14="http://schemas.microsoft.com/office/powerpoint/2010/main" type="twoColTx">
+<p:sldLayout xmlns:a="http://schemas.openxmlformats.org/drawingml/2006/main" xmlns:r="http://schemas.openxmlformats.org/officeDocument/2006/relationships" xmlns:p="http://schemas.openxmlformats.org/presentationml/2006/main" type="twoColTx">
   <p:cSld name="Title and Two Columns">
     <p:spTree>
       <p:nvGrpSpPr>
-        <p:cNvPr id="13" name="Shape 13"/>
+        <p:cNvPr id="1" name="Shape 13"/>
         <p:cNvGrpSpPr/>
         <p:nvPr/>
       </p:nvGrpSpPr>
       <p:grpSpPr>
         <a:xfrm>
-          <a:off y="0" x="0"/>
-          <a:ext cy="0" cx="0"/>
-          <a:chOff y="0" x="0"/>
-          <a:chExt cy="0" cx="0"/>
+          <a:off x="0" y="0"/>
+          <a:ext cx="0" cy="0"/>
+          <a:chOff x="0" y="0"/>
+          <a:chExt cx="0" cy="0"/>
         </a:xfrm>
       </p:grpSpPr>
       <p:sp>
         <p:nvSpPr>
           <p:cNvPr id="14" name="Shape 14"/>
-          <p:cNvSpPr txBox="1"/>
+          <p:cNvSpPr txBox="1">
+            <a:spLocks noGrp="1"/>
+          </p:cNvSpPr>
           <p:nvPr>
             <p:ph type="title"/>
           </p:nvPr>
         </p:nvSpPr>
         <p:spPr>
           <a:xfrm>
-            <a:off y="205978" x="457200"/>
-            <a:ext cy="857250" cx="8229600"/>
+            <a:off x="457200" y="205978"/>
+            <a:ext cx="8229600" cy="857250"/>
           </a:xfrm>
           <a:prstGeom prst="rect">
             <a:avLst/>
           </a:prstGeom>
         </p:spPr>
         <p:txBody>
-          <a:bodyPr bIns="91425" rIns="91425" lIns="91425" tIns="91425" anchor="b" anchorCtr="0"/>
+          <a:bodyPr lIns="91425" tIns="91425" rIns="91425" bIns="91425" anchor="b" anchorCtr="0"/>
           <a:lstStyle>
             <a:lvl1pPr>
               <a:defRPr/>
@@ -2714,28 +3539,32 @@
               <a:defRPr/>
             </a:lvl9pPr>
           </a:lstStyle>
-          <a:p/>
+          <a:p>
+            <a:endParaRPr/>
+          </a:p>
         </p:txBody>
       </p:sp>
       <p:sp>
         <p:nvSpPr>
           <p:cNvPr id="15" name="Shape 15"/>
-          <p:cNvSpPr txBox="1"/>
+          <p:cNvSpPr txBox="1">
+            <a:spLocks noGrp="1"/>
+          </p:cNvSpPr>
           <p:nvPr>
-            <p:ph idx="1" type="body"/>
+            <p:ph type="body" idx="1"/>
           </p:nvPr>
         </p:nvSpPr>
         <p:spPr>
           <a:xfrm>
-            <a:off y="1200150" x="457200"/>
-            <a:ext cy="3725680" cx="3994525"/>
+            <a:off x="457200" y="1200150"/>
+            <a:ext cx="3994525" cy="3725680"/>
           </a:xfrm>
           <a:prstGeom prst="rect">
             <a:avLst/>
           </a:prstGeom>
         </p:spPr>
         <p:txBody>
-          <a:bodyPr bIns="91425" rIns="91425" lIns="91425" tIns="91425" anchor="t" anchorCtr="0"/>
+          <a:bodyPr lIns="91425" tIns="91425" rIns="91425" bIns="91425" anchor="t" anchorCtr="0"/>
           <a:lstStyle>
             <a:lvl1pPr>
               <a:defRPr/>
@@ -2765,28 +3594,32 @@
               <a:defRPr/>
             </a:lvl9pPr>
           </a:lstStyle>
-          <a:p/>
+          <a:p>
+            <a:endParaRPr/>
+          </a:p>
         </p:txBody>
       </p:sp>
       <p:sp>
         <p:nvSpPr>
           <p:cNvPr id="16" name="Shape 16"/>
-          <p:cNvSpPr txBox="1"/>
+          <p:cNvSpPr txBox="1">
+            <a:spLocks noGrp="1"/>
+          </p:cNvSpPr>
           <p:nvPr>
-            <p:ph idx="2" type="body"/>
+            <p:ph type="body" idx="2"/>
           </p:nvPr>
         </p:nvSpPr>
         <p:spPr>
           <a:xfrm>
-            <a:off y="1200150" x="4692273"/>
-            <a:ext cy="3725680" cx="3994525"/>
+            <a:off x="4692273" y="1200150"/>
+            <a:ext cx="3994525" cy="3725680"/>
           </a:xfrm>
           <a:prstGeom prst="rect">
             <a:avLst/>
           </a:prstGeom>
         </p:spPr>
         <p:txBody>
-          <a:bodyPr bIns="91425" rIns="91425" lIns="91425" tIns="91425" anchor="t" anchorCtr="0"/>
+          <a:bodyPr lIns="91425" tIns="91425" rIns="91425" bIns="91425" anchor="t" anchorCtr="0"/>
           <a:lstStyle>
             <a:lvl1pPr>
               <a:defRPr/>
@@ -2816,7 +3649,9 @@
               <a:defRPr/>
             </a:lvl9pPr>
           </a:lstStyle>
-          <a:p/>
+          <a:p>
+            <a:endParaRPr/>
+          </a:p>
         </p:txBody>
       </p:sp>
     </p:spTree>
@@ -2828,41 +3663,43 @@
 </file>
 
 <file path=ppt/slideLayouts/slideLayout4.xml><?xml version="1.0" encoding="utf-8"?>
-<p:sldLayout xmlns:a="http://schemas.openxmlformats.org/drawingml/2006/main" xmlns:r="http://schemas.openxmlformats.org/officeDocument/2006/relationships" xmlns:mc="http://schemas.openxmlformats.org/markup-compatibility/2006" xmlns:mv="urn:schemas-microsoft-com:mac:vml" xmlns:p="http://schemas.openxmlformats.org/presentationml/2006/main" xmlns:c="http://schemas.openxmlformats.org/drawingml/2006/chart" xmlns:dgm="http://schemas.openxmlformats.org/drawingml/2006/diagram" xmlns:o="urn:schemas-microsoft-com:office:office" xmlns:v="urn:schemas-microsoft-com:vml" xmlns:pvml="urn:schemas-microsoft-com:office:powerpoint" xmlns:com="http://schemas.openxmlformats.org/drawingml/2006/compatibility" xmlns:p14="http://schemas.microsoft.com/office/powerpoint/2010/main" type="titleOnly">
+<p:sldLayout xmlns:a="http://schemas.openxmlformats.org/drawingml/2006/main" xmlns:r="http://schemas.openxmlformats.org/officeDocument/2006/relationships" xmlns:p="http://schemas.openxmlformats.org/presentationml/2006/main" type="titleOnly">
   <p:cSld name="Title Only">
     <p:spTree>
       <p:nvGrpSpPr>
-        <p:cNvPr id="17" name="Shape 17"/>
+        <p:cNvPr id="1" name="Shape 17"/>
         <p:cNvGrpSpPr/>
         <p:nvPr/>
       </p:nvGrpSpPr>
       <p:grpSpPr>
         <a:xfrm>
-          <a:off y="0" x="0"/>
-          <a:ext cy="0" cx="0"/>
-          <a:chOff y="0" x="0"/>
-          <a:chExt cy="0" cx="0"/>
+          <a:off x="0" y="0"/>
+          <a:ext cx="0" cy="0"/>
+          <a:chOff x="0" y="0"/>
+          <a:chExt cx="0" cy="0"/>
         </a:xfrm>
       </p:grpSpPr>
       <p:sp>
         <p:nvSpPr>
           <p:cNvPr id="18" name="Shape 18"/>
-          <p:cNvSpPr txBox="1"/>
+          <p:cNvSpPr txBox="1">
+            <a:spLocks noGrp="1"/>
+          </p:cNvSpPr>
           <p:nvPr>
             <p:ph type="title"/>
           </p:nvPr>
         </p:nvSpPr>
         <p:spPr>
           <a:xfrm>
-            <a:off y="205978" x="457200"/>
-            <a:ext cy="857250" cx="8229600"/>
+            <a:off x="457200" y="205978"/>
+            <a:ext cx="8229600" cy="857250"/>
           </a:xfrm>
           <a:prstGeom prst="rect">
             <a:avLst/>
           </a:prstGeom>
         </p:spPr>
         <p:txBody>
-          <a:bodyPr bIns="91425" rIns="91425" lIns="91425" tIns="91425" anchor="b" anchorCtr="0"/>
+          <a:bodyPr lIns="91425" tIns="91425" rIns="91425" bIns="91425" anchor="b" anchorCtr="0"/>
           <a:lstStyle>
             <a:lvl1pPr>
               <a:defRPr/>
@@ -2892,7 +3729,9 @@
               <a:defRPr/>
             </a:lvl9pPr>
           </a:lstStyle>
-          <a:p/>
+          <a:p>
+            <a:endParaRPr/>
+          </a:p>
         </p:txBody>
       </p:sp>
     </p:spTree>
@@ -2904,43 +3743,45 @@
 </file>
 
 <file path=ppt/slideLayouts/slideLayout5.xml><?xml version="1.0" encoding="utf-8"?>
-<p:sldLayout xmlns:a="http://schemas.openxmlformats.org/drawingml/2006/main" xmlns:r="http://schemas.openxmlformats.org/officeDocument/2006/relationships" xmlns:mc="http://schemas.openxmlformats.org/markup-compatibility/2006" xmlns:mv="urn:schemas-microsoft-com:mac:vml" xmlns:p="http://schemas.openxmlformats.org/presentationml/2006/main" xmlns:c="http://schemas.openxmlformats.org/drawingml/2006/chart" xmlns:dgm="http://schemas.openxmlformats.org/drawingml/2006/diagram" xmlns:o="urn:schemas-microsoft-com:office:office" xmlns:v="urn:schemas-microsoft-com:vml" xmlns:pvml="urn:schemas-microsoft-com:office:powerpoint" xmlns:com="http://schemas.openxmlformats.org/drawingml/2006/compatibility" xmlns:p14="http://schemas.microsoft.com/office/powerpoint/2010/main">
+<p:sldLayout xmlns:a="http://schemas.openxmlformats.org/drawingml/2006/main" xmlns:r="http://schemas.openxmlformats.org/officeDocument/2006/relationships" xmlns:p="http://schemas.openxmlformats.org/presentationml/2006/main">
   <p:cSld name="Caption">
     <p:spTree>
       <p:nvGrpSpPr>
-        <p:cNvPr id="19" name="Shape 19"/>
+        <p:cNvPr id="1" name="Shape 19"/>
         <p:cNvGrpSpPr/>
         <p:nvPr/>
       </p:nvGrpSpPr>
       <p:grpSpPr>
         <a:xfrm>
-          <a:off y="0" x="0"/>
-          <a:ext cy="0" cx="0"/>
-          <a:chOff y="0" x="0"/>
-          <a:chExt cy="0" cx="0"/>
+          <a:off x="0" y="0"/>
+          <a:ext cx="0" cy="0"/>
+          <a:chOff x="0" y="0"/>
+          <a:chExt cx="0" cy="0"/>
         </a:xfrm>
       </p:grpSpPr>
       <p:sp>
         <p:nvSpPr>
           <p:cNvPr id="20" name="Shape 20"/>
-          <p:cNvSpPr txBox="1"/>
+          <p:cNvSpPr txBox="1">
+            <a:spLocks noGrp="1"/>
+          </p:cNvSpPr>
           <p:nvPr>
-            <p:ph idx="1" type="body"/>
+            <p:ph type="body" idx="1"/>
           </p:nvPr>
         </p:nvSpPr>
         <p:spPr>
           <a:xfrm>
-            <a:off y="4406309" x="457200"/>
-            <a:ext cy="519520" cx="8229600"/>
+            <a:off x="457200" y="4406309"/>
+            <a:ext cx="8229600" cy="519520"/>
           </a:xfrm>
           <a:prstGeom prst="rect">
             <a:avLst/>
           </a:prstGeom>
         </p:spPr>
         <p:txBody>
-          <a:bodyPr bIns="91425" rIns="91425" lIns="91425" tIns="91425" anchor="t" anchorCtr="0"/>
+          <a:bodyPr lIns="91425" tIns="91425" rIns="91425" bIns="91425" anchor="t" anchorCtr="0"/>
           <a:lstStyle>
-            <a:lvl1pPr algn="ctr" indent="-171450" marL="285750">
+            <a:lvl1pPr marL="285750" indent="-171450" algn="ctr">
               <a:spcBef>
                 <a:spcPts val="360"/>
               </a:spcBef>
@@ -2949,7 +3790,9 @@
               <a:defRPr sz="1800"/>
             </a:lvl1pPr>
           </a:lstStyle>
-          <a:p/>
+          <a:p>
+            <a:endParaRPr/>
+          </a:p>
         </p:txBody>
       </p:sp>
     </p:spTree>
@@ -2961,20 +3804,20 @@
 </file>
 
 <file path=ppt/slideLayouts/slideLayout6.xml><?xml version="1.0" encoding="utf-8"?>
-<p:sldLayout xmlns:a="http://schemas.openxmlformats.org/drawingml/2006/main" xmlns:r="http://schemas.openxmlformats.org/officeDocument/2006/relationships" xmlns:mc="http://schemas.openxmlformats.org/markup-compatibility/2006" xmlns:mv="urn:schemas-microsoft-com:mac:vml" xmlns:p="http://schemas.openxmlformats.org/presentationml/2006/main" xmlns:c="http://schemas.openxmlformats.org/drawingml/2006/chart" xmlns:dgm="http://schemas.openxmlformats.org/drawingml/2006/diagram" xmlns:o="urn:schemas-microsoft-com:office:office" xmlns:v="urn:schemas-microsoft-com:vml" xmlns:pvml="urn:schemas-microsoft-com:office:powerpoint" xmlns:com="http://schemas.openxmlformats.org/drawingml/2006/compatibility" xmlns:p14="http://schemas.microsoft.com/office/powerpoint/2010/main" type="blank">
+<p:sldLayout xmlns:a="http://schemas.openxmlformats.org/drawingml/2006/main" xmlns:r="http://schemas.openxmlformats.org/officeDocument/2006/relationships" xmlns:p="http://schemas.openxmlformats.org/presentationml/2006/main" type="blank">
   <p:cSld name="Blank">
     <p:spTree>
       <p:nvGrpSpPr>
-        <p:cNvPr id="21" name="Shape 21"/>
+        <p:cNvPr id="1" name="Shape 21"/>
         <p:cNvGrpSpPr/>
         <p:nvPr/>
       </p:nvGrpSpPr>
       <p:grpSpPr>
         <a:xfrm>
-          <a:off y="0" x="0"/>
-          <a:ext cy="0" cx="0"/>
-          <a:chOff y="0" x="0"/>
-          <a:chExt cy="0" cx="0"/>
+          <a:off x="0" y="0"/>
+          <a:ext cx="0" cy="0"/>
+          <a:chOff x="0" y="0"/>
+          <a:chExt cx="0" cy="0"/>
         </a:xfrm>
       </p:grpSpPr>
     </p:spTree>
@@ -2986,48 +3829,51 @@
 </file>
 
 <file path=ppt/slideMasters/slideMaster1.xml><?xml version="1.0" encoding="utf-8"?>
-<p:sldMaster xmlns:a="http://schemas.openxmlformats.org/drawingml/2006/main" xmlns:r="http://schemas.openxmlformats.org/officeDocument/2006/relationships" xmlns:mc="http://schemas.openxmlformats.org/markup-compatibility/2006" xmlns:mv="urn:schemas-microsoft-com:mac:vml" xmlns:p="http://schemas.openxmlformats.org/presentationml/2006/main" xmlns:c="http://schemas.openxmlformats.org/drawingml/2006/chart" xmlns:dgm="http://schemas.openxmlformats.org/drawingml/2006/diagram" xmlns:o="urn:schemas-microsoft-com:office:office" xmlns:v="urn:schemas-microsoft-com:vml" xmlns:pvml="urn:schemas-microsoft-com:office:powerpoint" xmlns:com="http://schemas.openxmlformats.org/drawingml/2006/compatibility" xmlns:p14="http://schemas.microsoft.com/office/powerpoint/2010/main">
+<p:sldMaster xmlns:a="http://schemas.openxmlformats.org/drawingml/2006/main" xmlns:r="http://schemas.openxmlformats.org/officeDocument/2006/relationships" xmlns:p="http://schemas.openxmlformats.org/presentationml/2006/main">
   <p:cSld>
     <p:bg>
       <p:bgPr>
         <a:solidFill>
           <a:srgbClr val="192A31"/>
         </a:solidFill>
+        <a:effectLst/>
       </p:bgPr>
     </p:bg>
     <p:spTree>
       <p:nvGrpSpPr>
-        <p:cNvPr id="4" name="Shape 4"/>
+        <p:cNvPr id="1" name="Shape 4"/>
         <p:cNvGrpSpPr/>
         <p:nvPr/>
       </p:nvGrpSpPr>
       <p:grpSpPr>
         <a:xfrm>
-          <a:off y="0" x="0"/>
-          <a:ext cy="0" cx="0"/>
-          <a:chOff y="0" x="0"/>
-          <a:chExt cy="0" cx="0"/>
+          <a:off x="0" y="0"/>
+          <a:ext cx="0" cy="0"/>
+          <a:chOff x="0" y="0"/>
+          <a:chExt cx="0" cy="0"/>
         </a:xfrm>
       </p:grpSpPr>
       <p:sp>
         <p:nvSpPr>
           <p:cNvPr id="5" name="Shape 5"/>
-          <p:cNvSpPr txBox="1"/>
+          <p:cNvSpPr txBox="1">
+            <a:spLocks noGrp="1"/>
+          </p:cNvSpPr>
           <p:nvPr>
             <p:ph type="title"/>
           </p:nvPr>
         </p:nvSpPr>
         <p:spPr>
           <a:xfrm>
-            <a:off y="205978" x="457200"/>
-            <a:ext cy="857250" cx="8229600"/>
+            <a:off x="457200" y="205978"/>
+            <a:ext cx="8229600" cy="857250"/>
           </a:xfrm>
           <a:prstGeom prst="rect">
             <a:avLst/>
           </a:prstGeom>
         </p:spPr>
         <p:txBody>
-          <a:bodyPr bIns="91425" rIns="91425" lIns="91425" tIns="91425" anchor="b" anchorCtr="0"/>
+          <a:bodyPr lIns="91425" tIns="91425" rIns="91425" bIns="91425" anchor="b" anchorCtr="0"/>
           <a:lstStyle>
             <a:lvl1pPr marL="0">
               <a:buClr>
@@ -3035,133 +3881,137 @@
               </a:buClr>
               <a:buSzPct val="100000"/>
               <a:buNone/>
-              <a:defRPr b="1" sz="3600">
+              <a:defRPr sz="3600" b="1">
                 <a:solidFill>
                   <a:schemeClr val="dk1"/>
                 </a:solidFill>
               </a:defRPr>
             </a:lvl1pPr>
-            <a:lvl2pPr indent="228600" marL="0">
+            <a:lvl2pPr marL="0" indent="228600">
               <a:buClr>
                 <a:schemeClr val="dk1"/>
               </a:buClr>
               <a:buSzPct val="100000"/>
               <a:buNone/>
-              <a:defRPr b="1" sz="3600">
+              <a:defRPr sz="3600" b="1">
                 <a:solidFill>
                   <a:schemeClr val="dk1"/>
                 </a:solidFill>
               </a:defRPr>
             </a:lvl2pPr>
-            <a:lvl3pPr indent="228600" marL="0">
+            <a:lvl3pPr marL="0" indent="228600">
               <a:buClr>
                 <a:schemeClr val="dk1"/>
               </a:buClr>
               <a:buSzPct val="100000"/>
               <a:buNone/>
-              <a:defRPr b="1" sz="3600">
+              <a:defRPr sz="3600" b="1">
                 <a:solidFill>
                   <a:schemeClr val="dk1"/>
                 </a:solidFill>
               </a:defRPr>
             </a:lvl3pPr>
-            <a:lvl4pPr indent="228600" marL="0">
+            <a:lvl4pPr marL="0" indent="228600">
               <a:buClr>
                 <a:schemeClr val="dk1"/>
               </a:buClr>
               <a:buSzPct val="100000"/>
               <a:buNone/>
-              <a:defRPr b="1" sz="3600">
+              <a:defRPr sz="3600" b="1">
                 <a:solidFill>
                   <a:schemeClr val="dk1"/>
                 </a:solidFill>
               </a:defRPr>
             </a:lvl4pPr>
-            <a:lvl5pPr indent="228600" marL="0">
+            <a:lvl5pPr marL="0" indent="228600">
               <a:buClr>
                 <a:schemeClr val="dk1"/>
               </a:buClr>
               <a:buSzPct val="100000"/>
               <a:buNone/>
-              <a:defRPr b="1" sz="3600">
+              <a:defRPr sz="3600" b="1">
                 <a:solidFill>
                   <a:schemeClr val="dk1"/>
                 </a:solidFill>
               </a:defRPr>
             </a:lvl5pPr>
-            <a:lvl6pPr indent="228600" marL="0">
+            <a:lvl6pPr marL="0" indent="228600">
               <a:buClr>
                 <a:schemeClr val="dk1"/>
               </a:buClr>
               <a:buSzPct val="100000"/>
               <a:buNone/>
-              <a:defRPr b="1" sz="3600">
+              <a:defRPr sz="3600" b="1">
                 <a:solidFill>
                   <a:schemeClr val="dk1"/>
                 </a:solidFill>
               </a:defRPr>
             </a:lvl6pPr>
-            <a:lvl7pPr indent="228600" marL="0">
+            <a:lvl7pPr marL="0" indent="228600">
               <a:buClr>
                 <a:schemeClr val="dk1"/>
               </a:buClr>
               <a:buSzPct val="100000"/>
               <a:buNone/>
-              <a:defRPr b="1" sz="3600">
+              <a:defRPr sz="3600" b="1">
                 <a:solidFill>
                   <a:schemeClr val="dk1"/>
                 </a:solidFill>
               </a:defRPr>
             </a:lvl7pPr>
-            <a:lvl8pPr indent="228600" marL="0">
+            <a:lvl8pPr marL="0" indent="228600">
               <a:buClr>
                 <a:schemeClr val="dk1"/>
               </a:buClr>
               <a:buSzPct val="100000"/>
               <a:buNone/>
-              <a:defRPr b="1" sz="3600">
+              <a:defRPr sz="3600" b="1">
                 <a:solidFill>
                   <a:schemeClr val="dk1"/>
                 </a:solidFill>
               </a:defRPr>
             </a:lvl8pPr>
-            <a:lvl9pPr indent="228600" marL="0">
+            <a:lvl9pPr marL="0" indent="228600">
               <a:buClr>
                 <a:schemeClr val="dk1"/>
               </a:buClr>
               <a:buSzPct val="100000"/>
               <a:buNone/>
-              <a:defRPr b="1" sz="3600">
+              <a:defRPr sz="3600" b="1">
                 <a:solidFill>
                   <a:schemeClr val="dk1"/>
                 </a:solidFill>
               </a:defRPr>
             </a:lvl9pPr>
           </a:lstStyle>
-          <a:p/>
+          <a:p>
+            <a:endParaRPr/>
+          </a:p>
         </p:txBody>
       </p:sp>
       <p:sp>
         <p:nvSpPr>
           <p:cNvPr id="6" name="Shape 6"/>
-          <p:cNvSpPr txBox="1"/>
+          <p:cNvSpPr txBox="1">
+            <a:spLocks noGrp="1"/>
+          </p:cNvSpPr>
           <p:nvPr>
-            <p:ph idx="1" type="body"/>
+            <p:ph type="body" idx="1"/>
           </p:nvPr>
         </p:nvSpPr>
         <p:spPr>
           <a:xfrm>
-            <a:off y="1200150" x="457200"/>
-            <a:ext cy="3725680" cx="8229600"/>
+            <a:off x="457200" y="1200150"/>
+            <a:ext cx="8229600" cy="3725680"/>
           </a:xfrm>
           <a:prstGeom prst="rect">
             <a:avLst/>
           </a:prstGeom>
         </p:spPr>
         <p:txBody>
-          <a:bodyPr bIns="91425" rIns="91425" lIns="91425" tIns="91425" anchor="t" anchorCtr="0"/>
+          <a:bodyPr lIns="91425" tIns="91425" rIns="91425" bIns="91425" anchor="t" anchorCtr="0"/>
           <a:lstStyle>
-            <a:lvl1pPr indent="-152400" marL="342900">
+            <a:lvl1pPr marL="342900" indent="-152400">
               <a:spcBef>
                 <a:spcPts val="600"/>
               </a:spcBef>
@@ -3175,7 +4025,7 @@
                 </a:solidFill>
               </a:defRPr>
             </a:lvl1pPr>
-            <a:lvl2pPr indent="-133350" marL="742950">
+            <a:lvl2pPr marL="742950" indent="-133350">
               <a:spcBef>
                 <a:spcPts val="480"/>
               </a:spcBef>
@@ -3189,7 +4039,7 @@
                 </a:solidFill>
               </a:defRPr>
             </a:lvl2pPr>
-            <a:lvl3pPr indent="-76200" marL="1143000">
+            <a:lvl3pPr marL="1143000" indent="-76200">
               <a:spcBef>
                 <a:spcPts val="480"/>
               </a:spcBef>
@@ -3203,7 +4053,7 @@
                 </a:solidFill>
               </a:defRPr>
             </a:lvl3pPr>
-            <a:lvl4pPr indent="-114300" marL="1600200">
+            <a:lvl4pPr marL="1600200" indent="-114300">
               <a:spcBef>
                 <a:spcPts val="360"/>
               </a:spcBef>
@@ -3217,7 +4067,7 @@
                 </a:solidFill>
               </a:defRPr>
             </a:lvl4pPr>
-            <a:lvl5pPr indent="-114300" marL="2057400">
+            <a:lvl5pPr marL="2057400" indent="-114300">
               <a:spcBef>
                 <a:spcPts val="360"/>
               </a:spcBef>
@@ -3231,7 +4081,7 @@
                 </a:solidFill>
               </a:defRPr>
             </a:lvl5pPr>
-            <a:lvl6pPr indent="-114300" marL="2514600">
+            <a:lvl6pPr marL="2514600" indent="-114300">
               <a:spcBef>
                 <a:spcPts val="360"/>
               </a:spcBef>
@@ -3245,7 +4095,7 @@
                 </a:solidFill>
               </a:defRPr>
             </a:lvl6pPr>
-            <a:lvl7pPr indent="-114300" marL="2971800">
+            <a:lvl7pPr marL="2971800" indent="-114300">
               <a:spcBef>
                 <a:spcPts val="360"/>
               </a:spcBef>
@@ -3259,7 +4109,7 @@
                 </a:solidFill>
               </a:defRPr>
             </a:lvl7pPr>
-            <a:lvl8pPr indent="-114300" marL="3429000">
+            <a:lvl8pPr marL="3429000" indent="-114300">
               <a:spcBef>
                 <a:spcPts val="360"/>
               </a:spcBef>
@@ -3273,7 +4123,7 @@
                 </a:solidFill>
               </a:defRPr>
             </a:lvl8pPr>
-            <a:lvl9pPr indent="-114300" marL="3886200">
+            <a:lvl9pPr marL="3886200" indent="-114300">
               <a:spcBef>
                 <a:spcPts val="360"/>
               </a:spcBef>
@@ -3288,12 +4138,14 @@
               </a:defRPr>
             </a:lvl9pPr>
           </a:lstStyle>
-          <a:p/>
+          <a:p>
+            <a:endParaRPr/>
+          </a:p>
         </p:txBody>
       </p:sp>
     </p:spTree>
   </p:cSld>
-  <p:clrMap accent2="accent2" accent3="accent3" accent4="accent4" accent5="accent5" accent6="accent6" hlink="hlink" tx2="lt2" tx1="dk1" bg2="dk2" bg1="lt1" folHlink="folHlink" accent1="accent1"/>
+  <p:clrMap bg1="lt1" tx1="dk1" bg2="dk2" tx2="lt2" accent1="accent1" accent2="accent2" accent3="accent3" accent4="accent4" accent5="accent5" accent6="accent6" hlink="hlink" folHlink="folHlink"/>
   <p:sldLayoutIdLst>
     <p:sldLayoutId id="2147483648" r:id="rId1"/>
     <p:sldLayoutId id="2147483649" r:id="rId2"/>
@@ -3304,7 +4156,7 @@
   </p:sldLayoutIdLst>
   <p:txStyles>
     <p:titleStyle>
-      <a:defPPr algn="l" rtl="0" marR="0">
+      <a:defPPr marR="0" algn="l" rtl="0">
         <a:lnSpc>
           <a:spcPct val="100000"/>
         </a:lnSpc>
@@ -3315,7 +4167,7 @@
           <a:spcPts val="0"/>
         </a:spcAft>
       </a:defPPr>
-      <a:lvl1pPr algn="l" rtl="0" marR="0">
+      <a:lvl1pPr marR="0" algn="l" rtl="0">
         <a:lnSpc>
           <a:spcPct val="100000"/>
         </a:lnSpc>
@@ -3326,7 +4178,7 @@
           <a:spcPts val="0"/>
         </a:spcAft>
         <a:buNone/>
-        <a:defRPr strike="noStrike" u="none" b="0" cap="none" baseline="0" sz="1400" i="0">
+        <a:defRPr sz="1400" b="0" i="0" u="none" strike="noStrike" cap="none" baseline="0">
           <a:solidFill>
             <a:srgbClr val="000000"/>
           </a:solidFill>
@@ -3337,7 +4189,7 @@
           <a:rtl val="0"/>
         </a:defRPr>
       </a:lvl1pPr>
-      <a:lvl2pPr algn="l" rtl="0" marR="0">
+      <a:lvl2pPr marR="0" algn="l" rtl="0">
         <a:lnSpc>
           <a:spcPct val="100000"/>
         </a:lnSpc>
@@ -3348,7 +4200,7 @@
           <a:spcPts val="0"/>
         </a:spcAft>
         <a:buNone/>
-        <a:defRPr strike="noStrike" u="none" b="0" cap="none" baseline="0" sz="1400" i="0">
+        <a:defRPr sz="1400" b="0" i="0" u="none" strike="noStrike" cap="none" baseline="0">
           <a:solidFill>
             <a:srgbClr val="000000"/>
           </a:solidFill>
@@ -3361,7 +4213,7 @@
       </a:lvl2pPr>
     </p:titleStyle>
     <p:bodyStyle>
-      <a:defPPr algn="l" rtl="0" marR="0">
+      <a:defPPr marR="0" algn="l" rtl="0">
         <a:lnSpc>
           <a:spcPct val="100000"/>
         </a:lnSpc>
@@ -3372,7 +4224,7 @@
           <a:spcPts val="0"/>
         </a:spcAft>
       </a:defPPr>
-      <a:lvl1pPr algn="l" rtl="0" marR="0">
+      <a:lvl1pPr marR="0" algn="l" rtl="0">
         <a:lnSpc>
           <a:spcPct val="100000"/>
         </a:lnSpc>
@@ -3383,7 +4235,7 @@
           <a:spcPts val="0"/>
         </a:spcAft>
         <a:buNone/>
-        <a:defRPr strike="noStrike" u="none" b="0" cap="none" baseline="0" sz="1400" i="0">
+        <a:defRPr sz="1400" b="0" i="0" u="none" strike="noStrike" cap="none" baseline="0">
           <a:solidFill>
             <a:srgbClr val="000000"/>
           </a:solidFill>
@@ -3394,7 +4246,7 @@
           <a:rtl val="0"/>
         </a:defRPr>
       </a:lvl1pPr>
-      <a:lvl2pPr algn="l" rtl="0" marR="0">
+      <a:lvl2pPr marR="0" algn="l" rtl="0">
         <a:lnSpc>
           <a:spcPct val="100000"/>
         </a:lnSpc>
@@ -3405,7 +4257,7 @@
           <a:spcPts val="0"/>
         </a:spcAft>
         <a:buNone/>
-        <a:defRPr strike="noStrike" u="none" b="0" cap="none" baseline="0" sz="1400" i="0">
+        <a:defRPr sz="1400" b="0" i="0" u="none" strike="noStrike" cap="none" baseline="0">
           <a:solidFill>
             <a:srgbClr val="000000"/>
           </a:solidFill>
@@ -3416,7 +4268,7 @@
           <a:rtl val="0"/>
         </a:defRPr>
       </a:lvl2pPr>
-      <a:lvl3pPr algn="l" rtl="0" marR="0">
+      <a:lvl3pPr marR="0" algn="l" rtl="0">
         <a:lnSpc>
           <a:spcPct val="100000"/>
         </a:lnSpc>
@@ -3427,7 +4279,7 @@
           <a:spcPts val="0"/>
         </a:spcAft>
         <a:buNone/>
-        <a:defRPr strike="noStrike" u="none" b="0" cap="none" baseline="0" sz="1400" i="0">
+        <a:defRPr sz="1400" b="0" i="0" u="none" strike="noStrike" cap="none" baseline="0">
           <a:solidFill>
             <a:srgbClr val="000000"/>
           </a:solidFill>
@@ -3438,7 +4290,7 @@
           <a:rtl val="0"/>
         </a:defRPr>
       </a:lvl3pPr>
-      <a:lvl4pPr algn="l" rtl="0" marR="0">
+      <a:lvl4pPr marR="0" algn="l" rtl="0">
         <a:lnSpc>
           <a:spcPct val="100000"/>
         </a:lnSpc>
@@ -3449,7 +4301,7 @@
           <a:spcPts val="0"/>
         </a:spcAft>
         <a:buNone/>
-        <a:defRPr strike="noStrike" u="none" b="0" cap="none" baseline="0" sz="1400" i="0">
+        <a:defRPr sz="1400" b="0" i="0" u="none" strike="noStrike" cap="none" baseline="0">
           <a:solidFill>
             <a:srgbClr val="000000"/>
           </a:solidFill>
@@ -3460,7 +4312,7 @@
           <a:rtl val="0"/>
         </a:defRPr>
       </a:lvl4pPr>
-      <a:lvl5pPr algn="l" rtl="0" marR="0">
+      <a:lvl5pPr marR="0" algn="l" rtl="0">
         <a:lnSpc>
           <a:spcPct val="100000"/>
         </a:lnSpc>
@@ -3471,7 +4323,7 @@
           <a:spcPts val="0"/>
         </a:spcAft>
         <a:buNone/>
-        <a:defRPr strike="noStrike" u="none" b="0" cap="none" baseline="0" sz="1400" i="0">
+        <a:defRPr sz="1400" b="0" i="0" u="none" strike="noStrike" cap="none" baseline="0">
           <a:solidFill>
             <a:srgbClr val="000000"/>
           </a:solidFill>
@@ -3482,7 +4334,7 @@
           <a:rtl val="0"/>
         </a:defRPr>
       </a:lvl5pPr>
-      <a:lvl6pPr algn="l" rtl="0" marR="0">
+      <a:lvl6pPr marR="0" algn="l" rtl="0">
         <a:lnSpc>
           <a:spcPct val="100000"/>
         </a:lnSpc>
@@ -3493,7 +4345,7 @@
           <a:spcPts val="0"/>
         </a:spcAft>
         <a:buNone/>
-        <a:defRPr strike="noStrike" u="none" b="0" cap="none" baseline="0" sz="1400" i="0">
+        <a:defRPr sz="1400" b="0" i="0" u="none" strike="noStrike" cap="none" baseline="0">
           <a:solidFill>
             <a:srgbClr val="000000"/>
           </a:solidFill>
@@ -3504,7 +4356,7 @@
           <a:rtl val="0"/>
         </a:defRPr>
       </a:lvl6pPr>
-      <a:lvl7pPr algn="l" rtl="0" marR="0">
+      <a:lvl7pPr marR="0" algn="l" rtl="0">
         <a:lnSpc>
           <a:spcPct val="100000"/>
         </a:lnSpc>
@@ -3515,7 +4367,7 @@
           <a:spcPts val="0"/>
         </a:spcAft>
         <a:buNone/>
-        <a:defRPr strike="noStrike" u="none" b="0" cap="none" baseline="0" sz="1400" i="0">
+        <a:defRPr sz="1400" b="0" i="0" u="none" strike="noStrike" cap="none" baseline="0">
           <a:solidFill>
             <a:srgbClr val="000000"/>
           </a:solidFill>
@@ -3526,7 +4378,7 @@
           <a:rtl val="0"/>
         </a:defRPr>
       </a:lvl7pPr>
-      <a:lvl8pPr algn="l" rtl="0" marR="0">
+      <a:lvl8pPr marR="0" algn="l" rtl="0">
         <a:lnSpc>
           <a:spcPct val="100000"/>
         </a:lnSpc>
@@ -3537,7 +4389,7 @@
           <a:spcPts val="0"/>
         </a:spcAft>
         <a:buNone/>
-        <a:defRPr strike="noStrike" u="none" b="0" cap="none" baseline="0" sz="1400" i="0">
+        <a:defRPr sz="1400" b="0" i="0" u="none" strike="noStrike" cap="none" baseline="0">
           <a:solidFill>
             <a:srgbClr val="000000"/>
           </a:solidFill>
@@ -3548,7 +4400,7 @@
           <a:rtl val="0"/>
         </a:defRPr>
       </a:lvl8pPr>
-      <a:lvl9pPr algn="l" rtl="0" marR="0">
+      <a:lvl9pPr marR="0" algn="l" rtl="0">
         <a:lnSpc>
           <a:spcPct val="100000"/>
         </a:lnSpc>
@@ -3559,7 +4411,7 @@
           <a:spcPts val="0"/>
         </a:spcAft>
         <a:buNone/>
-        <a:defRPr strike="noStrike" u="none" b="0" cap="none" baseline="0" sz="1400" i="0">
+        <a:defRPr sz="1400" b="0" i="0" u="none" strike="noStrike" cap="none" baseline="0">
           <a:solidFill>
             <a:srgbClr val="000000"/>
           </a:solidFill>
@@ -3572,7 +4424,7 @@
       </a:lvl9pPr>
     </p:bodyStyle>
     <p:otherStyle>
-      <a:defPPr algn="l" rtl="0" marR="0">
+      <a:defPPr marR="0" algn="l" rtl="0">
         <a:lnSpc>
           <a:spcPct val="100000"/>
         </a:lnSpc>
@@ -3583,7 +4435,7 @@
           <a:spcPts val="0"/>
         </a:spcAft>
       </a:defPPr>
-      <a:lvl1pPr algn="l" rtl="0" marR="0">
+      <a:lvl1pPr marR="0" algn="l" rtl="0">
         <a:lnSpc>
           <a:spcPct val="100000"/>
         </a:lnSpc>
@@ -3594,7 +4446,7 @@
           <a:spcPts val="0"/>
         </a:spcAft>
         <a:buNone/>
-        <a:defRPr strike="noStrike" u="none" b="0" cap="none" baseline="0" sz="1400" i="0">
+        <a:defRPr sz="1400" b="0" i="0" u="none" strike="noStrike" cap="none" baseline="0">
           <a:solidFill>
             <a:srgbClr val="000000"/>
           </a:solidFill>
@@ -3605,7 +4457,7 @@
           <a:rtl val="0"/>
         </a:defRPr>
       </a:lvl1pPr>
-      <a:lvl2pPr algn="l" rtl="0" marR="0">
+      <a:lvl2pPr marR="0" algn="l" rtl="0">
         <a:lnSpc>
           <a:spcPct val="100000"/>
         </a:lnSpc>
@@ -3616,7 +4468,7 @@
           <a:spcPts val="0"/>
         </a:spcAft>
         <a:buNone/>
-        <a:defRPr strike="noStrike" u="none" b="0" cap="none" baseline="0" sz="1400" i="0">
+        <a:defRPr sz="1400" b="0" i="0" u="none" strike="noStrike" cap="none" baseline="0">
           <a:solidFill>
             <a:srgbClr val="000000"/>
           </a:solidFill>
@@ -3627,7 +4479,7 @@
           <a:rtl val="0"/>
         </a:defRPr>
       </a:lvl2pPr>
-      <a:lvl3pPr algn="l" rtl="0" marR="0">
+      <a:lvl3pPr marR="0" algn="l" rtl="0">
         <a:lnSpc>
           <a:spcPct val="100000"/>
         </a:lnSpc>
@@ -3638,7 +4490,7 @@
           <a:spcPts val="0"/>
         </a:spcAft>
         <a:buNone/>
-        <a:defRPr strike="noStrike" u="none" b="0" cap="none" baseline="0" sz="1400" i="0">
+        <a:defRPr sz="1400" b="0" i="0" u="none" strike="noStrike" cap="none" baseline="0">
           <a:solidFill>
             <a:srgbClr val="000000"/>
           </a:solidFill>
@@ -3649,7 +4501,7 @@
           <a:rtl val="0"/>
         </a:defRPr>
       </a:lvl3pPr>
-      <a:lvl4pPr algn="l" rtl="0" marR="0">
+      <a:lvl4pPr marR="0" algn="l" rtl="0">
         <a:lnSpc>
           <a:spcPct val="100000"/>
         </a:lnSpc>
@@ -3660,7 +4512,7 @@
           <a:spcPts val="0"/>
         </a:spcAft>
         <a:buNone/>
-        <a:defRPr strike="noStrike" u="none" b="0" cap="none" baseline="0" sz="1400" i="0">
+        <a:defRPr sz="1400" b="0" i="0" u="none" strike="noStrike" cap="none" baseline="0">
           <a:solidFill>
             <a:srgbClr val="000000"/>
           </a:solidFill>
@@ -3671,7 +4523,7 @@
           <a:rtl val="0"/>
         </a:defRPr>
       </a:lvl4pPr>
-      <a:lvl5pPr algn="l" rtl="0" marR="0">
+      <a:lvl5pPr marR="0" algn="l" rtl="0">
         <a:lnSpc>
           <a:spcPct val="100000"/>
         </a:lnSpc>
@@ -3682,7 +4534,7 @@
           <a:spcPts val="0"/>
         </a:spcAft>
         <a:buNone/>
-        <a:defRPr strike="noStrike" u="none" b="0" cap="none" baseline="0" sz="1400" i="0">
+        <a:defRPr sz="1400" b="0" i="0" u="none" strike="noStrike" cap="none" baseline="0">
           <a:solidFill>
             <a:srgbClr val="000000"/>
           </a:solidFill>
@@ -3693,7 +4545,7 @@
           <a:rtl val="0"/>
         </a:defRPr>
       </a:lvl5pPr>
-      <a:lvl6pPr algn="l" rtl="0" marR="0">
+      <a:lvl6pPr marR="0" algn="l" rtl="0">
         <a:lnSpc>
           <a:spcPct val="100000"/>
         </a:lnSpc>
@@ -3704,7 +4556,7 @@
           <a:spcPts val="0"/>
         </a:spcAft>
         <a:buNone/>
-        <a:defRPr strike="noStrike" u="none" b="0" cap="none" baseline="0" sz="1400" i="0">
+        <a:defRPr sz="1400" b="0" i="0" u="none" strike="noStrike" cap="none" baseline="0">
           <a:solidFill>
             <a:srgbClr val="000000"/>
           </a:solidFill>
@@ -3715,7 +4567,7 @@
           <a:rtl val="0"/>
         </a:defRPr>
       </a:lvl6pPr>
-      <a:lvl7pPr algn="l" rtl="0" marR="0">
+      <a:lvl7pPr marR="0" algn="l" rtl="0">
         <a:lnSpc>
           <a:spcPct val="100000"/>
         </a:lnSpc>
@@ -3726,7 +4578,7 @@
           <a:spcPts val="0"/>
         </a:spcAft>
         <a:buNone/>
-        <a:defRPr strike="noStrike" u="none" b="0" cap="none" baseline="0" sz="1400" i="0">
+        <a:defRPr sz="1400" b="0" i="0" u="none" strike="noStrike" cap="none" baseline="0">
           <a:solidFill>
             <a:srgbClr val="000000"/>
           </a:solidFill>
@@ -3737,7 +4589,7 @@
           <a:rtl val="0"/>
         </a:defRPr>
       </a:lvl7pPr>
-      <a:lvl8pPr algn="l" rtl="0" marR="0">
+      <a:lvl8pPr marR="0" algn="l" rtl="0">
         <a:lnSpc>
           <a:spcPct val="100000"/>
         </a:lnSpc>
@@ -3748,7 +4600,7 @@
           <a:spcPts val="0"/>
         </a:spcAft>
         <a:buNone/>
-        <a:defRPr strike="noStrike" u="none" b="0" cap="none" baseline="0" sz="1400" i="0">
+        <a:defRPr sz="1400" b="0" i="0" u="none" strike="noStrike" cap="none" baseline="0">
           <a:solidFill>
             <a:srgbClr val="000000"/>
           </a:solidFill>
@@ -3759,7 +4611,7 @@
           <a:rtl val="0"/>
         </a:defRPr>
       </a:lvl8pPr>
-      <a:lvl9pPr algn="l" rtl="0" marR="0">
+      <a:lvl9pPr marR="0" algn="l" rtl="0">
         <a:lnSpc>
           <a:spcPct val="100000"/>
         </a:lnSpc>
@@ -3770,7 +4622,7 @@
           <a:spcPts val="0"/>
         </a:spcAft>
         <a:buNone/>
-        <a:defRPr strike="noStrike" u="none" b="0" cap="none" baseline="0" sz="1400" i="0">
+        <a:defRPr sz="1400" b="0" i="0" u="none" strike="noStrike" cap="none" baseline="0">
           <a:solidFill>
             <a:srgbClr val="000000"/>
           </a:solidFill>
@@ -3787,20 +4639,20 @@
 </file>
 
 <file path=ppt/slides/slide1.xml><?xml version="1.0" encoding="utf-8"?>
-<p:sld xmlns:a="http://schemas.openxmlformats.org/drawingml/2006/main" xmlns:r="http://schemas.openxmlformats.org/officeDocument/2006/relationships" xmlns:mc="http://schemas.openxmlformats.org/markup-compatibility/2006" xmlns:mv="urn:schemas-microsoft-com:mac:vml" xmlns:p="http://schemas.openxmlformats.org/presentationml/2006/main" xmlns:c="http://schemas.openxmlformats.org/drawingml/2006/chart" xmlns:dgm="http://schemas.openxmlformats.org/drawingml/2006/diagram" xmlns:o="urn:schemas-microsoft-com:office:office" xmlns:v="urn:schemas-microsoft-com:vml" xmlns:pvml="urn:schemas-microsoft-com:office:powerpoint" xmlns:com="http://schemas.openxmlformats.org/drawingml/2006/compatibility" xmlns:p14="http://schemas.microsoft.com/office/powerpoint/2010/main">
+<p:sld xmlns:a="http://schemas.openxmlformats.org/drawingml/2006/main" xmlns:r="http://schemas.openxmlformats.org/officeDocument/2006/relationships" xmlns:p="http://schemas.openxmlformats.org/presentationml/2006/main">
   <p:cSld>
     <p:spTree>
       <p:nvGrpSpPr>
-        <p:cNvPr id="22" name="Shape 22"/>
+        <p:cNvPr id="1" name="Shape 22"/>
         <p:cNvGrpSpPr/>
         <p:nvPr/>
       </p:nvGrpSpPr>
       <p:grpSpPr>
         <a:xfrm>
-          <a:off y="0" x="0"/>
-          <a:ext cy="0" cx="0"/>
-          <a:chOff y="0" x="0"/>
-          <a:chExt cy="0" cx="0"/>
+          <a:off x="0" y="0"/>
+          <a:ext cx="0" cy="0"/>
+          <a:chOff x="0" y="0"/>
+          <a:chExt cx="0" cy="0"/>
         </a:xfrm>
       </p:grpSpPr>
       <p:sp>
@@ -3811,24 +4663,24 @@
         </p:nvSpPr>
         <p:spPr>
           <a:xfrm>
-            <a:off y="1991850" x="450600"/>
-            <a:ext cy="1159799" cx="8242800"/>
+            <a:off x="1273264" y="2197152"/>
+            <a:ext cx="6597472" cy="1159799"/>
           </a:xfrm>
           <a:prstGeom prst="rect">
             <a:avLst/>
           </a:prstGeom>
         </p:spPr>
         <p:txBody>
-          <a:bodyPr bIns="91425" rIns="91425" lIns="91425" tIns="91425" anchor="ctr" anchorCtr="0">
+          <a:bodyPr lIns="91425" tIns="91425" rIns="91425" bIns="91425" anchor="ctr" anchorCtr="0">
             <a:noAutofit/>
           </a:bodyPr>
           <a:lstStyle/>
           <a:p>
-            <a:pPr algn="ctr" rtl="0" lvl="0">
+            <a:pPr lvl="0" algn="ctr" rtl="0">
               <a:buNone/>
             </a:pPr>
             <a:r>
-              <a:rPr sz="3000" lang="en">
+              <a:rPr lang="en" sz="3000" dirty="0">
                 <a:solidFill>
                   <a:srgbClr val="3FB2A3"/>
                 </a:solidFill>
@@ -3841,7 +4693,7 @@
 </a:t>
             </a:r>
             <a:r>
-              <a:rPr sz="6000" lang="en">
+              <a:rPr lang="en" sz="6000" dirty="0">
                 <a:solidFill>
                   <a:srgbClr val="3FB2A3"/>
                 </a:solidFill>
@@ -3854,9 +4706,15 @@
             </a:r>
           </a:p>
           <a:p>
-            <a:r>
-              <a:t/>
-            </a:r>
+            <a:endParaRPr lang="en" sz="6000" dirty="0">
+              <a:solidFill>
+                <a:srgbClr val="3FB2A3"/>
+              </a:solidFill>
+              <a:latin typeface="Arvo"/>
+              <a:ea typeface="Arvo"/>
+              <a:cs typeface="Arvo"/>
+              <a:sym typeface="Arvo"/>
+            </a:endParaRPr>
           </a:p>
         </p:txBody>
       </p:sp>
@@ -3868,24 +4726,24 @@
         </p:nvSpPr>
         <p:spPr>
           <a:xfrm>
-            <a:off y="3151650" x="979350"/>
-            <a:ext cy="574499" cx="7185300"/>
+            <a:off x="1273264" y="3206677"/>
+            <a:ext cx="6664623" cy="574499"/>
           </a:xfrm>
           <a:prstGeom prst="rect">
             <a:avLst/>
           </a:prstGeom>
         </p:spPr>
         <p:txBody>
-          <a:bodyPr bIns="91425" rIns="91425" lIns="91425" tIns="91425" anchor="t" anchorCtr="0">
+          <a:bodyPr lIns="91425" tIns="91425" rIns="91425" bIns="91425" anchor="t" anchorCtr="0">
             <a:noAutofit/>
           </a:bodyPr>
           <a:lstStyle/>
           <a:p>
-            <a:pPr rtl="0" lvl="0">
+            <a:pPr lvl="0" rtl="0">
               <a:buNone/>
             </a:pPr>
             <a:r>
-              <a:rPr sz="1600" lang="en">
+              <a:rPr lang="en" sz="1600" dirty="0">
                 <a:solidFill>
                   <a:srgbClr val="B9B9B9"/>
                 </a:solidFill>
@@ -3907,24 +4765,24 @@
         </p:nvSpPr>
         <p:spPr>
           <a:xfrm>
-            <a:off y="402725" x="2574000"/>
-            <a:ext cy="1159799" cx="3996000"/>
+            <a:off x="1687692" y="497800"/>
+            <a:ext cx="5768616" cy="1159799"/>
           </a:xfrm>
           <a:prstGeom prst="rect">
             <a:avLst/>
           </a:prstGeom>
         </p:spPr>
         <p:txBody>
-          <a:bodyPr bIns="91425" rIns="91425" lIns="91425" tIns="91425" anchor="ctr" anchorCtr="0">
+          <a:bodyPr lIns="91425" tIns="91425" rIns="91425" bIns="91425" anchor="ctr" anchorCtr="0">
             <a:noAutofit/>
           </a:bodyPr>
           <a:lstStyle/>
           <a:p>
-            <a:pPr algn="ctr" rtl="0" lvl="0">
+            <a:pPr lvl="0" algn="ctr" rtl="0">
               <a:buNone/>
             </a:pPr>
             <a:r>
-              <a:rPr b="1" sz="12000" lang="en">
+              <a:rPr lang="en" sz="12000" b="1" dirty="0">
                 <a:solidFill>
                   <a:srgbClr val="E6E6E6"/>
                 </a:solidFill>
@@ -3946,15 +4804,15 @@
         </p:nvSpPr>
         <p:spPr>
           <a:xfrm>
-            <a:off y="1657600" x="3742650"/>
-            <a:ext cy="645600" cx="1658700"/>
+            <a:off x="3742650" y="1657600"/>
+            <a:ext cx="1658700" cy="645600"/>
           </a:xfrm>
           <a:prstGeom prst="rect">
             <a:avLst/>
           </a:prstGeom>
         </p:spPr>
         <p:txBody>
-          <a:bodyPr bIns="91425" rIns="91425" lIns="91425" tIns="91425" anchor="t" anchorCtr="0">
+          <a:bodyPr lIns="91425" tIns="91425" rIns="91425" bIns="91425" anchor="t" anchorCtr="0">
             <a:noAutofit/>
           </a:bodyPr>
           <a:lstStyle/>
@@ -3963,7 +4821,7 @@
               <a:buNone/>
             </a:pPr>
             <a:r>
-              <a:rPr sz="3000" lang="en">
+              <a:rPr lang="en" sz="3000">
                 <a:solidFill>
                   <a:srgbClr val="3FB2A3"/>
                 </a:solidFill>
@@ -3985,24 +4843,24 @@
         </p:nvSpPr>
         <p:spPr>
           <a:xfrm>
-            <a:off y="4779900" x="5619550"/>
-            <a:ext cy="418500" cx="3470999"/>
+            <a:off x="5619550" y="4779900"/>
+            <a:ext cx="3470999" cy="418500"/>
           </a:xfrm>
           <a:prstGeom prst="rect">
             <a:avLst/>
           </a:prstGeom>
         </p:spPr>
         <p:txBody>
-          <a:bodyPr bIns="91425" rIns="91425" lIns="91425" tIns="91425" anchor="t" anchorCtr="0">
+          <a:bodyPr lIns="91425" tIns="91425" rIns="91425" bIns="91425" anchor="t" anchorCtr="0">
             <a:noAutofit/>
           </a:bodyPr>
           <a:lstStyle/>
           <a:p>
-            <a:pPr rtl="0" lvl="0">
+            <a:pPr lvl="0" rtl="0">
               <a:buNone/>
             </a:pPr>
             <a:r>
-              <a:rPr sz="900" lang="en">
+              <a:rPr lang="en" sz="900">
                 <a:solidFill>
                   <a:srgbClr val="B9B9B9"/>
                 </a:solidFill>
@@ -4024,24 +4882,31 @@
   <p:transition spd="slow">
     <p:cut/>
   </p:transition>
+  <p:timing>
+    <p:tnLst>
+      <p:par>
+        <p:cTn id="1" dur="indefinite" restart="never" nodeType="tmRoot"/>
+      </p:par>
+    </p:tnLst>
+  </p:timing>
 </p:sld>
 </file>
 
 <file path=ppt/slides/slide2.xml><?xml version="1.0" encoding="utf-8"?>
-<p:sld xmlns:a="http://schemas.openxmlformats.org/drawingml/2006/main" xmlns:r="http://schemas.openxmlformats.org/officeDocument/2006/relationships" xmlns:mc="http://schemas.openxmlformats.org/markup-compatibility/2006" xmlns:mv="urn:schemas-microsoft-com:mac:vml" xmlns:p="http://schemas.openxmlformats.org/presentationml/2006/main" xmlns:c="http://schemas.openxmlformats.org/drawingml/2006/chart" xmlns:dgm="http://schemas.openxmlformats.org/drawingml/2006/diagram" xmlns:o="urn:schemas-microsoft-com:office:office" xmlns:v="urn:schemas-microsoft-com:vml" xmlns:pvml="urn:schemas-microsoft-com:office:powerpoint" xmlns:com="http://schemas.openxmlformats.org/drawingml/2006/compatibility" xmlns:p14="http://schemas.microsoft.com/office/powerpoint/2010/main">
+<p:sld xmlns:a="http://schemas.openxmlformats.org/drawingml/2006/main" xmlns:r="http://schemas.openxmlformats.org/officeDocument/2006/relationships" xmlns:p="http://schemas.openxmlformats.org/presentationml/2006/main">
   <p:cSld>
     <p:spTree>
       <p:nvGrpSpPr>
-        <p:cNvPr id="31" name="Shape 31"/>
+        <p:cNvPr id="1" name="Shape 31"/>
         <p:cNvGrpSpPr/>
         <p:nvPr/>
       </p:nvGrpSpPr>
       <p:grpSpPr>
         <a:xfrm>
-          <a:off y="0" x="0"/>
-          <a:ext cy="0" cx="0"/>
-          <a:chOff y="0" x="0"/>
-          <a:chExt cy="0" cx="0"/>
+          <a:off x="0" y="0"/>
+          <a:ext cx="0" cy="0"/>
+          <a:chOff x="0" y="0"/>
+          <a:chExt cx="0" cy="0"/>
         </a:xfrm>
       </p:grpSpPr>
       <p:pic>
@@ -4051,15 +4916,15 @@
           <p:nvPr/>
         </p:nvPicPr>
         <p:blipFill>
-          <a:blip r:embed="rId4"/>
+          <a:blip r:embed="rId3"/>
           <a:stretch>
             <a:fillRect/>
           </a:stretch>
         </p:blipFill>
         <p:spPr>
           <a:xfrm>
-            <a:off y="0" x="0"/>
-            <a:ext cy="5143500" cx="9144001"/>
+            <a:off x="0" y="0"/>
+            <a:ext cx="9144001" cy="5143500"/>
           </a:xfrm>
           <a:prstGeom prst="rect">
             <a:avLst/>
@@ -4078,8 +4943,8 @@
         </p:nvSpPr>
         <p:spPr>
           <a:xfrm>
-            <a:off y="0" x="0"/>
-            <a:ext cy="5143499" cx="9144000"/>
+            <a:off x="0" y="0"/>
+            <a:ext cx="9144000" cy="5143499"/>
           </a:xfrm>
           <a:prstGeom prst="rect">
             <a:avLst/>
@@ -4094,11 +4959,13 @@
           </a:ln>
         </p:spPr>
         <p:txBody>
-          <a:bodyPr bIns="91425" rIns="91425" lIns="91425" tIns="91425" anchor="ctr" anchorCtr="0">
+          <a:bodyPr lIns="91425" tIns="91425" rIns="91425" bIns="91425" anchor="ctr" anchorCtr="0">
             <a:noAutofit/>
           </a:bodyPr>
           <a:lstStyle/>
-          <a:p/>
+          <a:p>
+            <a:endParaRPr/>
+          </a:p>
         </p:txBody>
       </p:sp>
       <p:sp>
@@ -4109,24 +4976,24 @@
         </p:nvSpPr>
         <p:spPr>
           <a:xfrm>
-            <a:off y="875350" x="-208725"/>
-            <a:ext cy="927599" cx="5588099"/>
+            <a:off x="-208725" y="875350"/>
+            <a:ext cx="5588099" cy="927599"/>
           </a:xfrm>
           <a:prstGeom prst="rect">
             <a:avLst/>
           </a:prstGeom>
         </p:spPr>
         <p:txBody>
-          <a:bodyPr bIns="91425" rIns="91425" lIns="91425" tIns="91425" anchor="b" anchorCtr="0">
+          <a:bodyPr lIns="91425" tIns="91425" rIns="91425" bIns="91425" anchor="b" anchorCtr="0">
             <a:noAutofit/>
           </a:bodyPr>
           <a:lstStyle/>
           <a:p>
-            <a:pPr algn="ctr" rtl="0" lvl="0">
+            <a:pPr lvl="0" algn="ctr" rtl="0">
               <a:buNone/>
             </a:pPr>
             <a:r>
-              <a:rPr b="1" sz="5300" lang="en">
+              <a:rPr lang="en" sz="5300" b="1">
                 <a:solidFill>
                   <a:srgbClr val="CB0000"/>
                 </a:solidFill>
@@ -4148,20 +5015,20 @@
         </p:nvSpPr>
         <p:spPr>
           <a:xfrm>
-            <a:off y="1849875" x="293275"/>
-            <a:ext cy="2323500" cx="4871700"/>
+            <a:off x="293275" y="1849875"/>
+            <a:ext cx="4871700" cy="2323500"/>
           </a:xfrm>
           <a:prstGeom prst="rect">
             <a:avLst/>
           </a:prstGeom>
         </p:spPr>
         <p:txBody>
-          <a:bodyPr bIns="91425" rIns="91425" lIns="91425" tIns="91425" anchor="t" anchorCtr="0">
+          <a:bodyPr lIns="91425" tIns="91425" rIns="91425" bIns="91425" anchor="t" anchorCtr="0">
             <a:noAutofit/>
           </a:bodyPr>
           <a:lstStyle/>
           <a:p>
-            <a:pPr rtl="0" lvl="0" indent="-400050" marL="457200">
+            <a:pPr marL="457200" lvl="0" indent="-400050" rtl="0">
               <a:buClr>
                 <a:srgbClr val="9C0000"/>
               </a:buClr>
@@ -4170,7 +5037,7 @@
               <a:buChar char="●"/>
             </a:pPr>
             <a:r>
-              <a:rPr sz="2700" lang="en">
+              <a:rPr lang="en" sz="2700">
                 <a:solidFill>
                   <a:srgbClr val="9C0000"/>
                 </a:solidFill>
@@ -4183,7 +5050,7 @@
             </a:r>
           </a:p>
           <a:p>
-            <a:pPr rtl="0" lvl="0" indent="-400050" marL="457200">
+            <a:pPr marL="457200" lvl="0" indent="-400050" rtl="0">
               <a:buClr>
                 <a:srgbClr val="9C0000"/>
               </a:buClr>
@@ -4192,7 +5059,7 @@
               <a:buChar char="●"/>
             </a:pPr>
             <a:r>
-              <a:rPr sz="2700" lang="en">
+              <a:rPr lang="en" sz="2700">
                 <a:solidFill>
                   <a:srgbClr val="9C0000"/>
                 </a:solidFill>
@@ -4205,7 +5072,7 @@
             </a:r>
           </a:p>
           <a:p>
-            <a:pPr rtl="0" lvl="0" indent="-400050" marL="457200">
+            <a:pPr marL="457200" lvl="0" indent="-400050" rtl="0">
               <a:buClr>
                 <a:srgbClr val="9C0000"/>
               </a:buClr>
@@ -4214,7 +5081,7 @@
               <a:buChar char="●"/>
             </a:pPr>
             <a:r>
-              <a:rPr sz="2700" lang="en">
+              <a:rPr lang="en" sz="2700">
                 <a:solidFill>
                   <a:srgbClr val="9C0000"/>
                 </a:solidFill>
@@ -4227,14 +5094,26 @@
             </a:r>
           </a:p>
           <a:p>
-            <a:r>
-              <a:t/>
-            </a:r>
-          </a:p>
-          <a:p>
-            <a:r>
-              <a:t/>
-            </a:r>
+            <a:endParaRPr lang="en" sz="2700">
+              <a:solidFill>
+                <a:srgbClr val="9C0000"/>
+              </a:solidFill>
+              <a:latin typeface="Arvo"/>
+              <a:ea typeface="Arvo"/>
+              <a:cs typeface="Arvo"/>
+              <a:sym typeface="Arvo"/>
+            </a:endParaRPr>
+          </a:p>
+          <a:p>
+            <a:endParaRPr lang="en" sz="2700">
+              <a:solidFill>
+                <a:srgbClr val="9C0000"/>
+              </a:solidFill>
+              <a:latin typeface="Arvo"/>
+              <a:ea typeface="Arvo"/>
+              <a:cs typeface="Arvo"/>
+              <a:sym typeface="Arvo"/>
+            </a:endParaRPr>
           </a:p>
         </p:txBody>
       </p:sp>
@@ -4246,24 +5125,31 @@
   <p:transition spd="slow">
     <p:cut/>
   </p:transition>
+  <p:timing>
+    <p:tnLst>
+      <p:par>
+        <p:cTn id="1" dur="indefinite" restart="never" nodeType="tmRoot"/>
+      </p:par>
+    </p:tnLst>
+  </p:timing>
 </p:sld>
 </file>
 
 <file path=ppt/slides/slide3.xml><?xml version="1.0" encoding="utf-8"?>
-<p:sld xmlns:a="http://schemas.openxmlformats.org/drawingml/2006/main" xmlns:r="http://schemas.openxmlformats.org/officeDocument/2006/relationships" xmlns:mc="http://schemas.openxmlformats.org/markup-compatibility/2006" xmlns:mv="urn:schemas-microsoft-com:mac:vml" xmlns:p="http://schemas.openxmlformats.org/presentationml/2006/main" xmlns:c="http://schemas.openxmlformats.org/drawingml/2006/chart" xmlns:dgm="http://schemas.openxmlformats.org/drawingml/2006/diagram" xmlns:o="urn:schemas-microsoft-com:office:office" xmlns:v="urn:schemas-microsoft-com:vml" xmlns:pvml="urn:schemas-microsoft-com:office:powerpoint" xmlns:com="http://schemas.openxmlformats.org/drawingml/2006/compatibility" xmlns:p14="http://schemas.microsoft.com/office/powerpoint/2010/main">
+<p:sld xmlns:a="http://schemas.openxmlformats.org/drawingml/2006/main" xmlns:r="http://schemas.openxmlformats.org/officeDocument/2006/relationships" xmlns:p="http://schemas.openxmlformats.org/presentationml/2006/main">
   <p:cSld>
     <p:spTree>
       <p:nvGrpSpPr>
-        <p:cNvPr id="39" name="Shape 39"/>
+        <p:cNvPr id="1" name="Shape 39"/>
         <p:cNvGrpSpPr/>
         <p:nvPr/>
       </p:nvGrpSpPr>
       <p:grpSpPr>
         <a:xfrm>
-          <a:off y="0" x="0"/>
-          <a:ext cy="0" cx="0"/>
-          <a:chOff y="0" x="0"/>
-          <a:chExt cy="0" cx="0"/>
+          <a:off x="0" y="0"/>
+          <a:ext cx="0" cy="0"/>
+          <a:chOff x="0" y="0"/>
+          <a:chExt cx="0" cy="0"/>
         </a:xfrm>
       </p:grpSpPr>
       <p:pic>
@@ -4273,15 +5159,15 @@
           <p:nvPr/>
         </p:nvPicPr>
         <p:blipFill>
-          <a:blip r:embed="rId4"/>
+          <a:blip r:embed="rId3"/>
           <a:stretch>
             <a:fillRect/>
           </a:stretch>
         </p:blipFill>
         <p:spPr>
           <a:xfrm>
-            <a:off y="0" x="0"/>
-            <a:ext cy="5143500" cx="9143999"/>
+            <a:off x="0" y="0"/>
+            <a:ext cx="9143999" cy="5143500"/>
           </a:xfrm>
           <a:prstGeom prst="rect">
             <a:avLst/>
@@ -4296,8 +5182,8 @@
         </p:nvSpPr>
         <p:spPr>
           <a:xfrm>
-            <a:off y="0" x="0"/>
-            <a:ext cy="5143499" cx="9144000"/>
+            <a:off x="0" y="0"/>
+            <a:ext cx="9144000" cy="5143499"/>
           </a:xfrm>
           <a:prstGeom prst="rect">
             <a:avLst/>
@@ -4312,11 +5198,13 @@
           </a:ln>
         </p:spPr>
         <p:txBody>
-          <a:bodyPr bIns="91425" rIns="91425" lIns="91425" tIns="91425" anchor="ctr" anchorCtr="0">
+          <a:bodyPr lIns="91425" tIns="91425" rIns="91425" bIns="91425" anchor="ctr" anchorCtr="0">
             <a:noAutofit/>
           </a:bodyPr>
           <a:lstStyle/>
-          <a:p/>
+          <a:p>
+            <a:endParaRPr/>
+          </a:p>
         </p:txBody>
       </p:sp>
       <p:sp>
@@ -4327,24 +5215,24 @@
         </p:nvSpPr>
         <p:spPr>
           <a:xfrm>
-            <a:off y="0" x="4301375"/>
-            <a:ext cy="1081799" cx="3466500"/>
+            <a:off x="4301375" y="0"/>
+            <a:ext cx="3466500" cy="1081799"/>
           </a:xfrm>
           <a:prstGeom prst="rect">
             <a:avLst/>
           </a:prstGeom>
         </p:spPr>
         <p:txBody>
-          <a:bodyPr bIns="91425" rIns="91425" lIns="91425" tIns="91425" anchor="t" anchorCtr="0">
+          <a:bodyPr lIns="91425" tIns="91425" rIns="91425" bIns="91425" anchor="t" anchorCtr="0">
             <a:noAutofit/>
           </a:bodyPr>
           <a:lstStyle/>
           <a:p>
-            <a:pPr algn="ctr" rtl="0" lvl="0">
+            <a:pPr lvl="0" algn="ctr" rtl="0">
               <a:buNone/>
             </a:pPr>
             <a:r>
-              <a:rPr b="1" sz="5300" lang="en">
+              <a:rPr lang="en" sz="5300" b="1">
                 <a:solidFill>
                   <a:srgbClr val="318C80"/>
                 </a:solidFill>
@@ -4356,7 +5244,7 @@
               <a:t> The Data</a:t>
             </a:r>
             <a:r>
-              <a:rPr b="1" sz="5300" lang="en">
+              <a:rPr lang="en" sz="5300" b="1">
                 <a:solidFill>
                   <a:srgbClr val="379C8E"/>
                 </a:solidFill>
@@ -4378,24 +5266,31 @@
   <p:transition spd="slow">
     <p:cut/>
   </p:transition>
+  <p:timing>
+    <p:tnLst>
+      <p:par>
+        <p:cTn id="1" dur="indefinite" restart="never" nodeType="tmRoot"/>
+      </p:par>
+    </p:tnLst>
+  </p:timing>
 </p:sld>
 </file>
 
 <file path=ppt/slides/slide4.xml><?xml version="1.0" encoding="utf-8"?>
-<p:sld xmlns:a="http://schemas.openxmlformats.org/drawingml/2006/main" xmlns:r="http://schemas.openxmlformats.org/officeDocument/2006/relationships" xmlns:mc="http://schemas.openxmlformats.org/markup-compatibility/2006" xmlns:mv="urn:schemas-microsoft-com:mac:vml" xmlns:p="http://schemas.openxmlformats.org/presentationml/2006/main" xmlns:c="http://schemas.openxmlformats.org/drawingml/2006/chart" xmlns:dgm="http://schemas.openxmlformats.org/drawingml/2006/diagram" xmlns:o="urn:schemas-microsoft-com:office:office" xmlns:v="urn:schemas-microsoft-com:vml" xmlns:pvml="urn:schemas-microsoft-com:office:powerpoint" xmlns:com="http://schemas.openxmlformats.org/drawingml/2006/compatibility" xmlns:p14="http://schemas.microsoft.com/office/powerpoint/2010/main">
+<p:sld xmlns:a="http://schemas.openxmlformats.org/drawingml/2006/main" xmlns:r="http://schemas.openxmlformats.org/officeDocument/2006/relationships" xmlns:p="http://schemas.openxmlformats.org/presentationml/2006/main">
   <p:cSld>
     <p:spTree>
       <p:nvGrpSpPr>
-        <p:cNvPr id="46" name="Shape 46"/>
+        <p:cNvPr id="1" name="Shape 46"/>
         <p:cNvGrpSpPr/>
         <p:nvPr/>
       </p:nvGrpSpPr>
       <p:grpSpPr>
         <a:xfrm>
-          <a:off y="0" x="0"/>
-          <a:ext cy="0" cx="0"/>
-          <a:chOff y="0" x="0"/>
-          <a:chExt cy="0" cx="0"/>
+          <a:off x="0" y="0"/>
+          <a:ext cx="0" cy="0"/>
+          <a:chOff x="0" y="0"/>
+          <a:chExt cx="0" cy="0"/>
         </a:xfrm>
       </p:grpSpPr>
       <p:pic>
@@ -4405,15 +5300,15 @@
           <p:nvPr/>
         </p:nvPicPr>
         <p:blipFill>
-          <a:blip r:embed="rId4"/>
+          <a:blip r:embed="rId3"/>
           <a:stretch>
             <a:fillRect/>
           </a:stretch>
         </p:blipFill>
         <p:spPr>
           <a:xfrm>
-            <a:off y="0" x="0"/>
-            <a:ext cy="5143500" cx="9144001"/>
+            <a:off x="0" y="0"/>
+            <a:ext cx="9144001" cy="5143500"/>
           </a:xfrm>
           <a:prstGeom prst="rect">
             <a:avLst/>
@@ -4432,24 +5327,24 @@
         </p:nvSpPr>
         <p:spPr>
           <a:xfrm>
-            <a:off y="801600" x="5243725"/>
-            <a:ext cy="1074299" cx="3507000"/>
+            <a:off x="5243725" y="801600"/>
+            <a:ext cx="3507000" cy="1074299"/>
           </a:xfrm>
           <a:prstGeom prst="rect">
             <a:avLst/>
           </a:prstGeom>
         </p:spPr>
         <p:txBody>
-          <a:bodyPr bIns="91425" rIns="91425" lIns="91425" tIns="91425" anchor="b" anchorCtr="0">
+          <a:bodyPr lIns="91425" tIns="91425" rIns="91425" bIns="91425" anchor="b" anchorCtr="0">
             <a:noAutofit/>
           </a:bodyPr>
           <a:lstStyle/>
           <a:p>
-            <a:pPr algn="l" rtl="0" lvl="0">
+            <a:pPr lvl="0" algn="l" rtl="0">
               <a:buNone/>
             </a:pPr>
             <a:r>
-              <a:rPr b="1" sz="6600" lang="en">
+              <a:rPr lang="en" sz="6600" b="1">
                 <a:solidFill>
                   <a:srgbClr val="FFFFFF"/>
                 </a:solidFill>
@@ -4471,24 +5366,31 @@
   <p:transition spd="slow">
     <p:cut/>
   </p:transition>
+  <p:timing>
+    <p:tnLst>
+      <p:par>
+        <p:cTn id="1" dur="indefinite" restart="never" nodeType="tmRoot"/>
+      </p:par>
+    </p:tnLst>
+  </p:timing>
 </p:sld>
 </file>
 
 <file path=ppt/slides/slide5.xml><?xml version="1.0" encoding="utf-8"?>
-<p:sld xmlns:a="http://schemas.openxmlformats.org/drawingml/2006/main" xmlns:r="http://schemas.openxmlformats.org/officeDocument/2006/relationships" xmlns:mc="http://schemas.openxmlformats.org/markup-compatibility/2006" xmlns:mv="urn:schemas-microsoft-com:mac:vml" xmlns:p="http://schemas.openxmlformats.org/presentationml/2006/main" xmlns:c="http://schemas.openxmlformats.org/drawingml/2006/chart" xmlns:dgm="http://schemas.openxmlformats.org/drawingml/2006/diagram" xmlns:o="urn:schemas-microsoft-com:office:office" xmlns:v="urn:schemas-microsoft-com:vml" xmlns:pvml="urn:schemas-microsoft-com:office:powerpoint" xmlns:com="http://schemas.openxmlformats.org/drawingml/2006/compatibility" xmlns:p14="http://schemas.microsoft.com/office/powerpoint/2010/main">
+<p:sld xmlns:a="http://schemas.openxmlformats.org/drawingml/2006/main" xmlns:r="http://schemas.openxmlformats.org/officeDocument/2006/relationships" xmlns:p="http://schemas.openxmlformats.org/presentationml/2006/main">
   <p:cSld>
     <p:spTree>
       <p:nvGrpSpPr>
-        <p:cNvPr id="52" name="Shape 52"/>
+        <p:cNvPr id="1" name="Shape 52"/>
         <p:cNvGrpSpPr/>
         <p:nvPr/>
       </p:nvGrpSpPr>
       <p:grpSpPr>
         <a:xfrm>
-          <a:off y="0" x="0"/>
-          <a:ext cy="0" cx="0"/>
-          <a:chOff y="0" x="0"/>
-          <a:chExt cy="0" cx="0"/>
+          <a:off x="0" y="0"/>
+          <a:ext cx="0" cy="0"/>
+          <a:chOff x="0" y="0"/>
+          <a:chExt cx="0" cy="0"/>
         </a:xfrm>
       </p:grpSpPr>
       <p:pic>
@@ -4498,15 +5400,15 @@
           <p:nvPr/>
         </p:nvPicPr>
         <p:blipFill>
-          <a:blip r:embed="rId4"/>
+          <a:blip r:embed="rId3"/>
           <a:stretch>
             <a:fillRect/>
           </a:stretch>
         </p:blipFill>
         <p:spPr>
           <a:xfrm>
-            <a:off y="0" x="0"/>
-            <a:ext cy="5143500" cx="9144001"/>
+            <a:off x="0" y="0"/>
+            <a:ext cx="9144001" cy="5143500"/>
           </a:xfrm>
           <a:prstGeom prst="rect">
             <a:avLst/>
@@ -4525,24 +5427,24 @@
         </p:nvSpPr>
         <p:spPr>
           <a:xfrm>
-            <a:off y="771825" x="2611525"/>
-            <a:ext cy="857400" cx="6399300"/>
+            <a:off x="2611525" y="771825"/>
+            <a:ext cx="6399300" cy="857400"/>
           </a:xfrm>
           <a:prstGeom prst="rect">
             <a:avLst/>
           </a:prstGeom>
         </p:spPr>
         <p:txBody>
-          <a:bodyPr bIns="91425" rIns="91425" lIns="91425" tIns="91425" anchor="b" anchorCtr="0">
+          <a:bodyPr lIns="91425" tIns="91425" rIns="91425" bIns="91425" anchor="b" anchorCtr="0">
             <a:noAutofit/>
           </a:bodyPr>
           <a:lstStyle/>
           <a:p>
-            <a:pPr algn="r" rtl="0" lvl="0">
+            <a:pPr lvl="0" algn="r" rtl="0">
               <a:buNone/>
             </a:pPr>
             <a:r>
-              <a:rPr b="1" sz="6000" lang="en">
+              <a:rPr lang="en" sz="6000" b="1">
                 <a:solidFill>
                   <a:srgbClr val="46C7B6"/>
                 </a:solidFill>
@@ -4564,24 +5466,31 @@
   <p:transition spd="slow">
     <p:cut/>
   </p:transition>
+  <p:timing>
+    <p:tnLst>
+      <p:par>
+        <p:cTn id="1" dur="indefinite" restart="never" nodeType="tmRoot"/>
+      </p:par>
+    </p:tnLst>
+  </p:timing>
 </p:sld>
 </file>
 
 <file path=ppt/slides/slide6.xml><?xml version="1.0" encoding="utf-8"?>
-<p:sld xmlns:a="http://schemas.openxmlformats.org/drawingml/2006/main" xmlns:r="http://schemas.openxmlformats.org/officeDocument/2006/relationships" xmlns:mc="http://schemas.openxmlformats.org/markup-compatibility/2006" xmlns:mv="urn:schemas-microsoft-com:mac:vml" xmlns:p="http://schemas.openxmlformats.org/presentationml/2006/main" xmlns:c="http://schemas.openxmlformats.org/drawingml/2006/chart" xmlns:dgm="http://schemas.openxmlformats.org/drawingml/2006/diagram" xmlns:o="urn:schemas-microsoft-com:office:office" xmlns:v="urn:schemas-microsoft-com:vml" xmlns:pvml="urn:schemas-microsoft-com:office:powerpoint" xmlns:com="http://schemas.openxmlformats.org/drawingml/2006/compatibility" xmlns:p14="http://schemas.microsoft.com/office/powerpoint/2010/main">
+<p:sld xmlns:a="http://schemas.openxmlformats.org/drawingml/2006/main" xmlns:r="http://schemas.openxmlformats.org/officeDocument/2006/relationships" xmlns:p="http://schemas.openxmlformats.org/presentationml/2006/main">
   <p:cSld>
     <p:spTree>
       <p:nvGrpSpPr>
-        <p:cNvPr id="58" name="Shape 58"/>
+        <p:cNvPr id="1" name="Shape 58"/>
         <p:cNvGrpSpPr/>
         <p:nvPr/>
       </p:nvGrpSpPr>
       <p:grpSpPr>
         <a:xfrm>
-          <a:off y="0" x="0"/>
-          <a:ext cy="0" cx="0"/>
-          <a:chOff y="0" x="0"/>
-          <a:chExt cy="0" cx="0"/>
+          <a:off x="0" y="0"/>
+          <a:ext cx="0" cy="0"/>
+          <a:chOff x="0" y="0"/>
+          <a:chExt cx="0" cy="0"/>
         </a:xfrm>
       </p:grpSpPr>
       <p:pic>
@@ -4591,15 +5500,15 @@
           <p:nvPr/>
         </p:nvPicPr>
         <p:blipFill>
-          <a:blip r:embed="rId4"/>
+          <a:blip r:embed="rId3"/>
           <a:stretch>
             <a:fillRect/>
           </a:stretch>
         </p:blipFill>
         <p:spPr>
           <a:xfrm>
-            <a:off y="0" x="0"/>
-            <a:ext cy="5143499" cx="9144000"/>
+            <a:off x="0" y="0"/>
+            <a:ext cx="9144000" cy="5143499"/>
           </a:xfrm>
           <a:prstGeom prst="rect">
             <a:avLst/>
@@ -4618,8 +5527,8 @@
         </p:nvSpPr>
         <p:spPr>
           <a:xfrm>
-            <a:off y="0" x="0"/>
-            <a:ext cy="5143499" cx="9144000"/>
+            <a:off x="0" y="0"/>
+            <a:ext cx="9144000" cy="5143499"/>
           </a:xfrm>
           <a:prstGeom prst="rect">
             <a:avLst/>
@@ -4634,11 +5543,13 @@
           </a:ln>
         </p:spPr>
         <p:txBody>
-          <a:bodyPr bIns="91425" rIns="91425" lIns="91425" tIns="91425" anchor="ctr" anchorCtr="0">
+          <a:bodyPr lIns="91425" tIns="91425" rIns="91425" bIns="91425" anchor="ctr" anchorCtr="0">
             <a:noAutofit/>
           </a:bodyPr>
           <a:lstStyle/>
-          <a:p/>
+          <a:p>
+            <a:endParaRPr/>
+          </a:p>
         </p:txBody>
       </p:sp>
       <p:sp>
@@ -4649,24 +5560,24 @@
         </p:nvSpPr>
         <p:spPr>
           <a:xfrm>
-            <a:off y="3848075" x="2709750"/>
-            <a:ext cy="1006500" cx="6612899"/>
+            <a:off x="2709750" y="3848075"/>
+            <a:ext cx="6612899" cy="1006500"/>
           </a:xfrm>
           <a:prstGeom prst="rect">
             <a:avLst/>
           </a:prstGeom>
         </p:spPr>
         <p:txBody>
-          <a:bodyPr bIns="91425" rIns="91425" lIns="91425" tIns="91425" anchor="t" anchorCtr="0">
+          <a:bodyPr lIns="91425" tIns="91425" rIns="91425" bIns="91425" anchor="t" anchorCtr="0">
             <a:noAutofit/>
           </a:bodyPr>
           <a:lstStyle/>
           <a:p>
-            <a:pPr algn="ctr" rtl="0" lvl="0">
+            <a:pPr lvl="0" algn="ctr" rtl="0">
               <a:buNone/>
             </a:pPr>
             <a:r>
-              <a:rPr b="1" sz="5000" lang="en">
+              <a:rPr lang="en" sz="5000" b="1">
                 <a:solidFill>
                   <a:srgbClr val="FCAD36"/>
                 </a:solidFill>
@@ -4679,14 +5590,26 @@
             </a:r>
           </a:p>
           <a:p>
-            <a:r>
-              <a:t/>
-            </a:r>
-          </a:p>
-          <a:p>
-            <a:r>
-              <a:t/>
-            </a:r>
+            <a:endParaRPr lang="en" sz="5000" b="1">
+              <a:solidFill>
+                <a:srgbClr val="FCAD36"/>
+              </a:solidFill>
+              <a:latin typeface="Arvo"/>
+              <a:ea typeface="Arvo"/>
+              <a:cs typeface="Arvo"/>
+              <a:sym typeface="Arvo"/>
+            </a:endParaRPr>
+          </a:p>
+          <a:p>
+            <a:endParaRPr lang="en" sz="5000" b="1">
+              <a:solidFill>
+                <a:srgbClr val="FCAD36"/>
+              </a:solidFill>
+              <a:latin typeface="Arvo"/>
+              <a:ea typeface="Arvo"/>
+              <a:cs typeface="Arvo"/>
+              <a:sym typeface="Arvo"/>
+            </a:endParaRPr>
           </a:p>
         </p:txBody>
       </p:sp>
@@ -4698,20 +5621,20 @@
         </p:nvSpPr>
         <p:spPr>
           <a:xfrm>
-            <a:off y="3848075" x="2709750"/>
-            <a:ext cy="842400" cx="715199"/>
+            <a:off x="2709750" y="3848075"/>
+            <a:ext cx="715199" cy="842400"/>
           </a:xfrm>
           <a:prstGeom prst="rect">
             <a:avLst/>
           </a:prstGeom>
         </p:spPr>
         <p:txBody>
-          <a:bodyPr bIns="91425" rIns="91425" lIns="91425" tIns="91425" anchor="t" anchorCtr="0">
+          <a:bodyPr lIns="91425" tIns="91425" rIns="91425" bIns="91425" anchor="t" anchorCtr="0">
             <a:noAutofit/>
           </a:bodyPr>
           <a:lstStyle/>
           <a:p>
-            <a:pPr rtl="0" lvl="0">
+            <a:pPr lvl="0" rtl="0">
               <a:buClr>
                 <a:srgbClr val="000000"/>
               </a:buClr>
@@ -4720,7 +5643,7 @@
               <a:buNone/>
             </a:pPr>
             <a:r>
-              <a:rPr b="1" sz="5000" lang="en">
+              <a:rPr lang="en" sz="5000" b="1">
                 <a:solidFill>
                   <a:srgbClr val="FCAD36"/>
                 </a:solidFill>
@@ -4742,24 +5665,24 @@
         </p:nvSpPr>
         <p:spPr>
           <a:xfrm>
-            <a:off y="3848075" x="503675"/>
-            <a:ext cy="1154100" cx="2695200"/>
+            <a:off x="503675" y="3848075"/>
+            <a:ext cx="2695200" cy="1154100"/>
           </a:xfrm>
           <a:prstGeom prst="rect">
             <a:avLst/>
           </a:prstGeom>
         </p:spPr>
         <p:txBody>
-          <a:bodyPr bIns="91425" rIns="91425" lIns="91425" tIns="91425" anchor="t" anchorCtr="0">
+          <a:bodyPr lIns="91425" tIns="91425" rIns="91425" bIns="91425" anchor="t" anchorCtr="0">
             <a:noAutofit/>
           </a:bodyPr>
           <a:lstStyle/>
           <a:p>
-            <a:pPr rtl="0" lvl="0">
+            <a:pPr lvl="0" rtl="0">
               <a:buNone/>
             </a:pPr>
             <a:r>
-              <a:rPr b="1" sz="5000" lang="en">
+              <a:rPr lang="en" sz="5000" b="1">
                 <a:solidFill>
                   <a:srgbClr val="FCAD36"/>
                 </a:solidFill>
@@ -4781,31 +5704,39 @@
   <p:transition spd="slow">
     <p:cut/>
   </p:transition>
+  <p:timing>
+    <p:tnLst>
+      <p:par>
+        <p:cTn id="1" dur="indefinite" restart="never" nodeType="tmRoot"/>
+      </p:par>
+    </p:tnLst>
+  </p:timing>
 </p:sld>
 </file>
 
 <file path=ppt/slides/slide7.xml><?xml version="1.0" encoding="utf-8"?>
-<p:sld xmlns:a="http://schemas.openxmlformats.org/drawingml/2006/main" xmlns:r="http://schemas.openxmlformats.org/officeDocument/2006/relationships" xmlns:mc="http://schemas.openxmlformats.org/markup-compatibility/2006" xmlns:mv="urn:schemas-microsoft-com:mac:vml" xmlns:p="http://schemas.openxmlformats.org/presentationml/2006/main" xmlns:c="http://schemas.openxmlformats.org/drawingml/2006/chart" xmlns:dgm="http://schemas.openxmlformats.org/drawingml/2006/diagram" xmlns:o="urn:schemas-microsoft-com:office:office" xmlns:v="urn:schemas-microsoft-com:vml" xmlns:pvml="urn:schemas-microsoft-com:office:powerpoint" xmlns:com="http://schemas.openxmlformats.org/drawingml/2006/compatibility" xmlns:p14="http://schemas.microsoft.com/office/powerpoint/2010/main">
+<p:sld xmlns:a="http://schemas.openxmlformats.org/drawingml/2006/main" xmlns:r="http://schemas.openxmlformats.org/officeDocument/2006/relationships" xmlns:p="http://schemas.openxmlformats.org/presentationml/2006/main">
   <p:cSld>
     <p:bg>
       <p:bgPr>
         <a:solidFill>
           <a:srgbClr val="FFFFFF"/>
         </a:solidFill>
+        <a:effectLst/>
       </p:bgPr>
     </p:bg>
     <p:spTree>
       <p:nvGrpSpPr>
-        <p:cNvPr id="67" name="Shape 67"/>
+        <p:cNvPr id="1" name="Shape 67"/>
         <p:cNvGrpSpPr/>
         <p:nvPr/>
       </p:nvGrpSpPr>
       <p:grpSpPr>
         <a:xfrm>
-          <a:off y="0" x="0"/>
-          <a:ext cy="0" cx="0"/>
-          <a:chOff y="0" x="0"/>
-          <a:chExt cy="0" cx="0"/>
+          <a:off x="0" y="0"/>
+          <a:ext cx="0" cy="0"/>
+          <a:chOff x="0" y="0"/>
+          <a:chExt cx="0" cy="0"/>
         </a:xfrm>
       </p:grpSpPr>
       <p:pic>
@@ -4815,15 +5746,15 @@
           <p:nvPr/>
         </p:nvPicPr>
         <p:blipFill>
-          <a:blip r:embed="rId4"/>
+          <a:blip r:embed="rId3"/>
           <a:stretch>
             <a:fillRect/>
           </a:stretch>
         </p:blipFill>
         <p:spPr>
           <a:xfrm>
-            <a:off y="0" x="0"/>
-            <a:ext cy="5143499" cx="9143999"/>
+            <a:off x="0" y="0"/>
+            <a:ext cx="9143999" cy="5143499"/>
           </a:xfrm>
           <a:prstGeom prst="rect">
             <a:avLst/>
@@ -4842,24 +5773,24 @@
         </p:nvSpPr>
         <p:spPr>
           <a:xfrm>
-            <a:off y="829575" x="1368300"/>
-            <a:ext cy="857400" cx="6407399"/>
+            <a:off x="1368300" y="829575"/>
+            <a:ext cx="6407399" cy="857400"/>
           </a:xfrm>
           <a:prstGeom prst="rect">
             <a:avLst/>
           </a:prstGeom>
         </p:spPr>
         <p:txBody>
-          <a:bodyPr bIns="91425" rIns="91425" lIns="91425" tIns="91425" anchor="b" anchorCtr="0">
+          <a:bodyPr lIns="91425" tIns="91425" rIns="91425" bIns="91425" anchor="b" anchorCtr="0">
             <a:noAutofit/>
           </a:bodyPr>
           <a:lstStyle/>
           <a:p>
-            <a:pPr algn="ctr" rtl="0" lvl="0">
+            <a:pPr lvl="0" algn="ctr" rtl="0">
               <a:buNone/>
             </a:pPr>
             <a:r>
-              <a:rPr b="1" sz="6600" lang="en">
+              <a:rPr lang="en" sz="6600" b="1">
                 <a:solidFill>
                   <a:srgbClr val="CB0000"/>
                 </a:solidFill>
@@ -4881,24 +5812,31 @@
   <p:transition spd="slow">
     <p:cut/>
   </p:transition>
+  <p:timing>
+    <p:tnLst>
+      <p:par>
+        <p:cTn id="1" dur="indefinite" restart="never" nodeType="tmRoot"/>
+      </p:par>
+    </p:tnLst>
+  </p:timing>
 </p:sld>
 </file>
 
 <file path=ppt/slides/slide8.xml><?xml version="1.0" encoding="utf-8"?>
-<p:sld xmlns:a="http://schemas.openxmlformats.org/drawingml/2006/main" xmlns:r="http://schemas.openxmlformats.org/officeDocument/2006/relationships" xmlns:mc="http://schemas.openxmlformats.org/markup-compatibility/2006" xmlns:mv="urn:schemas-microsoft-com:mac:vml" xmlns:p="http://schemas.openxmlformats.org/presentationml/2006/main" xmlns:c="http://schemas.openxmlformats.org/drawingml/2006/chart" xmlns:dgm="http://schemas.openxmlformats.org/drawingml/2006/diagram" xmlns:o="urn:schemas-microsoft-com:office:office" xmlns:v="urn:schemas-microsoft-com:vml" xmlns:pvml="urn:schemas-microsoft-com:office:powerpoint" xmlns:com="http://schemas.openxmlformats.org/drawingml/2006/compatibility" xmlns:p14="http://schemas.microsoft.com/office/powerpoint/2010/main">
+<p:sld xmlns:a="http://schemas.openxmlformats.org/drawingml/2006/main" xmlns:r="http://schemas.openxmlformats.org/officeDocument/2006/relationships" xmlns:p="http://schemas.openxmlformats.org/presentationml/2006/main">
   <p:cSld>
     <p:spTree>
       <p:nvGrpSpPr>
-        <p:cNvPr id="73" name="Shape 73"/>
+        <p:cNvPr id="1" name="Shape 73"/>
         <p:cNvGrpSpPr/>
         <p:nvPr/>
       </p:nvGrpSpPr>
       <p:grpSpPr>
         <a:xfrm>
-          <a:off y="0" x="0"/>
-          <a:ext cy="0" cx="0"/>
-          <a:chOff y="0" x="0"/>
-          <a:chExt cy="0" cx="0"/>
+          <a:off x="0" y="0"/>
+          <a:ext cx="0" cy="0"/>
+          <a:chOff x="0" y="0"/>
+          <a:chExt cx="0" cy="0"/>
         </a:xfrm>
       </p:grpSpPr>
       <p:pic>
@@ -4908,15 +5846,15 @@
           <p:nvPr/>
         </p:nvPicPr>
         <p:blipFill>
-          <a:blip r:embed="rId4"/>
+          <a:blip r:embed="rId3"/>
           <a:stretch>
             <a:fillRect/>
           </a:stretch>
         </p:blipFill>
         <p:spPr>
           <a:xfrm>
-            <a:off y="25" x="25"/>
-            <a:ext cy="5143500" cx="9144000"/>
+            <a:off x="25" y="25"/>
+            <a:ext cx="9144000" cy="5143500"/>
           </a:xfrm>
           <a:prstGeom prst="rect">
             <a:avLst/>
@@ -4935,24 +5873,24 @@
         </p:nvSpPr>
         <p:spPr>
           <a:xfrm>
-            <a:off y="422750" x="5671025"/>
-            <a:ext cy="1623300" cx="3289800"/>
+            <a:off x="5671025" y="422750"/>
+            <a:ext cx="3289800" cy="1623300"/>
           </a:xfrm>
           <a:prstGeom prst="rect">
             <a:avLst/>
           </a:prstGeom>
         </p:spPr>
         <p:txBody>
-          <a:bodyPr bIns="91425" rIns="91425" lIns="91425" tIns="91425" anchor="b" anchorCtr="0">
+          <a:bodyPr lIns="91425" tIns="91425" rIns="91425" bIns="91425" anchor="b" anchorCtr="0">
             <a:noAutofit/>
           </a:bodyPr>
           <a:lstStyle/>
           <a:p>
-            <a:pPr rtl="0" lvl="0">
+            <a:pPr lvl="0" rtl="0">
               <a:buNone/>
             </a:pPr>
             <a:r>
-              <a:rPr b="1" sz="5500" lang="en">
+              <a:rPr lang="en" sz="5500" b="1">
                 <a:solidFill>
                   <a:srgbClr val="FFFFFF"/>
                 </a:solidFill>
@@ -4965,11 +5903,11 @@
             </a:r>
           </a:p>
           <a:p>
-            <a:pPr rtl="0" lvl="0">
+            <a:pPr lvl="0" rtl="0">
               <a:buNone/>
             </a:pPr>
             <a:r>
-              <a:rPr b="1" sz="5500" lang="en">
+              <a:rPr lang="en" sz="5500" b="1">
                 <a:solidFill>
                   <a:srgbClr val="FFFFFF"/>
                 </a:solidFill>
@@ -4991,11 +5929,18 @@
   <p:transition spd="slow">
     <p:cut/>
   </p:transition>
+  <p:timing>
+    <p:tnLst>
+      <p:par>
+        <p:cTn id="1" dur="indefinite" restart="never" nodeType="tmRoot"/>
+      </p:par>
+    </p:tnLst>
+  </p:timing>
 </p:sld>
 </file>
 
 <file path=ppt/theme/theme1.xml><?xml version="1.0" encoding="utf-8"?>
-<a:theme xmlns:a="http://schemas.openxmlformats.org/drawingml/2006/main" xmlns:r="http://schemas.openxmlformats.org/officeDocument/2006/relationships" name="simple-light">
+<a:theme xmlns:a="http://schemas.openxmlformats.org/drawingml/2006/main" name="simple-light">
   <a:themeElements>
     <a:clrScheme name="Custom 347">
       <a:dk1>
@@ -5040,69 +5985,69 @@
         <a:latin typeface="Arial"/>
         <a:ea typeface=""/>
         <a:cs typeface=""/>
-        <a:font typeface="ＭＳ Ｐゴシック" script="Jpan"/>
-        <a:font typeface="맑은 고딕" script="Hang"/>
-        <a:font typeface="宋体" script="Hans"/>
-        <a:font typeface="新細明體" script="Hant"/>
-        <a:font typeface="Times New Roman" script="Arab"/>
-        <a:font typeface="Times New Roman" script="Hebr"/>
-        <a:font typeface="Angsana New" script="Thai"/>
-        <a:font typeface="Nyala" script="Ethi"/>
-        <a:font typeface="Vrinda" script="Beng"/>
-        <a:font typeface="Shruti" script="Gujr"/>
-        <a:font typeface="MoolBoran" script="Khmr"/>
-        <a:font typeface="Tunga" script="Knda"/>
-        <a:font typeface="Raavi" script="Guru"/>
-        <a:font typeface="Euphemia" script="Cans"/>
-        <a:font typeface="Plantagenet Cherokee" script="Cher"/>
-        <a:font typeface="Microsoft Yi Baiti" script="Yiii"/>
-        <a:font typeface="Microsoft Himalaya" script="Tibt"/>
-        <a:font typeface="MV Boli" script="Thaa"/>
-        <a:font typeface="Mangal" script="Deva"/>
-        <a:font typeface="Gautami" script="Telu"/>
-        <a:font typeface="Latha" script="Taml"/>
-        <a:font typeface="Estrangelo Edessa" script="Syrc"/>
-        <a:font typeface="Kalinga" script="Orya"/>
-        <a:font typeface="Kartika" script="Mlym"/>
-        <a:font typeface="DokChampa" script="Laoo"/>
-        <a:font typeface="Iskoola Pota" script="Sinh"/>
-        <a:font typeface="Mongolian Baiti" script="Mong"/>
-        <a:font typeface="Times New Roman" script="Viet"/>
-        <a:font typeface="Microsoft Uighur" script="Uigh"/>
+        <a:font script="Jpan" typeface="ＭＳ Ｐゴシック"/>
+        <a:font script="Hang" typeface="맑은 고딕"/>
+        <a:font script="Hans" typeface="宋体"/>
+        <a:font script="Hant" typeface="新細明體"/>
+        <a:font script="Arab" typeface="Times New Roman"/>
+        <a:font script="Hebr" typeface="Times New Roman"/>
+        <a:font script="Thai" typeface="Angsana New"/>
+        <a:font script="Ethi" typeface="Nyala"/>
+        <a:font script="Beng" typeface="Vrinda"/>
+        <a:font script="Gujr" typeface="Shruti"/>
+        <a:font script="Khmr" typeface="MoolBoran"/>
+        <a:font script="Knda" typeface="Tunga"/>
+        <a:font script="Guru" typeface="Raavi"/>
+        <a:font script="Cans" typeface="Euphemia"/>
+        <a:font script="Cher" typeface="Plantagenet Cherokee"/>
+        <a:font script="Yiii" typeface="Microsoft Yi Baiti"/>
+        <a:font script="Tibt" typeface="Microsoft Himalaya"/>
+        <a:font script="Thaa" typeface="MV Boli"/>
+        <a:font script="Deva" typeface="Mangal"/>
+        <a:font script="Telu" typeface="Gautami"/>
+        <a:font script="Taml" typeface="Latha"/>
+        <a:font script="Syrc" typeface="Estrangelo Edessa"/>
+        <a:font script="Orya" typeface="Kalinga"/>
+        <a:font script="Mlym" typeface="Kartika"/>
+        <a:font script="Laoo" typeface="DokChampa"/>
+        <a:font script="Sinh" typeface="Iskoola Pota"/>
+        <a:font script="Mong" typeface="Mongolian Baiti"/>
+        <a:font script="Viet" typeface="Times New Roman"/>
+        <a:font script="Uigh" typeface="Microsoft Uighur"/>
       </a:majorFont>
       <a:minorFont>
         <a:latin typeface="Arial"/>
         <a:ea typeface=""/>
         <a:cs typeface=""/>
-        <a:font typeface="ＭＳ Ｐゴシック" script="Jpan"/>
-        <a:font typeface="맑은 고딕" script="Hang"/>
-        <a:font typeface="宋体" script="Hans"/>
-        <a:font typeface="新細明體" script="Hant"/>
-        <a:font typeface="Arial" script="Arab"/>
-        <a:font typeface="Arial" script="Hebr"/>
-        <a:font typeface="Cordia New" script="Thai"/>
-        <a:font typeface="Nyala" script="Ethi"/>
-        <a:font typeface="Vrinda" script="Beng"/>
-        <a:font typeface="Shruti" script="Gujr"/>
-        <a:font typeface="DaunPenh" script="Khmr"/>
-        <a:font typeface="Tunga" script="Knda"/>
-        <a:font typeface="Raavi" script="Guru"/>
-        <a:font typeface="Euphemia" script="Cans"/>
-        <a:font typeface="Plantagenet Cherokee" script="Cher"/>
-        <a:font typeface="Microsoft Yi Baiti" script="Yiii"/>
-        <a:font typeface="Microsoft Himalaya" script="Tibt"/>
-        <a:font typeface="MV Boli" script="Thaa"/>
-        <a:font typeface="Mangal" script="Deva"/>
-        <a:font typeface="Gautami" script="Telu"/>
-        <a:font typeface="Latha" script="Taml"/>
-        <a:font typeface="Estrangelo Edessa" script="Syrc"/>
-        <a:font typeface="Kalinga" script="Orya"/>
-        <a:font typeface="Kartika" script="Mlym"/>
-        <a:font typeface="DokChampa" script="Laoo"/>
-        <a:font typeface="Iskoola Pota" script="Sinh"/>
-        <a:font typeface="Mongolian Baiti" script="Mong"/>
-        <a:font typeface="Arial" script="Viet"/>
-        <a:font typeface="Microsoft Uighur" script="Uigh"/>
+        <a:font script="Jpan" typeface="ＭＳ Ｐゴシック"/>
+        <a:font script="Hang" typeface="맑은 고딕"/>
+        <a:font script="Hans" typeface="宋体"/>
+        <a:font script="Hant" typeface="新細明體"/>
+        <a:font script="Arab" typeface="Arial"/>
+        <a:font script="Hebr" typeface="Arial"/>
+        <a:font script="Thai" typeface="Cordia New"/>
+        <a:font script="Ethi" typeface="Nyala"/>
+        <a:font script="Beng" typeface="Vrinda"/>
+        <a:font script="Gujr" typeface="Shruti"/>
+        <a:font script="Khmr" typeface="DaunPenh"/>
+        <a:font script="Knda" typeface="Tunga"/>
+        <a:font script="Guru" typeface="Raavi"/>
+        <a:font script="Cans" typeface="Euphemia"/>
+        <a:font script="Cher" typeface="Plantagenet Cherokee"/>
+        <a:font script="Yiii" typeface="Microsoft Yi Baiti"/>
+        <a:font script="Tibt" typeface="Microsoft Himalaya"/>
+        <a:font script="Thaa" typeface="MV Boli"/>
+        <a:font script="Deva" typeface="Mangal"/>
+        <a:font script="Telu" typeface="Gautami"/>
+        <a:font script="Taml" typeface="Latha"/>
+        <a:font script="Syrc" typeface="Estrangelo Edessa"/>
+        <a:font script="Orya" typeface="Kalinga"/>
+        <a:font script="Mlym" typeface="Kartika"/>
+        <a:font script="Laoo" typeface="DokChampa"/>
+        <a:font script="Sinh" typeface="Iskoola Pota"/>
+        <a:font script="Mong" typeface="Mongolian Baiti"/>
+        <a:font script="Viet" typeface="Arial"/>
+        <a:font script="Uigh" typeface="Microsoft Uighur"/>
       </a:minorFont>
     </a:fontScheme>
     <a:fmtScheme name="Office">
@@ -5154,7 +6099,7 @@
         </a:gradFill>
       </a:fillStyleLst>
       <a:lnStyleLst>
-        <a:ln w="9525" algn="ctr" cap="flat" cmpd="sng">
+        <a:ln w="9525" cap="flat" cmpd="sng" algn="ctr">
           <a:solidFill>
             <a:schemeClr val="phClr">
               <a:shade val="95000"/>
@@ -5163,13 +6108,13 @@
           </a:solidFill>
           <a:prstDash val="solid"/>
         </a:ln>
-        <a:ln w="25400" algn="ctr" cap="flat" cmpd="sng">
+        <a:ln w="25400" cap="flat" cmpd="sng" algn="ctr">
           <a:solidFill>
             <a:schemeClr val="phClr"/>
           </a:solidFill>
           <a:prstDash val="solid"/>
         </a:ln>
-        <a:ln w="38100" algn="ctr" cap="flat" cmpd="sng">
+        <a:ln w="38100" cap="flat" cmpd="sng" algn="ctr">
           <a:solidFill>
             <a:schemeClr val="phClr"/>
           </a:solidFill>
@@ -5179,7 +6124,7 @@
       <a:effectStyleLst>
         <a:effectStyle>
           <a:effectLst>
-            <a:outerShdw rotWithShape="0" dir="5400000" blurRad="40000" dist="20000">
+            <a:outerShdw blurRad="40000" dist="20000" dir="5400000" rotWithShape="0">
               <a:srgbClr val="000000">
                 <a:alpha val="38000"/>
               </a:srgbClr>
@@ -5188,7 +6133,7 @@
         </a:effectStyle>
         <a:effectStyle>
           <a:effectLst>
-            <a:outerShdw rotWithShape="0" dir="5400000" blurRad="40000" dist="23000">
+            <a:outerShdw blurRad="40000" dist="23000" dir="5400000" rotWithShape="0">
               <a:srgbClr val="000000">
                 <a:alpha val="35000"/>
               </a:srgbClr>
@@ -5197,7 +6142,7 @@
         </a:effectStyle>
         <a:effectStyle>
           <a:effectLst>
-            <a:outerShdw rotWithShape="0" dir="5400000" blurRad="40000" dist="23000">
+            <a:outerShdw blurRad="40000" dist="23000" dir="5400000" rotWithShape="0">
               <a:srgbClr val="000000">
                 <a:alpha val="35000"/>
               </a:srgbClr>
@@ -5205,10 +6150,10 @@
           </a:effectLst>
           <a:scene3d>
             <a:camera prst="orthographicFront">
-              <a:rot rev="0" lon="0" lat="0"/>
+              <a:rot lat="0" lon="0" rev="0"/>
             </a:camera>
-            <a:lightRig dir="t" rig="threePt">
-              <a:rot rev="1200000" lon="0" lat="0"/>
+            <a:lightRig rig="threePt" dir="t">
+              <a:rot lat="0" lon="0" rev="1200000"/>
             </a:lightRig>
           </a:scene3d>
           <a:sp3d>
@@ -5243,7 +6188,7 @@
             </a:gs>
           </a:gsLst>
           <a:path path="circle">
-            <a:fillToRect t="-80000" b="180000" r="50000" l="50000"/>
+            <a:fillToRect l="50000" t="-80000" r="50000" b="180000"/>
           </a:path>
         </a:gradFill>
         <a:gradFill rotWithShape="1">
@@ -5262,54 +6207,56 @@
             </a:gs>
           </a:gsLst>
           <a:path path="circle">
-            <a:fillToRect t="50000" b="50000" r="50000" l="50000"/>
+            <a:fillToRect l="50000" t="50000" r="50000" b="50000"/>
           </a:path>
         </a:gradFill>
       </a:bgFillStyleLst>
     </a:fmtScheme>
   </a:themeElements>
+  <a:objectDefaults/>
+  <a:extraClrSchemeLst/>
 </a:theme>
 </file>
 
 <file path=ppt/theme/theme2.xml><?xml version="1.0" encoding="utf-8"?>
-<a:theme xmlns:a="http://schemas.openxmlformats.org/drawingml/2006/main" xmlns:r="http://schemas.openxmlformats.org/officeDocument/2006/relationships" name="Office Theme">
+<a:theme xmlns:a="http://schemas.openxmlformats.org/drawingml/2006/main" name="Custom Theme">
   <a:themeElements>
-    <a:clrScheme name="Office">
+    <a:clrScheme name="Default">
       <a:dk1>
-        <a:sysClr val="windowText" lastClr="000000"/>
+        <a:srgbClr val="000000"/>
       </a:dk1>
       <a:lt1>
-        <a:sysClr val="window" lastClr="FFFFFF"/>
+        <a:srgbClr val="FFFFFF"/>
       </a:lt1>
       <a:dk2>
-        <a:srgbClr val="1F497D"/>
+        <a:srgbClr val="158158"/>
       </a:dk2>
       <a:lt2>
-        <a:srgbClr val="EEECE1"/>
+        <a:srgbClr val="F3F3F3"/>
       </a:lt2>
       <a:accent1>
-        <a:srgbClr val="4F81BD"/>
+        <a:srgbClr val="058DC7"/>
       </a:accent1>
       <a:accent2>
-        <a:srgbClr val="C0504D"/>
+        <a:srgbClr val="50B432"/>
       </a:accent2>
       <a:accent3>
-        <a:srgbClr val="9BBB59"/>
+        <a:srgbClr val="ED561B"/>
       </a:accent3>
       <a:accent4>
-        <a:srgbClr val="8064A2"/>
+        <a:srgbClr val="EDEF00"/>
       </a:accent4>
       <a:accent5>
-        <a:srgbClr val="4BACC6"/>
+        <a:srgbClr val="24CBE5"/>
       </a:accent5>
       <a:accent6>
-        <a:srgbClr val="F79646"/>
+        <a:srgbClr val="64E572"/>
       </a:accent6>
       <a:hlink>
-        <a:srgbClr val="0000FF"/>
+        <a:srgbClr val="2200CC"/>
       </a:hlink>
       <a:folHlink>
-        <a:srgbClr val="800080"/>
+        <a:srgbClr val="551A8B"/>
       </a:folHlink>
     </a:clrScheme>
     <a:fontScheme name="Office">
@@ -5317,69 +6264,69 @@
         <a:latin typeface="Arial"/>
         <a:ea typeface=""/>
         <a:cs typeface=""/>
-        <a:font typeface="ＭＳ Ｐゴシック" script="Jpan"/>
-        <a:font typeface="맑은 고딕" script="Hang"/>
-        <a:font typeface="宋体" script="Hans"/>
-        <a:font typeface="新細明體" script="Hant"/>
-        <a:font typeface="Times New Roman" script="Arab"/>
-        <a:font typeface="Times New Roman" script="Hebr"/>
-        <a:font typeface="Angsana New" script="Thai"/>
-        <a:font typeface="Nyala" script="Ethi"/>
-        <a:font typeface="Vrinda" script="Beng"/>
-        <a:font typeface="Shruti" script="Gujr"/>
-        <a:font typeface="MoolBoran" script="Khmr"/>
-        <a:font typeface="Tunga" script="Knda"/>
-        <a:font typeface="Raavi" script="Guru"/>
-        <a:font typeface="Euphemia" script="Cans"/>
-        <a:font typeface="Plantagenet Cherokee" script="Cher"/>
-        <a:font typeface="Microsoft Yi Baiti" script="Yiii"/>
-        <a:font typeface="Microsoft Himalaya" script="Tibt"/>
-        <a:font typeface="MV Boli" script="Thaa"/>
-        <a:font typeface="Mangal" script="Deva"/>
-        <a:font typeface="Gautami" script="Telu"/>
-        <a:font typeface="Latha" script="Taml"/>
-        <a:font typeface="Estrangelo Edessa" script="Syrc"/>
-        <a:font typeface="Kalinga" script="Orya"/>
-        <a:font typeface="Kartika" script="Mlym"/>
-        <a:font typeface="DokChampa" script="Laoo"/>
-        <a:font typeface="Iskoola Pota" script="Sinh"/>
-        <a:font typeface="Mongolian Baiti" script="Mong"/>
-        <a:font typeface="Times New Roman" script="Viet"/>
-        <a:font typeface="Microsoft Uighur" script="Uigh"/>
+        <a:font script="Jpan" typeface="ＭＳ Ｐゴシック"/>
+        <a:font script="Hang" typeface="맑은 고딕"/>
+        <a:font script="Hans" typeface="宋体"/>
+        <a:font script="Hant" typeface="新細明體"/>
+        <a:font script="Arab" typeface="Times New Roman"/>
+        <a:font script="Hebr" typeface="Times New Roman"/>
+        <a:font script="Thai" typeface="Angsana New"/>
+        <a:font script="Ethi" typeface="Nyala"/>
+        <a:font script="Beng" typeface="Vrinda"/>
+        <a:font script="Gujr" typeface="Shruti"/>
+        <a:font script="Khmr" typeface="MoolBoran"/>
+        <a:font script="Knda" typeface="Tunga"/>
+        <a:font script="Guru" typeface="Raavi"/>
+        <a:font script="Cans" typeface="Euphemia"/>
+        <a:font script="Cher" typeface="Plantagenet Cherokee"/>
+        <a:font script="Yiii" typeface="Microsoft Yi Baiti"/>
+        <a:font script="Tibt" typeface="Microsoft Himalaya"/>
+        <a:font script="Thaa" typeface="MV Boli"/>
+        <a:font script="Deva" typeface="Mangal"/>
+        <a:font script="Telu" typeface="Gautami"/>
+        <a:font script="Taml" typeface="Latha"/>
+        <a:font script="Syrc" typeface="Estrangelo Edessa"/>
+        <a:font script="Orya" typeface="Kalinga"/>
+        <a:font script="Mlym" typeface="Kartika"/>
+        <a:font script="Laoo" typeface="DokChampa"/>
+        <a:font script="Sinh" typeface="Iskoola Pota"/>
+        <a:font script="Mong" typeface="Mongolian Baiti"/>
+        <a:font script="Viet" typeface="Times New Roman"/>
+        <a:font script="Uigh" typeface="Microsoft Uighur"/>
       </a:majorFont>
       <a:minorFont>
         <a:latin typeface="Arial"/>
         <a:ea typeface=""/>
         <a:cs typeface=""/>
-        <a:font typeface="ＭＳ Ｐゴシック" script="Jpan"/>
-        <a:font typeface="맑은 고딕" script="Hang"/>
-        <a:font typeface="宋体" script="Hans"/>
-        <a:font typeface="新細明體" script="Hant"/>
-        <a:font typeface="Arial" script="Arab"/>
-        <a:font typeface="Arial" script="Hebr"/>
-        <a:font typeface="Cordia New" script="Thai"/>
-        <a:font typeface="Nyala" script="Ethi"/>
-        <a:font typeface="Vrinda" script="Beng"/>
-        <a:font typeface="Shruti" script="Gujr"/>
-        <a:font typeface="DaunPenh" script="Khmr"/>
-        <a:font typeface="Tunga" script="Knda"/>
-        <a:font typeface="Raavi" script="Guru"/>
-        <a:font typeface="Euphemia" script="Cans"/>
-        <a:font typeface="Plantagenet Cherokee" script="Cher"/>
-        <a:font typeface="Microsoft Yi Baiti" script="Yiii"/>
-        <a:font typeface="Microsoft Himalaya" script="Tibt"/>
-        <a:font typeface="MV Boli" script="Thaa"/>
-        <a:font typeface="Mangal" script="Deva"/>
-        <a:font typeface="Gautami" script="Telu"/>
-        <a:font typeface="Latha" script="Taml"/>
-        <a:font typeface="Estrangelo Edessa" script="Syrc"/>
-        <a:font typeface="Kalinga" script="Orya"/>
-        <a:font typeface="Kartika" script="Mlym"/>
-        <a:font typeface="DokChampa" script="Laoo"/>
-        <a:font typeface="Iskoola Pota" script="Sinh"/>
-        <a:font typeface="Mongolian Baiti" script="Mong"/>
-        <a:font typeface="Arial" script="Viet"/>
-        <a:font typeface="Microsoft Uighur" script="Uigh"/>
+        <a:font script="Jpan" typeface="ＭＳ Ｐゴシック"/>
+        <a:font script="Hang" typeface="맑은 고딕"/>
+        <a:font script="Hans" typeface="宋体"/>
+        <a:font script="Hant" typeface="新細明體"/>
+        <a:font script="Arab" typeface="Arial"/>
+        <a:font script="Hebr" typeface="Arial"/>
+        <a:font script="Thai" typeface="Cordia New"/>
+        <a:font script="Ethi" typeface="Nyala"/>
+        <a:font script="Beng" typeface="Vrinda"/>
+        <a:font script="Gujr" typeface="Shruti"/>
+        <a:font script="Khmr" typeface="DaunPenh"/>
+        <a:font script="Knda" typeface="Tunga"/>
+        <a:font script="Guru" typeface="Raavi"/>
+        <a:font script="Cans" typeface="Euphemia"/>
+        <a:font script="Cher" typeface="Plantagenet Cherokee"/>
+        <a:font script="Yiii" typeface="Microsoft Yi Baiti"/>
+        <a:font script="Tibt" typeface="Microsoft Himalaya"/>
+        <a:font script="Thaa" typeface="MV Boli"/>
+        <a:font script="Deva" typeface="Mangal"/>
+        <a:font script="Telu" typeface="Gautami"/>
+        <a:font script="Taml" typeface="Latha"/>
+        <a:font script="Syrc" typeface="Estrangelo Edessa"/>
+        <a:font script="Orya" typeface="Kalinga"/>
+        <a:font script="Mlym" typeface="Kartika"/>
+        <a:font script="Laoo" typeface="DokChampa"/>
+        <a:font script="Sinh" typeface="Iskoola Pota"/>
+        <a:font script="Mong" typeface="Mongolian Baiti"/>
+        <a:font script="Viet" typeface="Arial"/>
+        <a:font script="Uigh" typeface="Microsoft Uighur"/>
       </a:minorFont>
     </a:fontScheme>
     <a:fmtScheme name="Office">
@@ -5431,7 +6378,7 @@
         </a:gradFill>
       </a:fillStyleLst>
       <a:lnStyleLst>
-        <a:ln w="9525" algn="ctr" cap="flat" cmpd="sng">
+        <a:ln w="9525" cap="flat" cmpd="sng" algn="ctr">
           <a:solidFill>
             <a:schemeClr val="phClr">
               <a:shade val="95000"/>
@@ -5440,13 +6387,13 @@
           </a:solidFill>
           <a:prstDash val="solid"/>
         </a:ln>
-        <a:ln w="25400" algn="ctr" cap="flat" cmpd="sng">
+        <a:ln w="25400" cap="flat" cmpd="sng" algn="ctr">
           <a:solidFill>
             <a:schemeClr val="phClr"/>
           </a:solidFill>
           <a:prstDash val="solid"/>
         </a:ln>
-        <a:ln w="38100" algn="ctr" cap="flat" cmpd="sng">
+        <a:ln w="38100" cap="flat" cmpd="sng" algn="ctr">
           <a:solidFill>
             <a:schemeClr val="phClr"/>
           </a:solidFill>
@@ -5456,7 +6403,7 @@
       <a:effectStyleLst>
         <a:effectStyle>
           <a:effectLst>
-            <a:outerShdw rotWithShape="0" dir="5400000" blurRad="40000" dist="20000">
+            <a:outerShdw blurRad="40000" dist="20000" dir="5400000" rotWithShape="0">
               <a:srgbClr val="000000">
                 <a:alpha val="38000"/>
               </a:srgbClr>
@@ -5465,7 +6412,7 @@
         </a:effectStyle>
         <a:effectStyle>
           <a:effectLst>
-            <a:outerShdw rotWithShape="0" dir="5400000" blurRad="40000" dist="23000">
+            <a:outerShdw blurRad="40000" dist="23000" dir="5400000" rotWithShape="0">
               <a:srgbClr val="000000">
                 <a:alpha val="35000"/>
               </a:srgbClr>
@@ -5474,7 +6421,7 @@
         </a:effectStyle>
         <a:effectStyle>
           <a:effectLst>
-            <a:outerShdw rotWithShape="0" dir="5400000" blurRad="40000" dist="23000">
+            <a:outerShdw blurRad="40000" dist="23000" dir="5400000" rotWithShape="0">
               <a:srgbClr val="000000">
                 <a:alpha val="35000"/>
               </a:srgbClr>
@@ -5482,10 +6429,10 @@
           </a:effectLst>
           <a:scene3d>
             <a:camera prst="orthographicFront">
-              <a:rot rev="0" lon="0" lat="0"/>
+              <a:rot lat="0" lon="0" rev="0"/>
             </a:camera>
-            <a:lightRig dir="t" rig="threePt">
-              <a:rot rev="1200000" lon="0" lat="0"/>
+            <a:lightRig rig="threePt" dir="t">
+              <a:rot lat="0" lon="0" rev="1200000"/>
             </a:lightRig>
           </a:scene3d>
           <a:sp3d>
@@ -5520,7 +6467,7 @@
             </a:gs>
           </a:gsLst>
           <a:path path="circle">
-            <a:fillToRect t="-80000" b="180000" r="50000" l="50000"/>
+            <a:fillToRect l="50000" t="-80000" r="50000" b="180000"/>
           </a:path>
         </a:gradFill>
         <a:gradFill rotWithShape="1">
@@ -5539,329 +6486,13 @@
             </a:gs>
           </a:gsLst>
           <a:path path="circle">
-            <a:fillToRect t="50000" b="50000" r="50000" l="50000"/>
+            <a:fillToRect l="50000" t="50000" r="50000" b="50000"/>
           </a:path>
         </a:gradFill>
       </a:bgFillStyleLst>
     </a:fmtScheme>
   </a:themeElements>
-  <a:objectDefaults>
-    <a:spDef>
-      <a:spPr/>
-      <a:bodyPr/>
-      <a:lstStyle/>
-      <a:style>
-        <a:lnRef idx="1">
-          <a:schemeClr val="accent1"/>
-        </a:lnRef>
-        <a:fillRef idx="3">
-          <a:schemeClr val="accent1"/>
-        </a:fillRef>
-        <a:effectRef idx="2">
-          <a:schemeClr val="accent1"/>
-        </a:effectRef>
-        <a:fontRef idx="minor">
-          <a:schemeClr val="lt1"/>
-        </a:fontRef>
-      </a:style>
-    </a:spDef>
-    <a:lnDef>
-      <a:spPr/>
-      <a:bodyPr/>
-      <a:lstStyle/>
-      <a:style>
-        <a:lnRef idx="2">
-          <a:schemeClr val="accent1"/>
-        </a:lnRef>
-        <a:fillRef idx="0">
-          <a:schemeClr val="accent1"/>
-        </a:fillRef>
-        <a:effectRef idx="1">
-          <a:schemeClr val="accent1"/>
-        </a:effectRef>
-        <a:fontRef idx="minor">
-          <a:schemeClr val="tx1"/>
-        </a:fontRef>
-      </a:style>
-    </a:lnDef>
-  </a:objectDefaults>
+  <a:objectDefaults/>
   <a:extraClrSchemeLst/>
 </a:theme>
-</file>
-
-<file path=ppt/theme/theme3.xml><?xml version="1.0" encoding="utf-8"?>
-<a:theme xmlns:a="http://schemas.openxmlformats.org/drawingml/2006/main" xmlns:r="http://schemas.openxmlformats.org/officeDocument/2006/relationships" name="Custom Theme">
-  <a:themeElements>
-    <a:clrScheme name="Default">
-      <a:dk1>
-        <a:srgbClr val="000000"/>
-      </a:dk1>
-      <a:lt1>
-        <a:srgbClr val="FFFFFF"/>
-      </a:lt1>
-      <a:dk2>
-        <a:srgbClr val="158158"/>
-      </a:dk2>
-      <a:lt2>
-        <a:srgbClr val="F3F3F3"/>
-      </a:lt2>
-      <a:accent1>
-        <a:srgbClr val="058DC7"/>
-      </a:accent1>
-      <a:accent2>
-        <a:srgbClr val="50B432"/>
-      </a:accent2>
-      <a:accent3>
-        <a:srgbClr val="ED561B"/>
-      </a:accent3>
-      <a:accent4>
-        <a:srgbClr val="EDEF00"/>
-      </a:accent4>
-      <a:accent5>
-        <a:srgbClr val="24CBE5"/>
-      </a:accent5>
-      <a:accent6>
-        <a:srgbClr val="64E572"/>
-      </a:accent6>
-      <a:hlink>
-        <a:srgbClr val="2200CC"/>
-      </a:hlink>
-      <a:folHlink>
-        <a:srgbClr val="551A8B"/>
-      </a:folHlink>
-    </a:clrScheme>
-    <a:fontScheme name="Office">
-      <a:majorFont>
-        <a:latin typeface="Arial"/>
-        <a:ea typeface=""/>
-        <a:cs typeface=""/>
-        <a:font typeface="ＭＳ Ｐゴシック" script="Jpan"/>
-        <a:font typeface="맑은 고딕" script="Hang"/>
-        <a:font typeface="宋体" script="Hans"/>
-        <a:font typeface="新細明體" script="Hant"/>
-        <a:font typeface="Times New Roman" script="Arab"/>
-        <a:font typeface="Times New Roman" script="Hebr"/>
-        <a:font typeface="Angsana New" script="Thai"/>
-        <a:font typeface="Nyala" script="Ethi"/>
-        <a:font typeface="Vrinda" script="Beng"/>
-        <a:font typeface="Shruti" script="Gujr"/>
-        <a:font typeface="MoolBoran" script="Khmr"/>
-        <a:font typeface="Tunga" script="Knda"/>
-        <a:font typeface="Raavi" script="Guru"/>
-        <a:font typeface="Euphemia" script="Cans"/>
-        <a:font typeface="Plantagenet Cherokee" script="Cher"/>
-        <a:font typeface="Microsoft Yi Baiti" script="Yiii"/>
-        <a:font typeface="Microsoft Himalaya" script="Tibt"/>
-        <a:font typeface="MV Boli" script="Thaa"/>
-        <a:font typeface="Mangal" script="Deva"/>
-        <a:font typeface="Gautami" script="Telu"/>
-        <a:font typeface="Latha" script="Taml"/>
-        <a:font typeface="Estrangelo Edessa" script="Syrc"/>
-        <a:font typeface="Kalinga" script="Orya"/>
-        <a:font typeface="Kartika" script="Mlym"/>
-        <a:font typeface="DokChampa" script="Laoo"/>
-        <a:font typeface="Iskoola Pota" script="Sinh"/>
-        <a:font typeface="Mongolian Baiti" script="Mong"/>
-        <a:font typeface="Times New Roman" script="Viet"/>
-        <a:font typeface="Microsoft Uighur" script="Uigh"/>
-      </a:majorFont>
-      <a:minorFont>
-        <a:latin typeface="Arial"/>
-        <a:ea typeface=""/>
-        <a:cs typeface=""/>
-        <a:font typeface="ＭＳ Ｐゴシック" script="Jpan"/>
-        <a:font typeface="맑은 고딕" script="Hang"/>
-        <a:font typeface="宋体" script="Hans"/>
-        <a:font typeface="新細明體" script="Hant"/>
-        <a:font typeface="Arial" script="Arab"/>
-        <a:font typeface="Arial" script="Hebr"/>
-        <a:font typeface="Cordia New" script="Thai"/>
-        <a:font typeface="Nyala" script="Ethi"/>
-        <a:font typeface="Vrinda" script="Beng"/>
-        <a:font typeface="Shruti" script="Gujr"/>
-        <a:font typeface="DaunPenh" script="Khmr"/>
-        <a:font typeface="Tunga" script="Knda"/>
-        <a:font typeface="Raavi" script="Guru"/>
-        <a:font typeface="Euphemia" script="Cans"/>
-        <a:font typeface="Plantagenet Cherokee" script="Cher"/>
-        <a:font typeface="Microsoft Yi Baiti" script="Yiii"/>
-        <a:font typeface="Microsoft Himalaya" script="Tibt"/>
-        <a:font typeface="MV Boli" script="Thaa"/>
-        <a:font typeface="Mangal" script="Deva"/>
-        <a:font typeface="Gautami" script="Telu"/>
-        <a:font typeface="Latha" script="Taml"/>
-        <a:font typeface="Estrangelo Edessa" script="Syrc"/>
-        <a:font typeface="Kalinga" script="Orya"/>
-        <a:font typeface="Kartika" script="Mlym"/>
-        <a:font typeface="DokChampa" script="Laoo"/>
-        <a:font typeface="Iskoola Pota" script="Sinh"/>
-        <a:font typeface="Mongolian Baiti" script="Mong"/>
-        <a:font typeface="Arial" script="Viet"/>
-        <a:font typeface="Microsoft Uighur" script="Uigh"/>
-      </a:minorFont>
-    </a:fontScheme>
-    <a:fmtScheme name="Office">
-      <a:fillStyleLst>
-        <a:solidFill>
-          <a:schemeClr val="phClr"/>
-        </a:solidFill>
-        <a:gradFill rotWithShape="1">
-          <a:gsLst>
-            <a:gs pos="0">
-              <a:schemeClr val="phClr">
-                <a:tint val="50000"/>
-                <a:satMod val="300000"/>
-              </a:schemeClr>
-            </a:gs>
-            <a:gs pos="35000">
-              <a:schemeClr val="phClr">
-                <a:tint val="37000"/>
-                <a:satMod val="300000"/>
-              </a:schemeClr>
-            </a:gs>
-            <a:gs pos="100000">
-              <a:schemeClr val="phClr">
-                <a:tint val="15000"/>
-                <a:satMod val="350000"/>
-              </a:schemeClr>
-            </a:gs>
-          </a:gsLst>
-          <a:lin ang="16200000" scaled="1"/>
-        </a:gradFill>
-        <a:gradFill rotWithShape="1">
-          <a:gsLst>
-            <a:gs pos="0">
-              <a:schemeClr val="phClr">
-                <a:tint val="100000"/>
-                <a:shade val="100000"/>
-                <a:satMod val="130000"/>
-              </a:schemeClr>
-            </a:gs>
-            <a:gs pos="100000">
-              <a:schemeClr val="phClr">
-                <a:tint val="50000"/>
-                <a:shade val="100000"/>
-                <a:satMod val="350000"/>
-              </a:schemeClr>
-            </a:gs>
-          </a:gsLst>
-          <a:lin ang="16200000" scaled="0"/>
-        </a:gradFill>
-      </a:fillStyleLst>
-      <a:lnStyleLst>
-        <a:ln w="9525" algn="ctr" cap="flat" cmpd="sng">
-          <a:solidFill>
-            <a:schemeClr val="phClr">
-              <a:shade val="95000"/>
-              <a:satMod val="105000"/>
-            </a:schemeClr>
-          </a:solidFill>
-          <a:prstDash val="solid"/>
-        </a:ln>
-        <a:ln w="25400" algn="ctr" cap="flat" cmpd="sng">
-          <a:solidFill>
-            <a:schemeClr val="phClr"/>
-          </a:solidFill>
-          <a:prstDash val="solid"/>
-        </a:ln>
-        <a:ln w="38100" algn="ctr" cap="flat" cmpd="sng">
-          <a:solidFill>
-            <a:schemeClr val="phClr"/>
-          </a:solidFill>
-          <a:prstDash val="solid"/>
-        </a:ln>
-      </a:lnStyleLst>
-      <a:effectStyleLst>
-        <a:effectStyle>
-          <a:effectLst>
-            <a:outerShdw rotWithShape="0" dir="5400000" blurRad="40000" dist="20000">
-              <a:srgbClr val="000000">
-                <a:alpha val="38000"/>
-              </a:srgbClr>
-            </a:outerShdw>
-          </a:effectLst>
-        </a:effectStyle>
-        <a:effectStyle>
-          <a:effectLst>
-            <a:outerShdw rotWithShape="0" dir="5400000" blurRad="40000" dist="23000">
-              <a:srgbClr val="000000">
-                <a:alpha val="35000"/>
-              </a:srgbClr>
-            </a:outerShdw>
-          </a:effectLst>
-        </a:effectStyle>
-        <a:effectStyle>
-          <a:effectLst>
-            <a:outerShdw rotWithShape="0" dir="5400000" blurRad="40000" dist="23000">
-              <a:srgbClr val="000000">
-                <a:alpha val="35000"/>
-              </a:srgbClr>
-            </a:outerShdw>
-          </a:effectLst>
-          <a:scene3d>
-            <a:camera prst="orthographicFront">
-              <a:rot rev="0" lon="0" lat="0"/>
-            </a:camera>
-            <a:lightRig dir="t" rig="threePt">
-              <a:rot rev="1200000" lon="0" lat="0"/>
-            </a:lightRig>
-          </a:scene3d>
-          <a:sp3d>
-            <a:bevelT w="63500" h="25400"/>
-          </a:sp3d>
-        </a:effectStyle>
-      </a:effectStyleLst>
-      <a:bgFillStyleLst>
-        <a:solidFill>
-          <a:schemeClr val="phClr"/>
-        </a:solidFill>
-        <a:gradFill rotWithShape="1">
-          <a:gsLst>
-            <a:gs pos="0">
-              <a:schemeClr val="phClr">
-                <a:tint val="40000"/>
-                <a:satMod val="350000"/>
-              </a:schemeClr>
-            </a:gs>
-            <a:gs pos="40000">
-              <a:schemeClr val="phClr">
-                <a:tint val="45000"/>
-                <a:shade val="99000"/>
-                <a:satMod val="350000"/>
-              </a:schemeClr>
-            </a:gs>
-            <a:gs pos="100000">
-              <a:schemeClr val="phClr">
-                <a:shade val="20000"/>
-                <a:satMod val="255000"/>
-              </a:schemeClr>
-            </a:gs>
-          </a:gsLst>
-          <a:path path="circle">
-            <a:fillToRect t="-80000" b="180000" r="50000" l="50000"/>
-          </a:path>
-        </a:gradFill>
-        <a:gradFill rotWithShape="1">
-          <a:gsLst>
-            <a:gs pos="0">
-              <a:schemeClr val="phClr">
-                <a:tint val="80000"/>
-                <a:satMod val="300000"/>
-              </a:schemeClr>
-            </a:gs>
-            <a:gs pos="100000">
-              <a:schemeClr val="phClr">
-                <a:shade val="30000"/>
-                <a:satMod val="200000"/>
-              </a:schemeClr>
-            </a:gs>
-          </a:gsLst>
-          <a:path path="circle">
-            <a:fillToRect t="50000" b="50000" r="50000" l="50000"/>
-          </a:path>
-        </a:gradFill>
-      </a:bgFillStyleLst>
-    </a:fmtScheme>
-  </a:themeElements>
-</a:theme>
 </file>